--- a/report/Поиск двух пар точек из  множества точек [Автосохраненный].pptx
+++ b/report/Поиск двух пар точек из  множества точек [Автосохраненный].pptx
@@ -14,10 +14,12 @@
     <p:sldId id="269" r:id="rId8"/>
     <p:sldId id="261" r:id="rId9"/>
     <p:sldId id="270" r:id="rId10"/>
-    <p:sldId id="262" r:id="rId11"/>
-    <p:sldId id="264" r:id="rId12"/>
-    <p:sldId id="266" r:id="rId13"/>
-    <p:sldId id="265" r:id="rId14"/>
+    <p:sldId id="272" r:id="rId11"/>
+    <p:sldId id="262" r:id="rId12"/>
+    <p:sldId id="264" r:id="rId13"/>
+    <p:sldId id="266" r:id="rId14"/>
+    <p:sldId id="271" r:id="rId15"/>
+    <p:sldId id="265" r:id="rId16"/>
   </p:sldIdLst>
   <p:sldSz cx="12192000" cy="6858000"/>
   <p:notesSz cx="6858000" cy="9144000"/>
@@ -118,7 +120,7 @@
   </p:defaultTextStyle>
   <p:extLst>
     <p:ext uri="{EFAFB233-063F-42B5-8137-9DF3F51BA10A}">
-      <p15:sldGuideLst xmlns:p15="http://schemas.microsoft.com/office/powerpoint/2012/main">
+      <p15:sldGuideLst xmlns:p15="http://schemas.microsoft.com/office/powerpoint/2012/main" xmlns="">
         <p15:guide id="1" orient="horz" pos="2160">
           <p15:clr>
             <a:srgbClr val="A4A3A4"/>
@@ -858,7 +860,7 @@
             <a:fld id="{B61BEF0D-F0BB-DE4B-95CE-6DB70DBA9567}" type="datetimeFigureOut">
               <a:rPr lang="en-US" dirty="0"/>
               <a:pPr/>
-              <a:t>4/20/2021</a:t>
+              <a:t>5/8/2021</a:t>
             </a:fld>
             <a:endParaRPr lang="en-US" dirty="0"/>
           </a:p>
@@ -1106,7 +1108,7 @@
             <a:fld id="{B61BEF0D-F0BB-DE4B-95CE-6DB70DBA9567}" type="datetimeFigureOut">
               <a:rPr lang="en-US" dirty="0"/>
               <a:pPr/>
-              <a:t>4/20/2021</a:t>
+              <a:t>5/8/2021</a:t>
             </a:fld>
             <a:endParaRPr lang="en-US" dirty="0"/>
           </a:p>
@@ -1417,7 +1419,7 @@
             <a:fld id="{B61BEF0D-F0BB-DE4B-95CE-6DB70DBA9567}" type="datetimeFigureOut">
               <a:rPr lang="en-US" dirty="0"/>
               <a:pPr/>
-              <a:t>4/20/2021</a:t>
+              <a:t>5/8/2021</a:t>
             </a:fld>
             <a:endParaRPr lang="en-US" dirty="0"/>
           </a:p>
@@ -1755,7 +1757,7 @@
             <a:fld id="{B61BEF0D-F0BB-DE4B-95CE-6DB70DBA9567}" type="datetimeFigureOut">
               <a:rPr lang="en-US" dirty="0"/>
               <a:pPr/>
-              <a:t>4/20/2021</a:t>
+              <a:t>5/8/2021</a:t>
             </a:fld>
             <a:endParaRPr lang="en-US" dirty="0"/>
           </a:p>
@@ -2066,7 +2068,7 @@
             <a:fld id="{B61BEF0D-F0BB-DE4B-95CE-6DB70DBA9567}" type="datetimeFigureOut">
               <a:rPr lang="en-US" dirty="0"/>
               <a:pPr/>
-              <a:t>4/20/2021</a:t>
+              <a:t>5/8/2021</a:t>
             </a:fld>
             <a:endParaRPr lang="en-US" dirty="0"/>
           </a:p>
@@ -2456,7 +2458,7 @@
             <a:fld id="{B61BEF0D-F0BB-DE4B-95CE-6DB70DBA9567}" type="datetimeFigureOut">
               <a:rPr lang="en-US" dirty="0"/>
               <a:pPr/>
-              <a:t>4/20/2021</a:t>
+              <a:t>5/8/2021</a:t>
             </a:fld>
             <a:endParaRPr lang="en-US" dirty="0"/>
           </a:p>
@@ -2622,7 +2624,7 @@
           <a:p>
             <a:fld id="{55C6B4A9-1611-4792-9094-5F34BCA07E0B}" type="datetimeFigureOut">
               <a:rPr lang="en-US" dirty="0"/>
-              <a:t>4/20/2021</a:t>
+              <a:t>5/8/2021</a:t>
             </a:fld>
             <a:endParaRPr lang="en-US" dirty="0"/>
           </a:p>
@@ -2798,7 +2800,7 @@
             <a:fld id="{B61BEF0D-F0BB-DE4B-95CE-6DB70DBA9567}" type="datetimeFigureOut">
               <a:rPr lang="en-US" dirty="0"/>
               <a:pPr/>
-              <a:t>4/20/2021</a:t>
+              <a:t>5/8/2021</a:t>
             </a:fld>
             <a:endParaRPr lang="en-US" dirty="0"/>
           </a:p>
@@ -2971,7 +2973,7 @@
             <a:fld id="{B61BEF0D-F0BB-DE4B-95CE-6DB70DBA9567}" type="datetimeFigureOut">
               <a:rPr lang="en-US" dirty="0"/>
               <a:pPr/>
-              <a:t>4/20/2021</a:t>
+              <a:t>5/8/2021</a:t>
             </a:fld>
             <a:endParaRPr lang="en-US" dirty="0"/>
           </a:p>
@@ -3215,7 +3217,7 @@
             <a:fld id="{B61BEF0D-F0BB-DE4B-95CE-6DB70DBA9567}" type="datetimeFigureOut">
               <a:rPr lang="en-US" dirty="0"/>
               <a:pPr/>
-              <a:t>4/20/2021</a:t>
+              <a:t>5/8/2021</a:t>
             </a:fld>
             <a:endParaRPr lang="en-US" dirty="0"/>
           </a:p>
@@ -3443,7 +3445,7 @@
           <a:p>
             <a:fld id="{EB712588-04B1-427B-82EE-E8DB90309F08}" type="datetimeFigureOut">
               <a:rPr lang="en-US" dirty="0"/>
-              <a:t>4/20/2021</a:t>
+              <a:t>5/8/2021</a:t>
             </a:fld>
             <a:endParaRPr lang="en-US" dirty="0"/>
           </a:p>
@@ -3813,7 +3815,7 @@
             <a:fld id="{B61BEF0D-F0BB-DE4B-95CE-6DB70DBA9567}" type="datetimeFigureOut">
               <a:rPr lang="en-US" dirty="0"/>
               <a:pPr/>
-              <a:t>4/20/2021</a:t>
+              <a:t>5/8/2021</a:t>
             </a:fld>
             <a:endParaRPr lang="en-US" dirty="0"/>
           </a:p>
@@ -3933,7 +3935,7 @@
             <a:fld id="{B61BEF0D-F0BB-DE4B-95CE-6DB70DBA9567}" type="datetimeFigureOut">
               <a:rPr lang="en-US" dirty="0"/>
               <a:pPr/>
-              <a:t>4/20/2021</a:t>
+              <a:t>5/8/2021</a:t>
             </a:fld>
             <a:endParaRPr lang="en-US" dirty="0"/>
           </a:p>
@@ -4025,7 +4027,7 @@
             <a:fld id="{B61BEF0D-F0BB-DE4B-95CE-6DB70DBA9567}" type="datetimeFigureOut">
               <a:rPr lang="en-US" dirty="0"/>
               <a:pPr/>
-              <a:t>4/20/2021</a:t>
+              <a:t>5/8/2021</a:t>
             </a:fld>
             <a:endParaRPr lang="en-US" dirty="0"/>
           </a:p>
@@ -4276,7 +4278,7 @@
           <a:p>
             <a:fld id="{42A54C80-263E-416B-A8E0-580EDEADCBDC}" type="datetimeFigureOut">
               <a:rPr lang="en-US" dirty="0"/>
-              <a:t>4/20/2021</a:t>
+              <a:t>5/8/2021</a:t>
             </a:fld>
             <a:endParaRPr lang="en-US" dirty="0"/>
           </a:p>
@@ -4535,7 +4537,7 @@
             <a:fld id="{B61BEF0D-F0BB-DE4B-95CE-6DB70DBA9567}" type="datetimeFigureOut">
               <a:rPr lang="en-US" dirty="0"/>
               <a:pPr/>
-              <a:t>4/20/2021</a:t>
+              <a:t>5/8/2021</a:t>
             </a:fld>
             <a:endParaRPr lang="en-US" dirty="0"/>
           </a:p>
@@ -5275,7 +5277,7 @@
             <a:fld id="{B61BEF0D-F0BB-DE4B-95CE-6DB70DBA9567}" type="datetimeFigureOut">
               <a:rPr lang="en-US" dirty="0"/>
               <a:pPr/>
-              <a:t>4/20/2021</a:t>
+              <a:t>5/8/2021</a:t>
             </a:fld>
             <a:endParaRPr lang="en-US" dirty="0"/>
           </a:p>
@@ -5971,6 +5973,6324 @@
       </p:grpSpPr>
       <p:sp>
         <p:nvSpPr>
+          <p:cNvPr id="2" name="Прямоугольник 1"/>
+          <p:cNvSpPr/>
+          <p:nvPr/>
+        </p:nvSpPr>
+        <p:spPr>
+          <a:xfrm>
+            <a:off x="928116" y="239007"/>
+            <a:ext cx="8691803" cy="769441"/>
+          </a:xfrm>
+          <a:prstGeom prst="rect">
+            <a:avLst/>
+          </a:prstGeom>
+        </p:spPr>
+        <p:txBody>
+          <a:bodyPr wrap="none">
+            <a:spAutoFit/>
+          </a:bodyPr>
+          <a:lstStyle/>
+          <a:p>
+            <a:r>
+              <a:rPr lang="ru-RU" sz="4400" dirty="0">
+                <a:solidFill>
+                  <a:schemeClr val="accent2"/>
+                </a:solidFill>
+              </a:rPr>
+              <a:t>Визуализация структуры данных</a:t>
+            </a:r>
+          </a:p>
+        </p:txBody>
+      </p:sp>
+      <p:sp>
+        <p:nvSpPr>
+          <p:cNvPr id="3" name="Прямоугольник 2"/>
+          <p:cNvSpPr/>
+          <p:nvPr/>
+        </p:nvSpPr>
+        <p:spPr>
+          <a:xfrm>
+            <a:off x="928116" y="1413581"/>
+            <a:ext cx="3153427" cy="369332"/>
+          </a:xfrm>
+          <a:prstGeom prst="rect">
+            <a:avLst/>
+          </a:prstGeom>
+        </p:spPr>
+        <p:txBody>
+          <a:bodyPr wrap="none">
+            <a:spAutoFit/>
+          </a:bodyPr>
+          <a:lstStyle/>
+          <a:p>
+            <a:r>
+              <a:rPr lang="ru-RU" dirty="0" smtClean="0">
+                <a:solidFill>
+                  <a:schemeClr val="accent2">
+                    <a:lumMod val="50000"/>
+                  </a:schemeClr>
+                </a:solidFill>
+              </a:rPr>
+              <a:t>Хранятся </a:t>
+            </a:r>
+            <a:r>
+              <a:rPr lang="ru-RU" dirty="0">
+                <a:solidFill>
+                  <a:schemeClr val="accent2">
+                    <a:lumMod val="50000"/>
+                  </a:schemeClr>
+                </a:solidFill>
+              </a:rPr>
+              <a:t>координаты </a:t>
+            </a:r>
+            <a:r>
+              <a:rPr lang="ru-RU" dirty="0" smtClean="0">
+                <a:solidFill>
+                  <a:schemeClr val="accent2">
+                    <a:lumMod val="50000"/>
+                  </a:schemeClr>
+                </a:solidFill>
+              </a:rPr>
+              <a:t>точек</a:t>
+            </a:r>
+            <a:endParaRPr lang="ru-RU" dirty="0">
+              <a:solidFill>
+                <a:schemeClr val="accent2">
+                  <a:lumMod val="50000"/>
+                </a:schemeClr>
+              </a:solidFill>
+            </a:endParaRPr>
+          </a:p>
+        </p:txBody>
+      </p:sp>
+      <p:graphicFrame>
+        <p:nvGraphicFramePr>
+          <p:cNvPr id="5" name="Group 96"/>
+          <p:cNvGraphicFramePr>
+            <a:graphicFrameLocks/>
+          </p:cNvGraphicFramePr>
+          <p:nvPr>
+            <p:extLst>
+              <p:ext uri="{D42A27DB-BD31-4B8C-83A1-F6EECF244321}">
+                <p14:modId xmlns:p14="http://schemas.microsoft.com/office/powerpoint/2010/main" val="902134123"/>
+              </p:ext>
+            </p:extLst>
+          </p:nvPr>
+        </p:nvGraphicFramePr>
+        <p:xfrm>
+          <a:off x="928116" y="2038812"/>
+          <a:ext cx="5306646" cy="1392142"/>
+        </p:xfrm>
+        <a:graphic>
+          <a:graphicData uri="http://schemas.openxmlformats.org/drawingml/2006/table">
+            <a:tbl>
+              <a:tblPr/>
+              <a:tblGrid>
+                <a:gridCol w="886552">
+                  <a:extLst>
+                    <a:ext uri="{9D8B030D-6E8A-4147-A177-3AD203B41FA5}">
+                      <a16:colId xmlns:a16="http://schemas.microsoft.com/office/drawing/2014/main" xmlns="" val="4150214955"/>
+                    </a:ext>
+                  </a:extLst>
+                </a:gridCol>
+                <a:gridCol w="884742">
+                  <a:extLst>
+                    <a:ext uri="{9D8B030D-6E8A-4147-A177-3AD203B41FA5}">
+                      <a16:colId xmlns:a16="http://schemas.microsoft.com/office/drawing/2014/main" xmlns="" val="4275736939"/>
+                    </a:ext>
+                  </a:extLst>
+                </a:gridCol>
+                <a:gridCol w="884743">
+                  <a:extLst>
+                    <a:ext uri="{9D8B030D-6E8A-4147-A177-3AD203B41FA5}">
+                      <a16:colId xmlns:a16="http://schemas.microsoft.com/office/drawing/2014/main" xmlns="" val="2282787445"/>
+                    </a:ext>
+                  </a:extLst>
+                </a:gridCol>
+                <a:gridCol w="886552">
+                  <a:extLst>
+                    <a:ext uri="{9D8B030D-6E8A-4147-A177-3AD203B41FA5}">
+                      <a16:colId xmlns:a16="http://schemas.microsoft.com/office/drawing/2014/main" xmlns="" val="1165866338"/>
+                    </a:ext>
+                  </a:extLst>
+                </a:gridCol>
+                <a:gridCol w="877505">
+                  <a:extLst>
+                    <a:ext uri="{9D8B030D-6E8A-4147-A177-3AD203B41FA5}">
+                      <a16:colId xmlns:a16="http://schemas.microsoft.com/office/drawing/2014/main" xmlns="" val="1816096298"/>
+                    </a:ext>
+                  </a:extLst>
+                </a:gridCol>
+                <a:gridCol w="886552">
+                  <a:extLst>
+                    <a:ext uri="{9D8B030D-6E8A-4147-A177-3AD203B41FA5}">
+                      <a16:colId xmlns:a16="http://schemas.microsoft.com/office/drawing/2014/main" xmlns="" val="4092385585"/>
+                    </a:ext>
+                  </a:extLst>
+                </a:gridCol>
+              </a:tblGrid>
+              <a:tr h="750125">
+                <a:tc>
+                  <a:txBody>
+                    <a:bodyPr/>
+                    <a:lstStyle>
+                      <a:lvl1pPr>
+                        <a:spcBef>
+                          <a:spcPct val="20000"/>
+                        </a:spcBef>
+                        <a:buClr>
+                          <a:schemeClr val="tx2"/>
+                        </a:buClr>
+                        <a:buSzPct val="70000"/>
+                        <a:buFont typeface="Wingdings" panose="05000000000000000000" pitchFamily="2" charset="2"/>
+                        <a:defRPr sz="2600">
+                          <a:solidFill>
+                            <a:schemeClr val="tx1"/>
+                          </a:solidFill>
+                          <a:latin typeface="Arial" panose="020B0604020202020204" pitchFamily="34" charset="0"/>
+                        </a:defRPr>
+                      </a:lvl1pPr>
+                      <a:lvl2pPr marL="344488">
+                        <a:spcBef>
+                          <a:spcPct val="20000"/>
+                        </a:spcBef>
+                        <a:buClr>
+                          <a:schemeClr val="accent2"/>
+                        </a:buClr>
+                        <a:buSzPct val="70000"/>
+                        <a:buFont typeface="Wingdings" panose="05000000000000000000" pitchFamily="2" charset="2"/>
+                        <a:defRPr sz="2200">
+                          <a:solidFill>
+                            <a:schemeClr val="tx1"/>
+                          </a:solidFill>
+                          <a:latin typeface="Arial" panose="020B0604020202020204" pitchFamily="34" charset="0"/>
+                        </a:defRPr>
+                      </a:lvl2pPr>
+                      <a:lvl3pPr marL="693738">
+                        <a:spcBef>
+                          <a:spcPct val="20000"/>
+                        </a:spcBef>
+                        <a:buClr>
+                          <a:schemeClr val="accent1"/>
+                        </a:buClr>
+                        <a:buSzPct val="70000"/>
+                        <a:buFont typeface="Wingdings" panose="05000000000000000000" pitchFamily="2" charset="2"/>
+                        <a:defRPr sz="2100">
+                          <a:solidFill>
+                            <a:schemeClr val="tx1"/>
+                          </a:solidFill>
+                          <a:latin typeface="Arial" panose="020B0604020202020204" pitchFamily="34" charset="0"/>
+                        </a:defRPr>
+                      </a:lvl3pPr>
+                      <a:lvl4pPr marL="989013">
+                        <a:spcBef>
+                          <a:spcPct val="20000"/>
+                        </a:spcBef>
+                        <a:buClr>
+                          <a:schemeClr val="tx2"/>
+                        </a:buClr>
+                        <a:buSzPct val="75000"/>
+                        <a:buFont typeface="Wingdings" panose="05000000000000000000" pitchFamily="2" charset="2"/>
+                        <a:defRPr>
+                          <a:solidFill>
+                            <a:schemeClr val="tx1"/>
+                          </a:solidFill>
+                          <a:latin typeface="Arial" panose="020B0604020202020204" pitchFamily="34" charset="0"/>
+                        </a:defRPr>
+                      </a:lvl4pPr>
+                      <a:lvl5pPr marL="1282700">
+                        <a:spcBef>
+                          <a:spcPct val="20000"/>
+                        </a:spcBef>
+                        <a:buClr>
+                          <a:schemeClr val="folHlink"/>
+                        </a:buClr>
+                        <a:buSzPct val="80000"/>
+                        <a:buFont typeface="Wingdings" panose="05000000000000000000" pitchFamily="2" charset="2"/>
+                        <a:defRPr>
+                          <a:solidFill>
+                            <a:schemeClr val="tx1"/>
+                          </a:solidFill>
+                          <a:latin typeface="Arial" panose="020B0604020202020204" pitchFamily="34" charset="0"/>
+                        </a:defRPr>
+                      </a:lvl5pPr>
+                      <a:lvl6pPr marL="1739900" fontAlgn="base">
+                        <a:spcBef>
+                          <a:spcPct val="20000"/>
+                        </a:spcBef>
+                        <a:spcAft>
+                          <a:spcPct val="0"/>
+                        </a:spcAft>
+                        <a:buClr>
+                          <a:schemeClr val="folHlink"/>
+                        </a:buClr>
+                        <a:buSzPct val="80000"/>
+                        <a:buFont typeface="Wingdings" panose="05000000000000000000" pitchFamily="2" charset="2"/>
+                        <a:defRPr>
+                          <a:solidFill>
+                            <a:schemeClr val="tx1"/>
+                          </a:solidFill>
+                          <a:latin typeface="Arial" panose="020B0604020202020204" pitchFamily="34" charset="0"/>
+                        </a:defRPr>
+                      </a:lvl6pPr>
+                      <a:lvl7pPr marL="2197100" fontAlgn="base">
+                        <a:spcBef>
+                          <a:spcPct val="20000"/>
+                        </a:spcBef>
+                        <a:spcAft>
+                          <a:spcPct val="0"/>
+                        </a:spcAft>
+                        <a:buClr>
+                          <a:schemeClr val="folHlink"/>
+                        </a:buClr>
+                        <a:buSzPct val="80000"/>
+                        <a:buFont typeface="Wingdings" panose="05000000000000000000" pitchFamily="2" charset="2"/>
+                        <a:defRPr>
+                          <a:solidFill>
+                            <a:schemeClr val="tx1"/>
+                          </a:solidFill>
+                          <a:latin typeface="Arial" panose="020B0604020202020204" pitchFamily="34" charset="0"/>
+                        </a:defRPr>
+                      </a:lvl7pPr>
+                      <a:lvl8pPr marL="2654300" fontAlgn="base">
+                        <a:spcBef>
+                          <a:spcPct val="20000"/>
+                        </a:spcBef>
+                        <a:spcAft>
+                          <a:spcPct val="0"/>
+                        </a:spcAft>
+                        <a:buClr>
+                          <a:schemeClr val="folHlink"/>
+                        </a:buClr>
+                        <a:buSzPct val="80000"/>
+                        <a:buFont typeface="Wingdings" panose="05000000000000000000" pitchFamily="2" charset="2"/>
+                        <a:defRPr>
+                          <a:solidFill>
+                            <a:schemeClr val="tx1"/>
+                          </a:solidFill>
+                          <a:latin typeface="Arial" panose="020B0604020202020204" pitchFamily="34" charset="0"/>
+                        </a:defRPr>
+                      </a:lvl8pPr>
+                      <a:lvl9pPr marL="3111500" fontAlgn="base">
+                        <a:spcBef>
+                          <a:spcPct val="20000"/>
+                        </a:spcBef>
+                        <a:spcAft>
+                          <a:spcPct val="0"/>
+                        </a:spcAft>
+                        <a:buClr>
+                          <a:schemeClr val="folHlink"/>
+                        </a:buClr>
+                        <a:buSzPct val="80000"/>
+                        <a:buFont typeface="Wingdings" panose="05000000000000000000" pitchFamily="2" charset="2"/>
+                        <a:defRPr>
+                          <a:solidFill>
+                            <a:schemeClr val="tx1"/>
+                          </a:solidFill>
+                          <a:latin typeface="Arial" panose="020B0604020202020204" pitchFamily="34" charset="0"/>
+                        </a:defRPr>
+                      </a:lvl9pPr>
+                    </a:lstStyle>
+                    <a:p>
+                      <a:pPr marL="0" marR="0" lvl="0" indent="0" algn="l" defTabSz="914400" rtl="0" eaLnBrk="1" fontAlgn="base" latinLnBrk="0" hangingPunct="1">
+                        <a:lnSpc>
+                          <a:spcPct val="100000"/>
+                        </a:lnSpc>
+                        <a:spcBef>
+                          <a:spcPct val="20000"/>
+                        </a:spcBef>
+                        <a:spcAft>
+                          <a:spcPct val="0"/>
+                        </a:spcAft>
+                        <a:buClr>
+                          <a:schemeClr val="tx2"/>
+                        </a:buClr>
+                        <a:buSzPct val="70000"/>
+                        <a:buFont typeface="Wingdings" panose="05000000000000000000" pitchFamily="2" charset="2"/>
+                        <a:buNone/>
+                        <a:tabLst/>
+                      </a:pPr>
+                      <a:r>
+                        <a:rPr kumimoji="0" lang="ru-RU" altLang="ru-RU" sz="2600" b="0" i="0" u="none" strike="noStrike" cap="none" normalizeH="0" baseline="0" dirty="0" smtClean="0">
+                          <a:ln>
+                            <a:noFill/>
+                          </a:ln>
+                          <a:solidFill>
+                            <a:schemeClr val="accent2">
+                              <a:lumMod val="50000"/>
+                            </a:schemeClr>
+                          </a:solidFill>
+                          <a:effectLst/>
+                          <a:latin typeface="Arial" panose="020B0604020202020204" pitchFamily="34" charset="0"/>
+                        </a:rPr>
+                        <a:t>1</a:t>
+                      </a:r>
+                    </a:p>
+                  </a:txBody>
+                  <a:tcPr horzOverflow="overflow">
+                    <a:lnL w="12700" cap="flat" cmpd="sng" algn="ctr">
+                      <a:solidFill>
+                        <a:schemeClr val="tx1"/>
+                      </a:solidFill>
+                      <a:prstDash val="solid"/>
+                      <a:round/>
+                      <a:headEnd type="none" w="med" len="med"/>
+                      <a:tailEnd type="none" w="med" len="med"/>
+                    </a:lnL>
+                    <a:lnR w="12700" cap="flat" cmpd="sng" algn="ctr">
+                      <a:solidFill>
+                        <a:schemeClr val="tx1"/>
+                      </a:solidFill>
+                      <a:prstDash val="solid"/>
+                      <a:round/>
+                      <a:headEnd type="none" w="med" len="med"/>
+                      <a:tailEnd type="none" w="med" len="med"/>
+                    </a:lnR>
+                    <a:lnT w="28575" cap="flat" cmpd="sng" algn="ctr">
+                      <a:solidFill>
+                        <a:schemeClr val="tx1"/>
+                      </a:solidFill>
+                      <a:prstDash val="solid"/>
+                      <a:round/>
+                      <a:headEnd type="none" w="med" len="med"/>
+                      <a:tailEnd type="none" w="med" len="med"/>
+                    </a:lnT>
+                    <a:lnB w="12700" cap="flat" cmpd="sng" algn="ctr">
+                      <a:solidFill>
+                        <a:schemeClr val="tx1"/>
+                      </a:solidFill>
+                      <a:prstDash val="solid"/>
+                      <a:round/>
+                      <a:headEnd type="none" w="med" len="med"/>
+                      <a:tailEnd type="none" w="med" len="med"/>
+                    </a:lnB>
+                    <a:lnTlToBr>
+                      <a:noFill/>
+                    </a:lnTlToBr>
+                    <a:lnBlToTr>
+                      <a:noFill/>
+                    </a:lnBlToTr>
+                    <a:noFill/>
+                  </a:tcPr>
+                </a:tc>
+                <a:tc>
+                  <a:txBody>
+                    <a:bodyPr/>
+                    <a:lstStyle>
+                      <a:lvl1pPr>
+                        <a:spcBef>
+                          <a:spcPct val="20000"/>
+                        </a:spcBef>
+                        <a:buClr>
+                          <a:schemeClr val="tx2"/>
+                        </a:buClr>
+                        <a:buSzPct val="70000"/>
+                        <a:buFont typeface="Wingdings" panose="05000000000000000000" pitchFamily="2" charset="2"/>
+                        <a:defRPr sz="2600">
+                          <a:solidFill>
+                            <a:schemeClr val="tx1"/>
+                          </a:solidFill>
+                          <a:latin typeface="Arial" panose="020B0604020202020204" pitchFamily="34" charset="0"/>
+                        </a:defRPr>
+                      </a:lvl1pPr>
+                      <a:lvl2pPr marL="344488">
+                        <a:spcBef>
+                          <a:spcPct val="20000"/>
+                        </a:spcBef>
+                        <a:buClr>
+                          <a:schemeClr val="accent2"/>
+                        </a:buClr>
+                        <a:buSzPct val="70000"/>
+                        <a:buFont typeface="Wingdings" panose="05000000000000000000" pitchFamily="2" charset="2"/>
+                        <a:defRPr sz="2200">
+                          <a:solidFill>
+                            <a:schemeClr val="tx1"/>
+                          </a:solidFill>
+                          <a:latin typeface="Arial" panose="020B0604020202020204" pitchFamily="34" charset="0"/>
+                        </a:defRPr>
+                      </a:lvl2pPr>
+                      <a:lvl3pPr marL="693738">
+                        <a:spcBef>
+                          <a:spcPct val="20000"/>
+                        </a:spcBef>
+                        <a:buClr>
+                          <a:schemeClr val="accent1"/>
+                        </a:buClr>
+                        <a:buSzPct val="70000"/>
+                        <a:buFont typeface="Wingdings" panose="05000000000000000000" pitchFamily="2" charset="2"/>
+                        <a:defRPr sz="2100">
+                          <a:solidFill>
+                            <a:schemeClr val="tx1"/>
+                          </a:solidFill>
+                          <a:latin typeface="Arial" panose="020B0604020202020204" pitchFamily="34" charset="0"/>
+                        </a:defRPr>
+                      </a:lvl3pPr>
+                      <a:lvl4pPr marL="989013">
+                        <a:spcBef>
+                          <a:spcPct val="20000"/>
+                        </a:spcBef>
+                        <a:buClr>
+                          <a:schemeClr val="tx2"/>
+                        </a:buClr>
+                        <a:buSzPct val="75000"/>
+                        <a:buFont typeface="Wingdings" panose="05000000000000000000" pitchFamily="2" charset="2"/>
+                        <a:defRPr>
+                          <a:solidFill>
+                            <a:schemeClr val="tx1"/>
+                          </a:solidFill>
+                          <a:latin typeface="Arial" panose="020B0604020202020204" pitchFamily="34" charset="0"/>
+                        </a:defRPr>
+                      </a:lvl4pPr>
+                      <a:lvl5pPr marL="1282700">
+                        <a:spcBef>
+                          <a:spcPct val="20000"/>
+                        </a:spcBef>
+                        <a:buClr>
+                          <a:schemeClr val="folHlink"/>
+                        </a:buClr>
+                        <a:buSzPct val="80000"/>
+                        <a:buFont typeface="Wingdings" panose="05000000000000000000" pitchFamily="2" charset="2"/>
+                        <a:defRPr>
+                          <a:solidFill>
+                            <a:schemeClr val="tx1"/>
+                          </a:solidFill>
+                          <a:latin typeface="Arial" panose="020B0604020202020204" pitchFamily="34" charset="0"/>
+                        </a:defRPr>
+                      </a:lvl5pPr>
+                      <a:lvl6pPr marL="1739900" fontAlgn="base">
+                        <a:spcBef>
+                          <a:spcPct val="20000"/>
+                        </a:spcBef>
+                        <a:spcAft>
+                          <a:spcPct val="0"/>
+                        </a:spcAft>
+                        <a:buClr>
+                          <a:schemeClr val="folHlink"/>
+                        </a:buClr>
+                        <a:buSzPct val="80000"/>
+                        <a:buFont typeface="Wingdings" panose="05000000000000000000" pitchFamily="2" charset="2"/>
+                        <a:defRPr>
+                          <a:solidFill>
+                            <a:schemeClr val="tx1"/>
+                          </a:solidFill>
+                          <a:latin typeface="Arial" panose="020B0604020202020204" pitchFamily="34" charset="0"/>
+                        </a:defRPr>
+                      </a:lvl6pPr>
+                      <a:lvl7pPr marL="2197100" fontAlgn="base">
+                        <a:spcBef>
+                          <a:spcPct val="20000"/>
+                        </a:spcBef>
+                        <a:spcAft>
+                          <a:spcPct val="0"/>
+                        </a:spcAft>
+                        <a:buClr>
+                          <a:schemeClr val="folHlink"/>
+                        </a:buClr>
+                        <a:buSzPct val="80000"/>
+                        <a:buFont typeface="Wingdings" panose="05000000000000000000" pitchFamily="2" charset="2"/>
+                        <a:defRPr>
+                          <a:solidFill>
+                            <a:schemeClr val="tx1"/>
+                          </a:solidFill>
+                          <a:latin typeface="Arial" panose="020B0604020202020204" pitchFamily="34" charset="0"/>
+                        </a:defRPr>
+                      </a:lvl7pPr>
+                      <a:lvl8pPr marL="2654300" fontAlgn="base">
+                        <a:spcBef>
+                          <a:spcPct val="20000"/>
+                        </a:spcBef>
+                        <a:spcAft>
+                          <a:spcPct val="0"/>
+                        </a:spcAft>
+                        <a:buClr>
+                          <a:schemeClr val="folHlink"/>
+                        </a:buClr>
+                        <a:buSzPct val="80000"/>
+                        <a:buFont typeface="Wingdings" panose="05000000000000000000" pitchFamily="2" charset="2"/>
+                        <a:defRPr>
+                          <a:solidFill>
+                            <a:schemeClr val="tx1"/>
+                          </a:solidFill>
+                          <a:latin typeface="Arial" panose="020B0604020202020204" pitchFamily="34" charset="0"/>
+                        </a:defRPr>
+                      </a:lvl8pPr>
+                      <a:lvl9pPr marL="3111500" fontAlgn="base">
+                        <a:spcBef>
+                          <a:spcPct val="20000"/>
+                        </a:spcBef>
+                        <a:spcAft>
+                          <a:spcPct val="0"/>
+                        </a:spcAft>
+                        <a:buClr>
+                          <a:schemeClr val="folHlink"/>
+                        </a:buClr>
+                        <a:buSzPct val="80000"/>
+                        <a:buFont typeface="Wingdings" panose="05000000000000000000" pitchFamily="2" charset="2"/>
+                        <a:defRPr>
+                          <a:solidFill>
+                            <a:schemeClr val="tx1"/>
+                          </a:solidFill>
+                          <a:latin typeface="Arial" panose="020B0604020202020204" pitchFamily="34" charset="0"/>
+                        </a:defRPr>
+                      </a:lvl9pPr>
+                    </a:lstStyle>
+                    <a:p>
+                      <a:pPr marL="0" marR="0" lvl="0" indent="0" algn="l" defTabSz="914400" rtl="0" eaLnBrk="1" fontAlgn="base" latinLnBrk="0" hangingPunct="1">
+                        <a:lnSpc>
+                          <a:spcPct val="100000"/>
+                        </a:lnSpc>
+                        <a:spcBef>
+                          <a:spcPct val="20000"/>
+                        </a:spcBef>
+                        <a:spcAft>
+                          <a:spcPct val="0"/>
+                        </a:spcAft>
+                        <a:buClr>
+                          <a:schemeClr val="tx2"/>
+                        </a:buClr>
+                        <a:buSzPct val="70000"/>
+                        <a:buFont typeface="Wingdings" panose="05000000000000000000" pitchFamily="2" charset="2"/>
+                        <a:buNone/>
+                        <a:tabLst/>
+                      </a:pPr>
+                      <a:r>
+                        <a:rPr kumimoji="0" lang="ru-RU" altLang="ru-RU" sz="2600" b="0" i="0" u="none" strike="noStrike" cap="none" normalizeH="0" baseline="0" dirty="0" smtClean="0">
+                          <a:ln>
+                            <a:noFill/>
+                          </a:ln>
+                          <a:solidFill>
+                            <a:schemeClr val="accent2">
+                              <a:lumMod val="50000"/>
+                            </a:schemeClr>
+                          </a:solidFill>
+                          <a:effectLst/>
+                          <a:latin typeface="Arial" panose="020B0604020202020204" pitchFamily="34" charset="0"/>
+                        </a:rPr>
+                        <a:t>2</a:t>
+                      </a:r>
+                    </a:p>
+                  </a:txBody>
+                  <a:tcPr horzOverflow="overflow">
+                    <a:lnL w="12700" cap="flat" cmpd="sng" algn="ctr">
+                      <a:solidFill>
+                        <a:schemeClr val="tx1"/>
+                      </a:solidFill>
+                      <a:prstDash val="solid"/>
+                      <a:round/>
+                      <a:headEnd type="none" w="med" len="med"/>
+                      <a:tailEnd type="none" w="med" len="med"/>
+                    </a:lnL>
+                    <a:lnR w="12700" cap="flat" cmpd="sng" algn="ctr">
+                      <a:solidFill>
+                        <a:schemeClr val="tx1"/>
+                      </a:solidFill>
+                      <a:prstDash val="solid"/>
+                      <a:round/>
+                      <a:headEnd type="none" w="med" len="med"/>
+                      <a:tailEnd type="none" w="med" len="med"/>
+                    </a:lnR>
+                    <a:lnT w="28575" cap="flat" cmpd="sng" algn="ctr">
+                      <a:solidFill>
+                        <a:schemeClr val="tx1"/>
+                      </a:solidFill>
+                      <a:prstDash val="solid"/>
+                      <a:round/>
+                      <a:headEnd type="none" w="med" len="med"/>
+                      <a:tailEnd type="none" w="med" len="med"/>
+                    </a:lnT>
+                    <a:lnB w="12700" cap="flat" cmpd="sng" algn="ctr">
+                      <a:solidFill>
+                        <a:schemeClr val="tx1"/>
+                      </a:solidFill>
+                      <a:prstDash val="solid"/>
+                      <a:round/>
+                      <a:headEnd type="none" w="med" len="med"/>
+                      <a:tailEnd type="none" w="med" len="med"/>
+                    </a:lnB>
+                    <a:lnTlToBr>
+                      <a:noFill/>
+                    </a:lnTlToBr>
+                    <a:lnBlToTr>
+                      <a:noFill/>
+                    </a:lnBlToTr>
+                    <a:noFill/>
+                  </a:tcPr>
+                </a:tc>
+                <a:tc>
+                  <a:txBody>
+                    <a:bodyPr/>
+                    <a:lstStyle>
+                      <a:lvl1pPr>
+                        <a:spcBef>
+                          <a:spcPct val="20000"/>
+                        </a:spcBef>
+                        <a:buClr>
+                          <a:schemeClr val="tx2"/>
+                        </a:buClr>
+                        <a:buSzPct val="70000"/>
+                        <a:buFont typeface="Wingdings" panose="05000000000000000000" pitchFamily="2" charset="2"/>
+                        <a:defRPr sz="2600">
+                          <a:solidFill>
+                            <a:schemeClr val="tx1"/>
+                          </a:solidFill>
+                          <a:latin typeface="Arial" panose="020B0604020202020204" pitchFamily="34" charset="0"/>
+                        </a:defRPr>
+                      </a:lvl1pPr>
+                      <a:lvl2pPr marL="344488">
+                        <a:spcBef>
+                          <a:spcPct val="20000"/>
+                        </a:spcBef>
+                        <a:buClr>
+                          <a:schemeClr val="accent2"/>
+                        </a:buClr>
+                        <a:buSzPct val="70000"/>
+                        <a:buFont typeface="Wingdings" panose="05000000000000000000" pitchFamily="2" charset="2"/>
+                        <a:defRPr sz="2200">
+                          <a:solidFill>
+                            <a:schemeClr val="tx1"/>
+                          </a:solidFill>
+                          <a:latin typeface="Arial" panose="020B0604020202020204" pitchFamily="34" charset="0"/>
+                        </a:defRPr>
+                      </a:lvl2pPr>
+                      <a:lvl3pPr marL="693738">
+                        <a:spcBef>
+                          <a:spcPct val="20000"/>
+                        </a:spcBef>
+                        <a:buClr>
+                          <a:schemeClr val="accent1"/>
+                        </a:buClr>
+                        <a:buSzPct val="70000"/>
+                        <a:buFont typeface="Wingdings" panose="05000000000000000000" pitchFamily="2" charset="2"/>
+                        <a:defRPr sz="2100">
+                          <a:solidFill>
+                            <a:schemeClr val="tx1"/>
+                          </a:solidFill>
+                          <a:latin typeface="Arial" panose="020B0604020202020204" pitchFamily="34" charset="0"/>
+                        </a:defRPr>
+                      </a:lvl3pPr>
+                      <a:lvl4pPr marL="989013">
+                        <a:spcBef>
+                          <a:spcPct val="20000"/>
+                        </a:spcBef>
+                        <a:buClr>
+                          <a:schemeClr val="tx2"/>
+                        </a:buClr>
+                        <a:buSzPct val="75000"/>
+                        <a:buFont typeface="Wingdings" panose="05000000000000000000" pitchFamily="2" charset="2"/>
+                        <a:defRPr>
+                          <a:solidFill>
+                            <a:schemeClr val="tx1"/>
+                          </a:solidFill>
+                          <a:latin typeface="Arial" panose="020B0604020202020204" pitchFamily="34" charset="0"/>
+                        </a:defRPr>
+                      </a:lvl4pPr>
+                      <a:lvl5pPr marL="1282700">
+                        <a:spcBef>
+                          <a:spcPct val="20000"/>
+                        </a:spcBef>
+                        <a:buClr>
+                          <a:schemeClr val="folHlink"/>
+                        </a:buClr>
+                        <a:buSzPct val="80000"/>
+                        <a:buFont typeface="Wingdings" panose="05000000000000000000" pitchFamily="2" charset="2"/>
+                        <a:defRPr>
+                          <a:solidFill>
+                            <a:schemeClr val="tx1"/>
+                          </a:solidFill>
+                          <a:latin typeface="Arial" panose="020B0604020202020204" pitchFamily="34" charset="0"/>
+                        </a:defRPr>
+                      </a:lvl5pPr>
+                      <a:lvl6pPr marL="1739900" fontAlgn="base">
+                        <a:spcBef>
+                          <a:spcPct val="20000"/>
+                        </a:spcBef>
+                        <a:spcAft>
+                          <a:spcPct val="0"/>
+                        </a:spcAft>
+                        <a:buClr>
+                          <a:schemeClr val="folHlink"/>
+                        </a:buClr>
+                        <a:buSzPct val="80000"/>
+                        <a:buFont typeface="Wingdings" panose="05000000000000000000" pitchFamily="2" charset="2"/>
+                        <a:defRPr>
+                          <a:solidFill>
+                            <a:schemeClr val="tx1"/>
+                          </a:solidFill>
+                          <a:latin typeface="Arial" panose="020B0604020202020204" pitchFamily="34" charset="0"/>
+                        </a:defRPr>
+                      </a:lvl6pPr>
+                      <a:lvl7pPr marL="2197100" fontAlgn="base">
+                        <a:spcBef>
+                          <a:spcPct val="20000"/>
+                        </a:spcBef>
+                        <a:spcAft>
+                          <a:spcPct val="0"/>
+                        </a:spcAft>
+                        <a:buClr>
+                          <a:schemeClr val="folHlink"/>
+                        </a:buClr>
+                        <a:buSzPct val="80000"/>
+                        <a:buFont typeface="Wingdings" panose="05000000000000000000" pitchFamily="2" charset="2"/>
+                        <a:defRPr>
+                          <a:solidFill>
+                            <a:schemeClr val="tx1"/>
+                          </a:solidFill>
+                          <a:latin typeface="Arial" panose="020B0604020202020204" pitchFamily="34" charset="0"/>
+                        </a:defRPr>
+                      </a:lvl7pPr>
+                      <a:lvl8pPr marL="2654300" fontAlgn="base">
+                        <a:spcBef>
+                          <a:spcPct val="20000"/>
+                        </a:spcBef>
+                        <a:spcAft>
+                          <a:spcPct val="0"/>
+                        </a:spcAft>
+                        <a:buClr>
+                          <a:schemeClr val="folHlink"/>
+                        </a:buClr>
+                        <a:buSzPct val="80000"/>
+                        <a:buFont typeface="Wingdings" panose="05000000000000000000" pitchFamily="2" charset="2"/>
+                        <a:defRPr>
+                          <a:solidFill>
+                            <a:schemeClr val="tx1"/>
+                          </a:solidFill>
+                          <a:latin typeface="Arial" panose="020B0604020202020204" pitchFamily="34" charset="0"/>
+                        </a:defRPr>
+                      </a:lvl8pPr>
+                      <a:lvl9pPr marL="3111500" fontAlgn="base">
+                        <a:spcBef>
+                          <a:spcPct val="20000"/>
+                        </a:spcBef>
+                        <a:spcAft>
+                          <a:spcPct val="0"/>
+                        </a:spcAft>
+                        <a:buClr>
+                          <a:schemeClr val="folHlink"/>
+                        </a:buClr>
+                        <a:buSzPct val="80000"/>
+                        <a:buFont typeface="Wingdings" panose="05000000000000000000" pitchFamily="2" charset="2"/>
+                        <a:defRPr>
+                          <a:solidFill>
+                            <a:schemeClr val="tx1"/>
+                          </a:solidFill>
+                          <a:latin typeface="Arial" panose="020B0604020202020204" pitchFamily="34" charset="0"/>
+                        </a:defRPr>
+                      </a:lvl9pPr>
+                    </a:lstStyle>
+                    <a:p>
+                      <a:pPr marL="0" marR="0" lvl="0" indent="0" algn="l" defTabSz="914400" rtl="0" eaLnBrk="1" fontAlgn="base" latinLnBrk="0" hangingPunct="1">
+                        <a:lnSpc>
+                          <a:spcPct val="100000"/>
+                        </a:lnSpc>
+                        <a:spcBef>
+                          <a:spcPct val="20000"/>
+                        </a:spcBef>
+                        <a:spcAft>
+                          <a:spcPct val="0"/>
+                        </a:spcAft>
+                        <a:buClr>
+                          <a:schemeClr val="tx2"/>
+                        </a:buClr>
+                        <a:buSzPct val="70000"/>
+                        <a:buFont typeface="Wingdings" panose="05000000000000000000" pitchFamily="2" charset="2"/>
+                        <a:buNone/>
+                        <a:tabLst/>
+                      </a:pPr>
+                      <a:r>
+                        <a:rPr kumimoji="0" lang="ru-RU" altLang="ru-RU" sz="2600" b="0" i="0" u="none" strike="noStrike" cap="none" normalizeH="0" baseline="0" dirty="0" smtClean="0">
+                          <a:ln>
+                            <a:noFill/>
+                          </a:ln>
+                          <a:solidFill>
+                            <a:schemeClr val="accent2">
+                              <a:lumMod val="50000"/>
+                            </a:schemeClr>
+                          </a:solidFill>
+                          <a:effectLst/>
+                          <a:latin typeface="Arial" panose="020B0604020202020204" pitchFamily="34" charset="0"/>
+                        </a:rPr>
+                        <a:t>3</a:t>
+                      </a:r>
+                    </a:p>
+                  </a:txBody>
+                  <a:tcPr horzOverflow="overflow">
+                    <a:lnL w="12700" cap="flat" cmpd="sng" algn="ctr">
+                      <a:solidFill>
+                        <a:schemeClr val="tx1"/>
+                      </a:solidFill>
+                      <a:prstDash val="solid"/>
+                      <a:round/>
+                      <a:headEnd type="none" w="med" len="med"/>
+                      <a:tailEnd type="none" w="med" len="med"/>
+                    </a:lnL>
+                    <a:lnR w="12700" cap="flat" cmpd="sng" algn="ctr">
+                      <a:solidFill>
+                        <a:schemeClr val="tx1"/>
+                      </a:solidFill>
+                      <a:prstDash val="solid"/>
+                      <a:round/>
+                      <a:headEnd type="none" w="med" len="med"/>
+                      <a:tailEnd type="none" w="med" len="med"/>
+                    </a:lnR>
+                    <a:lnT w="28575" cap="flat" cmpd="sng" algn="ctr">
+                      <a:solidFill>
+                        <a:schemeClr val="tx1"/>
+                      </a:solidFill>
+                      <a:prstDash val="solid"/>
+                      <a:round/>
+                      <a:headEnd type="none" w="med" len="med"/>
+                      <a:tailEnd type="none" w="med" len="med"/>
+                    </a:lnT>
+                    <a:lnB w="12700" cap="flat" cmpd="sng" algn="ctr">
+                      <a:solidFill>
+                        <a:schemeClr val="tx1"/>
+                      </a:solidFill>
+                      <a:prstDash val="solid"/>
+                      <a:round/>
+                      <a:headEnd type="none" w="med" len="med"/>
+                      <a:tailEnd type="none" w="med" len="med"/>
+                    </a:lnB>
+                    <a:lnTlToBr>
+                      <a:noFill/>
+                    </a:lnTlToBr>
+                    <a:lnBlToTr>
+                      <a:noFill/>
+                    </a:lnBlToTr>
+                    <a:noFill/>
+                  </a:tcPr>
+                </a:tc>
+                <a:tc>
+                  <a:txBody>
+                    <a:bodyPr/>
+                    <a:lstStyle>
+                      <a:lvl1pPr>
+                        <a:spcBef>
+                          <a:spcPct val="20000"/>
+                        </a:spcBef>
+                        <a:buClr>
+                          <a:schemeClr val="tx2"/>
+                        </a:buClr>
+                        <a:buSzPct val="70000"/>
+                        <a:buFont typeface="Wingdings" panose="05000000000000000000" pitchFamily="2" charset="2"/>
+                        <a:defRPr sz="2600">
+                          <a:solidFill>
+                            <a:schemeClr val="tx1"/>
+                          </a:solidFill>
+                          <a:latin typeface="Arial" panose="020B0604020202020204" pitchFamily="34" charset="0"/>
+                        </a:defRPr>
+                      </a:lvl1pPr>
+                      <a:lvl2pPr marL="344488">
+                        <a:spcBef>
+                          <a:spcPct val="20000"/>
+                        </a:spcBef>
+                        <a:buClr>
+                          <a:schemeClr val="accent2"/>
+                        </a:buClr>
+                        <a:buSzPct val="70000"/>
+                        <a:buFont typeface="Wingdings" panose="05000000000000000000" pitchFamily="2" charset="2"/>
+                        <a:defRPr sz="2200">
+                          <a:solidFill>
+                            <a:schemeClr val="tx1"/>
+                          </a:solidFill>
+                          <a:latin typeface="Arial" panose="020B0604020202020204" pitchFamily="34" charset="0"/>
+                        </a:defRPr>
+                      </a:lvl2pPr>
+                      <a:lvl3pPr marL="693738">
+                        <a:spcBef>
+                          <a:spcPct val="20000"/>
+                        </a:spcBef>
+                        <a:buClr>
+                          <a:schemeClr val="accent1"/>
+                        </a:buClr>
+                        <a:buSzPct val="70000"/>
+                        <a:buFont typeface="Wingdings" panose="05000000000000000000" pitchFamily="2" charset="2"/>
+                        <a:defRPr sz="2100">
+                          <a:solidFill>
+                            <a:schemeClr val="tx1"/>
+                          </a:solidFill>
+                          <a:latin typeface="Arial" panose="020B0604020202020204" pitchFamily="34" charset="0"/>
+                        </a:defRPr>
+                      </a:lvl3pPr>
+                      <a:lvl4pPr marL="989013">
+                        <a:spcBef>
+                          <a:spcPct val="20000"/>
+                        </a:spcBef>
+                        <a:buClr>
+                          <a:schemeClr val="tx2"/>
+                        </a:buClr>
+                        <a:buSzPct val="75000"/>
+                        <a:buFont typeface="Wingdings" panose="05000000000000000000" pitchFamily="2" charset="2"/>
+                        <a:defRPr>
+                          <a:solidFill>
+                            <a:schemeClr val="tx1"/>
+                          </a:solidFill>
+                          <a:latin typeface="Arial" panose="020B0604020202020204" pitchFamily="34" charset="0"/>
+                        </a:defRPr>
+                      </a:lvl4pPr>
+                      <a:lvl5pPr marL="1282700">
+                        <a:spcBef>
+                          <a:spcPct val="20000"/>
+                        </a:spcBef>
+                        <a:buClr>
+                          <a:schemeClr val="folHlink"/>
+                        </a:buClr>
+                        <a:buSzPct val="80000"/>
+                        <a:buFont typeface="Wingdings" panose="05000000000000000000" pitchFamily="2" charset="2"/>
+                        <a:defRPr>
+                          <a:solidFill>
+                            <a:schemeClr val="tx1"/>
+                          </a:solidFill>
+                          <a:latin typeface="Arial" panose="020B0604020202020204" pitchFamily="34" charset="0"/>
+                        </a:defRPr>
+                      </a:lvl5pPr>
+                      <a:lvl6pPr marL="1739900" fontAlgn="base">
+                        <a:spcBef>
+                          <a:spcPct val="20000"/>
+                        </a:spcBef>
+                        <a:spcAft>
+                          <a:spcPct val="0"/>
+                        </a:spcAft>
+                        <a:buClr>
+                          <a:schemeClr val="folHlink"/>
+                        </a:buClr>
+                        <a:buSzPct val="80000"/>
+                        <a:buFont typeface="Wingdings" panose="05000000000000000000" pitchFamily="2" charset="2"/>
+                        <a:defRPr>
+                          <a:solidFill>
+                            <a:schemeClr val="tx1"/>
+                          </a:solidFill>
+                          <a:latin typeface="Arial" panose="020B0604020202020204" pitchFamily="34" charset="0"/>
+                        </a:defRPr>
+                      </a:lvl6pPr>
+                      <a:lvl7pPr marL="2197100" fontAlgn="base">
+                        <a:spcBef>
+                          <a:spcPct val="20000"/>
+                        </a:spcBef>
+                        <a:spcAft>
+                          <a:spcPct val="0"/>
+                        </a:spcAft>
+                        <a:buClr>
+                          <a:schemeClr val="folHlink"/>
+                        </a:buClr>
+                        <a:buSzPct val="80000"/>
+                        <a:buFont typeface="Wingdings" panose="05000000000000000000" pitchFamily="2" charset="2"/>
+                        <a:defRPr>
+                          <a:solidFill>
+                            <a:schemeClr val="tx1"/>
+                          </a:solidFill>
+                          <a:latin typeface="Arial" panose="020B0604020202020204" pitchFamily="34" charset="0"/>
+                        </a:defRPr>
+                      </a:lvl7pPr>
+                      <a:lvl8pPr marL="2654300" fontAlgn="base">
+                        <a:spcBef>
+                          <a:spcPct val="20000"/>
+                        </a:spcBef>
+                        <a:spcAft>
+                          <a:spcPct val="0"/>
+                        </a:spcAft>
+                        <a:buClr>
+                          <a:schemeClr val="folHlink"/>
+                        </a:buClr>
+                        <a:buSzPct val="80000"/>
+                        <a:buFont typeface="Wingdings" panose="05000000000000000000" pitchFamily="2" charset="2"/>
+                        <a:defRPr>
+                          <a:solidFill>
+                            <a:schemeClr val="tx1"/>
+                          </a:solidFill>
+                          <a:latin typeface="Arial" panose="020B0604020202020204" pitchFamily="34" charset="0"/>
+                        </a:defRPr>
+                      </a:lvl8pPr>
+                      <a:lvl9pPr marL="3111500" fontAlgn="base">
+                        <a:spcBef>
+                          <a:spcPct val="20000"/>
+                        </a:spcBef>
+                        <a:spcAft>
+                          <a:spcPct val="0"/>
+                        </a:spcAft>
+                        <a:buClr>
+                          <a:schemeClr val="folHlink"/>
+                        </a:buClr>
+                        <a:buSzPct val="80000"/>
+                        <a:buFont typeface="Wingdings" panose="05000000000000000000" pitchFamily="2" charset="2"/>
+                        <a:defRPr>
+                          <a:solidFill>
+                            <a:schemeClr val="tx1"/>
+                          </a:solidFill>
+                          <a:latin typeface="Arial" panose="020B0604020202020204" pitchFamily="34" charset="0"/>
+                        </a:defRPr>
+                      </a:lvl9pPr>
+                    </a:lstStyle>
+                    <a:p>
+                      <a:pPr marL="0" marR="0" lvl="0" indent="0" algn="l" defTabSz="914400" rtl="0" eaLnBrk="1" fontAlgn="base" latinLnBrk="0" hangingPunct="1">
+                        <a:lnSpc>
+                          <a:spcPct val="100000"/>
+                        </a:lnSpc>
+                        <a:spcBef>
+                          <a:spcPct val="20000"/>
+                        </a:spcBef>
+                        <a:spcAft>
+                          <a:spcPct val="0"/>
+                        </a:spcAft>
+                        <a:buClr>
+                          <a:schemeClr val="tx2"/>
+                        </a:buClr>
+                        <a:buSzPct val="70000"/>
+                        <a:buFont typeface="Wingdings" panose="05000000000000000000" pitchFamily="2" charset="2"/>
+                        <a:buNone/>
+                        <a:tabLst/>
+                      </a:pPr>
+                      <a:r>
+                        <a:rPr kumimoji="0" lang="ru-RU" altLang="ru-RU" sz="2600" b="0" i="0" u="none" strike="noStrike" cap="none" normalizeH="0" baseline="0" dirty="0" smtClean="0">
+                          <a:ln>
+                            <a:noFill/>
+                          </a:ln>
+                          <a:solidFill>
+                            <a:schemeClr val="accent2">
+                              <a:lumMod val="50000"/>
+                            </a:schemeClr>
+                          </a:solidFill>
+                          <a:effectLst/>
+                          <a:latin typeface="Arial" panose="020B0604020202020204" pitchFamily="34" charset="0"/>
+                        </a:rPr>
+                        <a:t>4</a:t>
+                      </a:r>
+                    </a:p>
+                  </a:txBody>
+                  <a:tcPr horzOverflow="overflow">
+                    <a:lnL w="12700" cap="flat" cmpd="sng" algn="ctr">
+                      <a:solidFill>
+                        <a:schemeClr val="tx1"/>
+                      </a:solidFill>
+                      <a:prstDash val="solid"/>
+                      <a:round/>
+                      <a:headEnd type="none" w="med" len="med"/>
+                      <a:tailEnd type="none" w="med" len="med"/>
+                    </a:lnL>
+                    <a:lnR w="12700" cap="flat" cmpd="sng" algn="ctr">
+                      <a:solidFill>
+                        <a:schemeClr val="tx1"/>
+                      </a:solidFill>
+                      <a:prstDash val="solid"/>
+                      <a:round/>
+                      <a:headEnd type="none" w="med" len="med"/>
+                      <a:tailEnd type="none" w="med" len="med"/>
+                    </a:lnR>
+                    <a:lnT w="28575" cap="flat" cmpd="sng" algn="ctr">
+                      <a:solidFill>
+                        <a:schemeClr val="tx1"/>
+                      </a:solidFill>
+                      <a:prstDash val="solid"/>
+                      <a:round/>
+                      <a:headEnd type="none" w="med" len="med"/>
+                      <a:tailEnd type="none" w="med" len="med"/>
+                    </a:lnT>
+                    <a:lnB w="12700" cap="flat" cmpd="sng" algn="ctr">
+                      <a:solidFill>
+                        <a:schemeClr val="tx1"/>
+                      </a:solidFill>
+                      <a:prstDash val="solid"/>
+                      <a:round/>
+                      <a:headEnd type="none" w="med" len="med"/>
+                      <a:tailEnd type="none" w="med" len="med"/>
+                    </a:lnB>
+                    <a:lnTlToBr>
+                      <a:noFill/>
+                    </a:lnTlToBr>
+                    <a:lnBlToTr>
+                      <a:noFill/>
+                    </a:lnBlToTr>
+                    <a:noFill/>
+                  </a:tcPr>
+                </a:tc>
+                <a:tc>
+                  <a:txBody>
+                    <a:bodyPr/>
+                    <a:lstStyle>
+                      <a:lvl1pPr>
+                        <a:spcBef>
+                          <a:spcPct val="20000"/>
+                        </a:spcBef>
+                        <a:buClr>
+                          <a:schemeClr val="tx2"/>
+                        </a:buClr>
+                        <a:buSzPct val="70000"/>
+                        <a:buFont typeface="Wingdings" panose="05000000000000000000" pitchFamily="2" charset="2"/>
+                        <a:defRPr sz="2600">
+                          <a:solidFill>
+                            <a:schemeClr val="tx1"/>
+                          </a:solidFill>
+                          <a:latin typeface="Arial" panose="020B0604020202020204" pitchFamily="34" charset="0"/>
+                        </a:defRPr>
+                      </a:lvl1pPr>
+                      <a:lvl2pPr marL="344488">
+                        <a:spcBef>
+                          <a:spcPct val="20000"/>
+                        </a:spcBef>
+                        <a:buClr>
+                          <a:schemeClr val="accent2"/>
+                        </a:buClr>
+                        <a:buSzPct val="70000"/>
+                        <a:buFont typeface="Wingdings" panose="05000000000000000000" pitchFamily="2" charset="2"/>
+                        <a:defRPr sz="2200">
+                          <a:solidFill>
+                            <a:schemeClr val="tx1"/>
+                          </a:solidFill>
+                          <a:latin typeface="Arial" panose="020B0604020202020204" pitchFamily="34" charset="0"/>
+                        </a:defRPr>
+                      </a:lvl2pPr>
+                      <a:lvl3pPr marL="693738">
+                        <a:spcBef>
+                          <a:spcPct val="20000"/>
+                        </a:spcBef>
+                        <a:buClr>
+                          <a:schemeClr val="accent1"/>
+                        </a:buClr>
+                        <a:buSzPct val="70000"/>
+                        <a:buFont typeface="Wingdings" panose="05000000000000000000" pitchFamily="2" charset="2"/>
+                        <a:defRPr sz="2100">
+                          <a:solidFill>
+                            <a:schemeClr val="tx1"/>
+                          </a:solidFill>
+                          <a:latin typeface="Arial" panose="020B0604020202020204" pitchFamily="34" charset="0"/>
+                        </a:defRPr>
+                      </a:lvl3pPr>
+                      <a:lvl4pPr marL="989013">
+                        <a:spcBef>
+                          <a:spcPct val="20000"/>
+                        </a:spcBef>
+                        <a:buClr>
+                          <a:schemeClr val="tx2"/>
+                        </a:buClr>
+                        <a:buSzPct val="75000"/>
+                        <a:buFont typeface="Wingdings" panose="05000000000000000000" pitchFamily="2" charset="2"/>
+                        <a:defRPr>
+                          <a:solidFill>
+                            <a:schemeClr val="tx1"/>
+                          </a:solidFill>
+                          <a:latin typeface="Arial" panose="020B0604020202020204" pitchFamily="34" charset="0"/>
+                        </a:defRPr>
+                      </a:lvl4pPr>
+                      <a:lvl5pPr marL="1282700">
+                        <a:spcBef>
+                          <a:spcPct val="20000"/>
+                        </a:spcBef>
+                        <a:buClr>
+                          <a:schemeClr val="folHlink"/>
+                        </a:buClr>
+                        <a:buSzPct val="80000"/>
+                        <a:buFont typeface="Wingdings" panose="05000000000000000000" pitchFamily="2" charset="2"/>
+                        <a:defRPr>
+                          <a:solidFill>
+                            <a:schemeClr val="tx1"/>
+                          </a:solidFill>
+                          <a:latin typeface="Arial" panose="020B0604020202020204" pitchFamily="34" charset="0"/>
+                        </a:defRPr>
+                      </a:lvl5pPr>
+                      <a:lvl6pPr marL="1739900" fontAlgn="base">
+                        <a:spcBef>
+                          <a:spcPct val="20000"/>
+                        </a:spcBef>
+                        <a:spcAft>
+                          <a:spcPct val="0"/>
+                        </a:spcAft>
+                        <a:buClr>
+                          <a:schemeClr val="folHlink"/>
+                        </a:buClr>
+                        <a:buSzPct val="80000"/>
+                        <a:buFont typeface="Wingdings" panose="05000000000000000000" pitchFamily="2" charset="2"/>
+                        <a:defRPr>
+                          <a:solidFill>
+                            <a:schemeClr val="tx1"/>
+                          </a:solidFill>
+                          <a:latin typeface="Arial" panose="020B0604020202020204" pitchFamily="34" charset="0"/>
+                        </a:defRPr>
+                      </a:lvl6pPr>
+                      <a:lvl7pPr marL="2197100" fontAlgn="base">
+                        <a:spcBef>
+                          <a:spcPct val="20000"/>
+                        </a:spcBef>
+                        <a:spcAft>
+                          <a:spcPct val="0"/>
+                        </a:spcAft>
+                        <a:buClr>
+                          <a:schemeClr val="folHlink"/>
+                        </a:buClr>
+                        <a:buSzPct val="80000"/>
+                        <a:buFont typeface="Wingdings" panose="05000000000000000000" pitchFamily="2" charset="2"/>
+                        <a:defRPr>
+                          <a:solidFill>
+                            <a:schemeClr val="tx1"/>
+                          </a:solidFill>
+                          <a:latin typeface="Arial" panose="020B0604020202020204" pitchFamily="34" charset="0"/>
+                        </a:defRPr>
+                      </a:lvl7pPr>
+                      <a:lvl8pPr marL="2654300" fontAlgn="base">
+                        <a:spcBef>
+                          <a:spcPct val="20000"/>
+                        </a:spcBef>
+                        <a:spcAft>
+                          <a:spcPct val="0"/>
+                        </a:spcAft>
+                        <a:buClr>
+                          <a:schemeClr val="folHlink"/>
+                        </a:buClr>
+                        <a:buSzPct val="80000"/>
+                        <a:buFont typeface="Wingdings" panose="05000000000000000000" pitchFamily="2" charset="2"/>
+                        <a:defRPr>
+                          <a:solidFill>
+                            <a:schemeClr val="tx1"/>
+                          </a:solidFill>
+                          <a:latin typeface="Arial" panose="020B0604020202020204" pitchFamily="34" charset="0"/>
+                        </a:defRPr>
+                      </a:lvl8pPr>
+                      <a:lvl9pPr marL="3111500" fontAlgn="base">
+                        <a:spcBef>
+                          <a:spcPct val="20000"/>
+                        </a:spcBef>
+                        <a:spcAft>
+                          <a:spcPct val="0"/>
+                        </a:spcAft>
+                        <a:buClr>
+                          <a:schemeClr val="folHlink"/>
+                        </a:buClr>
+                        <a:buSzPct val="80000"/>
+                        <a:buFont typeface="Wingdings" panose="05000000000000000000" pitchFamily="2" charset="2"/>
+                        <a:defRPr>
+                          <a:solidFill>
+                            <a:schemeClr val="tx1"/>
+                          </a:solidFill>
+                          <a:latin typeface="Arial" panose="020B0604020202020204" pitchFamily="34" charset="0"/>
+                        </a:defRPr>
+                      </a:lvl9pPr>
+                    </a:lstStyle>
+                    <a:p>
+                      <a:pPr marL="0" marR="0" lvl="0" indent="0" algn="l" defTabSz="914400" rtl="0" eaLnBrk="1" fontAlgn="base" latinLnBrk="0" hangingPunct="1">
+                        <a:lnSpc>
+                          <a:spcPct val="100000"/>
+                        </a:lnSpc>
+                        <a:spcBef>
+                          <a:spcPct val="20000"/>
+                        </a:spcBef>
+                        <a:spcAft>
+                          <a:spcPct val="0"/>
+                        </a:spcAft>
+                        <a:buClr>
+                          <a:schemeClr val="tx2"/>
+                        </a:buClr>
+                        <a:buSzPct val="70000"/>
+                        <a:buFont typeface="Wingdings" panose="05000000000000000000" pitchFamily="2" charset="2"/>
+                        <a:buNone/>
+                        <a:tabLst/>
+                      </a:pPr>
+                      <a:r>
+                        <a:rPr kumimoji="0" lang="ru-RU" altLang="ru-RU" sz="2600" b="0" i="0" u="none" strike="noStrike" cap="none" normalizeH="0" baseline="0" smtClean="0">
+                          <a:ln>
+                            <a:noFill/>
+                          </a:ln>
+                          <a:solidFill>
+                            <a:schemeClr val="accent2">
+                              <a:lumMod val="50000"/>
+                            </a:schemeClr>
+                          </a:solidFill>
+                          <a:effectLst/>
+                          <a:latin typeface="Arial" panose="020B0604020202020204" pitchFamily="34" charset="0"/>
+                        </a:rPr>
+                        <a:t>5</a:t>
+                      </a:r>
+                    </a:p>
+                  </a:txBody>
+                  <a:tcPr horzOverflow="overflow">
+                    <a:lnL w="12700" cap="flat" cmpd="sng" algn="ctr">
+                      <a:solidFill>
+                        <a:schemeClr val="tx1"/>
+                      </a:solidFill>
+                      <a:prstDash val="solid"/>
+                      <a:round/>
+                      <a:headEnd type="none" w="med" len="med"/>
+                      <a:tailEnd type="none" w="med" len="med"/>
+                    </a:lnL>
+                    <a:lnR w="12700" cap="flat" cmpd="sng" algn="ctr">
+                      <a:solidFill>
+                        <a:schemeClr val="tx1"/>
+                      </a:solidFill>
+                      <a:prstDash val="solid"/>
+                      <a:round/>
+                      <a:headEnd type="none" w="med" len="med"/>
+                      <a:tailEnd type="none" w="med" len="med"/>
+                    </a:lnR>
+                    <a:lnT w="28575" cap="flat" cmpd="sng" algn="ctr">
+                      <a:solidFill>
+                        <a:schemeClr val="tx1"/>
+                      </a:solidFill>
+                      <a:prstDash val="solid"/>
+                      <a:round/>
+                      <a:headEnd type="none" w="med" len="med"/>
+                      <a:tailEnd type="none" w="med" len="med"/>
+                    </a:lnT>
+                    <a:lnB w="12700" cap="flat" cmpd="sng" algn="ctr">
+                      <a:solidFill>
+                        <a:schemeClr val="tx1"/>
+                      </a:solidFill>
+                      <a:prstDash val="solid"/>
+                      <a:round/>
+                      <a:headEnd type="none" w="med" len="med"/>
+                      <a:tailEnd type="none" w="med" len="med"/>
+                    </a:lnB>
+                    <a:lnTlToBr>
+                      <a:noFill/>
+                    </a:lnTlToBr>
+                    <a:lnBlToTr>
+                      <a:noFill/>
+                    </a:lnBlToTr>
+                    <a:noFill/>
+                  </a:tcPr>
+                </a:tc>
+                <a:tc>
+                  <a:txBody>
+                    <a:bodyPr/>
+                    <a:lstStyle>
+                      <a:lvl1pPr>
+                        <a:spcBef>
+                          <a:spcPct val="20000"/>
+                        </a:spcBef>
+                        <a:buClr>
+                          <a:schemeClr val="tx2"/>
+                        </a:buClr>
+                        <a:buSzPct val="70000"/>
+                        <a:buFont typeface="Wingdings" panose="05000000000000000000" pitchFamily="2" charset="2"/>
+                        <a:defRPr sz="2600">
+                          <a:solidFill>
+                            <a:schemeClr val="tx1"/>
+                          </a:solidFill>
+                          <a:latin typeface="Arial" panose="020B0604020202020204" pitchFamily="34" charset="0"/>
+                        </a:defRPr>
+                      </a:lvl1pPr>
+                      <a:lvl2pPr marL="344488">
+                        <a:spcBef>
+                          <a:spcPct val="20000"/>
+                        </a:spcBef>
+                        <a:buClr>
+                          <a:schemeClr val="accent2"/>
+                        </a:buClr>
+                        <a:buSzPct val="70000"/>
+                        <a:buFont typeface="Wingdings" panose="05000000000000000000" pitchFamily="2" charset="2"/>
+                        <a:defRPr sz="2200">
+                          <a:solidFill>
+                            <a:schemeClr val="tx1"/>
+                          </a:solidFill>
+                          <a:latin typeface="Arial" panose="020B0604020202020204" pitchFamily="34" charset="0"/>
+                        </a:defRPr>
+                      </a:lvl2pPr>
+                      <a:lvl3pPr marL="693738">
+                        <a:spcBef>
+                          <a:spcPct val="20000"/>
+                        </a:spcBef>
+                        <a:buClr>
+                          <a:schemeClr val="accent1"/>
+                        </a:buClr>
+                        <a:buSzPct val="70000"/>
+                        <a:buFont typeface="Wingdings" panose="05000000000000000000" pitchFamily="2" charset="2"/>
+                        <a:defRPr sz="2100">
+                          <a:solidFill>
+                            <a:schemeClr val="tx1"/>
+                          </a:solidFill>
+                          <a:latin typeface="Arial" panose="020B0604020202020204" pitchFamily="34" charset="0"/>
+                        </a:defRPr>
+                      </a:lvl3pPr>
+                      <a:lvl4pPr marL="989013">
+                        <a:spcBef>
+                          <a:spcPct val="20000"/>
+                        </a:spcBef>
+                        <a:buClr>
+                          <a:schemeClr val="tx2"/>
+                        </a:buClr>
+                        <a:buSzPct val="75000"/>
+                        <a:buFont typeface="Wingdings" panose="05000000000000000000" pitchFamily="2" charset="2"/>
+                        <a:defRPr>
+                          <a:solidFill>
+                            <a:schemeClr val="tx1"/>
+                          </a:solidFill>
+                          <a:latin typeface="Arial" panose="020B0604020202020204" pitchFamily="34" charset="0"/>
+                        </a:defRPr>
+                      </a:lvl4pPr>
+                      <a:lvl5pPr marL="1282700">
+                        <a:spcBef>
+                          <a:spcPct val="20000"/>
+                        </a:spcBef>
+                        <a:buClr>
+                          <a:schemeClr val="folHlink"/>
+                        </a:buClr>
+                        <a:buSzPct val="80000"/>
+                        <a:buFont typeface="Wingdings" panose="05000000000000000000" pitchFamily="2" charset="2"/>
+                        <a:defRPr>
+                          <a:solidFill>
+                            <a:schemeClr val="tx1"/>
+                          </a:solidFill>
+                          <a:latin typeface="Arial" panose="020B0604020202020204" pitchFamily="34" charset="0"/>
+                        </a:defRPr>
+                      </a:lvl5pPr>
+                      <a:lvl6pPr marL="1739900" fontAlgn="base">
+                        <a:spcBef>
+                          <a:spcPct val="20000"/>
+                        </a:spcBef>
+                        <a:spcAft>
+                          <a:spcPct val="0"/>
+                        </a:spcAft>
+                        <a:buClr>
+                          <a:schemeClr val="folHlink"/>
+                        </a:buClr>
+                        <a:buSzPct val="80000"/>
+                        <a:buFont typeface="Wingdings" panose="05000000000000000000" pitchFamily="2" charset="2"/>
+                        <a:defRPr>
+                          <a:solidFill>
+                            <a:schemeClr val="tx1"/>
+                          </a:solidFill>
+                          <a:latin typeface="Arial" panose="020B0604020202020204" pitchFamily="34" charset="0"/>
+                        </a:defRPr>
+                      </a:lvl6pPr>
+                      <a:lvl7pPr marL="2197100" fontAlgn="base">
+                        <a:spcBef>
+                          <a:spcPct val="20000"/>
+                        </a:spcBef>
+                        <a:spcAft>
+                          <a:spcPct val="0"/>
+                        </a:spcAft>
+                        <a:buClr>
+                          <a:schemeClr val="folHlink"/>
+                        </a:buClr>
+                        <a:buSzPct val="80000"/>
+                        <a:buFont typeface="Wingdings" panose="05000000000000000000" pitchFamily="2" charset="2"/>
+                        <a:defRPr>
+                          <a:solidFill>
+                            <a:schemeClr val="tx1"/>
+                          </a:solidFill>
+                          <a:latin typeface="Arial" panose="020B0604020202020204" pitchFamily="34" charset="0"/>
+                        </a:defRPr>
+                      </a:lvl7pPr>
+                      <a:lvl8pPr marL="2654300" fontAlgn="base">
+                        <a:spcBef>
+                          <a:spcPct val="20000"/>
+                        </a:spcBef>
+                        <a:spcAft>
+                          <a:spcPct val="0"/>
+                        </a:spcAft>
+                        <a:buClr>
+                          <a:schemeClr val="folHlink"/>
+                        </a:buClr>
+                        <a:buSzPct val="80000"/>
+                        <a:buFont typeface="Wingdings" panose="05000000000000000000" pitchFamily="2" charset="2"/>
+                        <a:defRPr>
+                          <a:solidFill>
+                            <a:schemeClr val="tx1"/>
+                          </a:solidFill>
+                          <a:latin typeface="Arial" panose="020B0604020202020204" pitchFamily="34" charset="0"/>
+                        </a:defRPr>
+                      </a:lvl8pPr>
+                      <a:lvl9pPr marL="3111500" fontAlgn="base">
+                        <a:spcBef>
+                          <a:spcPct val="20000"/>
+                        </a:spcBef>
+                        <a:spcAft>
+                          <a:spcPct val="0"/>
+                        </a:spcAft>
+                        <a:buClr>
+                          <a:schemeClr val="folHlink"/>
+                        </a:buClr>
+                        <a:buSzPct val="80000"/>
+                        <a:buFont typeface="Wingdings" panose="05000000000000000000" pitchFamily="2" charset="2"/>
+                        <a:defRPr>
+                          <a:solidFill>
+                            <a:schemeClr val="tx1"/>
+                          </a:solidFill>
+                          <a:latin typeface="Arial" panose="020B0604020202020204" pitchFamily="34" charset="0"/>
+                        </a:defRPr>
+                      </a:lvl9pPr>
+                    </a:lstStyle>
+                    <a:p>
+                      <a:pPr marL="0" marR="0" lvl="0" indent="0" algn="l" defTabSz="914400" rtl="0" eaLnBrk="1" fontAlgn="base" latinLnBrk="0" hangingPunct="1">
+                        <a:lnSpc>
+                          <a:spcPct val="100000"/>
+                        </a:lnSpc>
+                        <a:spcBef>
+                          <a:spcPct val="20000"/>
+                        </a:spcBef>
+                        <a:spcAft>
+                          <a:spcPct val="0"/>
+                        </a:spcAft>
+                        <a:buClr>
+                          <a:schemeClr val="tx2"/>
+                        </a:buClr>
+                        <a:buSzPct val="70000"/>
+                        <a:buFont typeface="Wingdings" panose="05000000000000000000" pitchFamily="2" charset="2"/>
+                        <a:buNone/>
+                        <a:tabLst/>
+                      </a:pPr>
+                      <a:r>
+                        <a:rPr kumimoji="0" lang="ru-RU" altLang="ru-RU" sz="2600" b="0" i="0" u="none" strike="noStrike" cap="none" normalizeH="0" baseline="0" dirty="0" smtClean="0">
+                          <a:ln>
+                            <a:noFill/>
+                          </a:ln>
+                          <a:solidFill>
+                            <a:schemeClr val="accent2">
+                              <a:lumMod val="50000"/>
+                            </a:schemeClr>
+                          </a:solidFill>
+                          <a:effectLst/>
+                          <a:latin typeface="Arial" panose="020B0604020202020204" pitchFamily="34" charset="0"/>
+                        </a:rPr>
+                        <a:t>6</a:t>
+                      </a:r>
+                    </a:p>
+                  </a:txBody>
+                  <a:tcPr horzOverflow="overflow">
+                    <a:lnL w="12700" cap="flat" cmpd="sng" algn="ctr">
+                      <a:solidFill>
+                        <a:schemeClr val="tx1"/>
+                      </a:solidFill>
+                      <a:prstDash val="solid"/>
+                      <a:round/>
+                      <a:headEnd type="none" w="med" len="med"/>
+                      <a:tailEnd type="none" w="med" len="med"/>
+                    </a:lnL>
+                    <a:lnR w="12700" cap="flat" cmpd="sng" algn="ctr">
+                      <a:solidFill>
+                        <a:schemeClr val="tx1"/>
+                      </a:solidFill>
+                      <a:prstDash val="solid"/>
+                      <a:round/>
+                      <a:headEnd type="none" w="med" len="med"/>
+                      <a:tailEnd type="none" w="med" len="med"/>
+                    </a:lnR>
+                    <a:lnT w="28575" cap="flat" cmpd="sng" algn="ctr">
+                      <a:solidFill>
+                        <a:schemeClr val="tx1"/>
+                      </a:solidFill>
+                      <a:prstDash val="solid"/>
+                      <a:round/>
+                      <a:headEnd type="none" w="med" len="med"/>
+                      <a:tailEnd type="none" w="med" len="med"/>
+                    </a:lnT>
+                    <a:lnB w="12700" cap="flat" cmpd="sng" algn="ctr">
+                      <a:solidFill>
+                        <a:schemeClr val="tx1"/>
+                      </a:solidFill>
+                      <a:prstDash val="solid"/>
+                      <a:round/>
+                      <a:headEnd type="none" w="med" len="med"/>
+                      <a:tailEnd type="none" w="med" len="med"/>
+                    </a:lnB>
+                    <a:lnTlToBr>
+                      <a:noFill/>
+                    </a:lnTlToBr>
+                    <a:lnBlToTr>
+                      <a:noFill/>
+                    </a:lnBlToTr>
+                    <a:noFill/>
+                  </a:tcPr>
+                </a:tc>
+                <a:extLst>
+                  <a:ext uri="{0D108BD9-81ED-4DB2-BD59-A6C34878D82A}">
+                    <a16:rowId xmlns:a16="http://schemas.microsoft.com/office/drawing/2014/main" xmlns="" val="1517190903"/>
+                  </a:ext>
+                </a:extLst>
+              </a:tr>
+              <a:tr h="642017">
+                <a:tc>
+                  <a:txBody>
+                    <a:bodyPr/>
+                    <a:lstStyle>
+                      <a:lvl1pPr>
+                        <a:spcBef>
+                          <a:spcPct val="20000"/>
+                        </a:spcBef>
+                        <a:buClr>
+                          <a:schemeClr val="tx2"/>
+                        </a:buClr>
+                        <a:buSzPct val="70000"/>
+                        <a:buFont typeface="Wingdings" panose="05000000000000000000" pitchFamily="2" charset="2"/>
+                        <a:defRPr sz="2600">
+                          <a:solidFill>
+                            <a:schemeClr val="tx1"/>
+                          </a:solidFill>
+                          <a:latin typeface="Arial" panose="020B0604020202020204" pitchFamily="34" charset="0"/>
+                        </a:defRPr>
+                      </a:lvl1pPr>
+                      <a:lvl2pPr marL="344488">
+                        <a:spcBef>
+                          <a:spcPct val="20000"/>
+                        </a:spcBef>
+                        <a:buClr>
+                          <a:schemeClr val="accent2"/>
+                        </a:buClr>
+                        <a:buSzPct val="70000"/>
+                        <a:buFont typeface="Wingdings" panose="05000000000000000000" pitchFamily="2" charset="2"/>
+                        <a:defRPr sz="2200">
+                          <a:solidFill>
+                            <a:schemeClr val="tx1"/>
+                          </a:solidFill>
+                          <a:latin typeface="Arial" panose="020B0604020202020204" pitchFamily="34" charset="0"/>
+                        </a:defRPr>
+                      </a:lvl2pPr>
+                      <a:lvl3pPr marL="693738">
+                        <a:spcBef>
+                          <a:spcPct val="20000"/>
+                        </a:spcBef>
+                        <a:buClr>
+                          <a:schemeClr val="accent1"/>
+                        </a:buClr>
+                        <a:buSzPct val="70000"/>
+                        <a:buFont typeface="Wingdings" panose="05000000000000000000" pitchFamily="2" charset="2"/>
+                        <a:defRPr sz="2100">
+                          <a:solidFill>
+                            <a:schemeClr val="tx1"/>
+                          </a:solidFill>
+                          <a:latin typeface="Arial" panose="020B0604020202020204" pitchFamily="34" charset="0"/>
+                        </a:defRPr>
+                      </a:lvl3pPr>
+                      <a:lvl4pPr marL="989013">
+                        <a:spcBef>
+                          <a:spcPct val="20000"/>
+                        </a:spcBef>
+                        <a:buClr>
+                          <a:schemeClr val="tx2"/>
+                        </a:buClr>
+                        <a:buSzPct val="75000"/>
+                        <a:buFont typeface="Wingdings" panose="05000000000000000000" pitchFamily="2" charset="2"/>
+                        <a:defRPr>
+                          <a:solidFill>
+                            <a:schemeClr val="tx1"/>
+                          </a:solidFill>
+                          <a:latin typeface="Arial" panose="020B0604020202020204" pitchFamily="34" charset="0"/>
+                        </a:defRPr>
+                      </a:lvl4pPr>
+                      <a:lvl5pPr marL="1282700">
+                        <a:spcBef>
+                          <a:spcPct val="20000"/>
+                        </a:spcBef>
+                        <a:buClr>
+                          <a:schemeClr val="folHlink"/>
+                        </a:buClr>
+                        <a:buSzPct val="80000"/>
+                        <a:buFont typeface="Wingdings" panose="05000000000000000000" pitchFamily="2" charset="2"/>
+                        <a:defRPr>
+                          <a:solidFill>
+                            <a:schemeClr val="tx1"/>
+                          </a:solidFill>
+                          <a:latin typeface="Arial" panose="020B0604020202020204" pitchFamily="34" charset="0"/>
+                        </a:defRPr>
+                      </a:lvl5pPr>
+                      <a:lvl6pPr marL="1739900" fontAlgn="base">
+                        <a:spcBef>
+                          <a:spcPct val="20000"/>
+                        </a:spcBef>
+                        <a:spcAft>
+                          <a:spcPct val="0"/>
+                        </a:spcAft>
+                        <a:buClr>
+                          <a:schemeClr val="folHlink"/>
+                        </a:buClr>
+                        <a:buSzPct val="80000"/>
+                        <a:buFont typeface="Wingdings" panose="05000000000000000000" pitchFamily="2" charset="2"/>
+                        <a:defRPr>
+                          <a:solidFill>
+                            <a:schemeClr val="tx1"/>
+                          </a:solidFill>
+                          <a:latin typeface="Arial" panose="020B0604020202020204" pitchFamily="34" charset="0"/>
+                        </a:defRPr>
+                      </a:lvl6pPr>
+                      <a:lvl7pPr marL="2197100" fontAlgn="base">
+                        <a:spcBef>
+                          <a:spcPct val="20000"/>
+                        </a:spcBef>
+                        <a:spcAft>
+                          <a:spcPct val="0"/>
+                        </a:spcAft>
+                        <a:buClr>
+                          <a:schemeClr val="folHlink"/>
+                        </a:buClr>
+                        <a:buSzPct val="80000"/>
+                        <a:buFont typeface="Wingdings" panose="05000000000000000000" pitchFamily="2" charset="2"/>
+                        <a:defRPr>
+                          <a:solidFill>
+                            <a:schemeClr val="tx1"/>
+                          </a:solidFill>
+                          <a:latin typeface="Arial" panose="020B0604020202020204" pitchFamily="34" charset="0"/>
+                        </a:defRPr>
+                      </a:lvl7pPr>
+                      <a:lvl8pPr marL="2654300" fontAlgn="base">
+                        <a:spcBef>
+                          <a:spcPct val="20000"/>
+                        </a:spcBef>
+                        <a:spcAft>
+                          <a:spcPct val="0"/>
+                        </a:spcAft>
+                        <a:buClr>
+                          <a:schemeClr val="folHlink"/>
+                        </a:buClr>
+                        <a:buSzPct val="80000"/>
+                        <a:buFont typeface="Wingdings" panose="05000000000000000000" pitchFamily="2" charset="2"/>
+                        <a:defRPr>
+                          <a:solidFill>
+                            <a:schemeClr val="tx1"/>
+                          </a:solidFill>
+                          <a:latin typeface="Arial" panose="020B0604020202020204" pitchFamily="34" charset="0"/>
+                        </a:defRPr>
+                      </a:lvl8pPr>
+                      <a:lvl9pPr marL="3111500" fontAlgn="base">
+                        <a:spcBef>
+                          <a:spcPct val="20000"/>
+                        </a:spcBef>
+                        <a:spcAft>
+                          <a:spcPct val="0"/>
+                        </a:spcAft>
+                        <a:buClr>
+                          <a:schemeClr val="folHlink"/>
+                        </a:buClr>
+                        <a:buSzPct val="80000"/>
+                        <a:buFont typeface="Wingdings" panose="05000000000000000000" pitchFamily="2" charset="2"/>
+                        <a:defRPr>
+                          <a:solidFill>
+                            <a:schemeClr val="tx1"/>
+                          </a:solidFill>
+                          <a:latin typeface="Arial" panose="020B0604020202020204" pitchFamily="34" charset="0"/>
+                        </a:defRPr>
+                      </a:lvl9pPr>
+                    </a:lstStyle>
+                    <a:p>
+                      <a:pPr marL="0" marR="0" lvl="0" indent="0" algn="l" defTabSz="914400" rtl="0" eaLnBrk="1" fontAlgn="base" latinLnBrk="0" hangingPunct="1">
+                        <a:lnSpc>
+                          <a:spcPct val="100000"/>
+                        </a:lnSpc>
+                        <a:spcBef>
+                          <a:spcPct val="20000"/>
+                        </a:spcBef>
+                        <a:spcAft>
+                          <a:spcPct val="0"/>
+                        </a:spcAft>
+                        <a:buClr>
+                          <a:schemeClr val="tx2"/>
+                        </a:buClr>
+                        <a:buSzPct val="70000"/>
+                        <a:buFont typeface="Wingdings" panose="05000000000000000000" pitchFamily="2" charset="2"/>
+                        <a:buNone/>
+                        <a:tabLst/>
+                      </a:pPr>
+                      <a:r>
+                        <a:rPr kumimoji="0" lang="en-US" altLang="ru-RU" sz="1800" b="0" i="0" u="none" strike="noStrike" cap="none" normalizeH="0" baseline="0" dirty="0" smtClean="0">
+                          <a:ln>
+                            <a:noFill/>
+                          </a:ln>
+                          <a:solidFill>
+                            <a:schemeClr val="accent2">
+                              <a:lumMod val="50000"/>
+                            </a:schemeClr>
+                          </a:solidFill>
+                          <a:effectLst/>
+                          <a:latin typeface="Arial" panose="020B0604020202020204" pitchFamily="34" charset="0"/>
+                        </a:rPr>
+                        <a:t>x1;y1</a:t>
+                      </a:r>
+                      <a:endParaRPr kumimoji="0" lang="ru-RU" altLang="ru-RU" sz="1800" b="0" i="0" u="none" strike="noStrike" cap="none" normalizeH="0" baseline="0" dirty="0" smtClean="0">
+                        <a:ln>
+                          <a:noFill/>
+                        </a:ln>
+                        <a:solidFill>
+                          <a:schemeClr val="accent2">
+                            <a:lumMod val="50000"/>
+                          </a:schemeClr>
+                        </a:solidFill>
+                        <a:effectLst/>
+                        <a:latin typeface="Arial" panose="020B0604020202020204" pitchFamily="34" charset="0"/>
+                      </a:endParaRPr>
+                    </a:p>
+                  </a:txBody>
+                  <a:tcPr horzOverflow="overflow">
+                    <a:lnL w="28575" cap="flat" cmpd="sng" algn="ctr">
+                      <a:solidFill>
+                        <a:schemeClr val="tx1"/>
+                      </a:solidFill>
+                      <a:prstDash val="solid"/>
+                      <a:round/>
+                      <a:headEnd type="none" w="med" len="med"/>
+                      <a:tailEnd type="none" w="med" len="med"/>
+                    </a:lnL>
+                    <a:lnR w="12700" cap="flat" cmpd="sng" algn="ctr">
+                      <a:solidFill>
+                        <a:schemeClr val="tx1"/>
+                      </a:solidFill>
+                      <a:prstDash val="solid"/>
+                      <a:round/>
+                      <a:headEnd type="none" w="med" len="med"/>
+                      <a:tailEnd type="none" w="med" len="med"/>
+                    </a:lnR>
+                    <a:lnT w="12700" cap="flat" cmpd="sng" algn="ctr">
+                      <a:solidFill>
+                        <a:schemeClr val="tx1"/>
+                      </a:solidFill>
+                      <a:prstDash val="solid"/>
+                      <a:round/>
+                      <a:headEnd type="none" w="med" len="med"/>
+                      <a:tailEnd type="none" w="med" len="med"/>
+                    </a:lnT>
+                    <a:lnB w="28575" cap="flat" cmpd="sng" algn="ctr">
+                      <a:solidFill>
+                        <a:schemeClr val="tx1"/>
+                      </a:solidFill>
+                      <a:prstDash val="solid"/>
+                      <a:round/>
+                      <a:headEnd type="none" w="med" len="med"/>
+                      <a:tailEnd type="none" w="med" len="med"/>
+                    </a:lnB>
+                    <a:lnTlToBr>
+                      <a:noFill/>
+                    </a:lnTlToBr>
+                    <a:lnBlToTr>
+                      <a:noFill/>
+                    </a:lnBlToTr>
+                    <a:noFill/>
+                  </a:tcPr>
+                </a:tc>
+                <a:tc>
+                  <a:txBody>
+                    <a:bodyPr/>
+                    <a:lstStyle>
+                      <a:lvl1pPr>
+                        <a:spcBef>
+                          <a:spcPct val="20000"/>
+                        </a:spcBef>
+                        <a:buClr>
+                          <a:schemeClr val="tx2"/>
+                        </a:buClr>
+                        <a:buSzPct val="70000"/>
+                        <a:buFont typeface="Wingdings" panose="05000000000000000000" pitchFamily="2" charset="2"/>
+                        <a:defRPr sz="2600">
+                          <a:solidFill>
+                            <a:schemeClr val="tx1"/>
+                          </a:solidFill>
+                          <a:latin typeface="Arial" panose="020B0604020202020204" pitchFamily="34" charset="0"/>
+                        </a:defRPr>
+                      </a:lvl1pPr>
+                      <a:lvl2pPr marL="344488">
+                        <a:spcBef>
+                          <a:spcPct val="20000"/>
+                        </a:spcBef>
+                        <a:buClr>
+                          <a:schemeClr val="accent2"/>
+                        </a:buClr>
+                        <a:buSzPct val="70000"/>
+                        <a:buFont typeface="Wingdings" panose="05000000000000000000" pitchFamily="2" charset="2"/>
+                        <a:defRPr sz="2200">
+                          <a:solidFill>
+                            <a:schemeClr val="tx1"/>
+                          </a:solidFill>
+                          <a:latin typeface="Arial" panose="020B0604020202020204" pitchFamily="34" charset="0"/>
+                        </a:defRPr>
+                      </a:lvl2pPr>
+                      <a:lvl3pPr marL="693738">
+                        <a:spcBef>
+                          <a:spcPct val="20000"/>
+                        </a:spcBef>
+                        <a:buClr>
+                          <a:schemeClr val="accent1"/>
+                        </a:buClr>
+                        <a:buSzPct val="70000"/>
+                        <a:buFont typeface="Wingdings" panose="05000000000000000000" pitchFamily="2" charset="2"/>
+                        <a:defRPr sz="2100">
+                          <a:solidFill>
+                            <a:schemeClr val="tx1"/>
+                          </a:solidFill>
+                          <a:latin typeface="Arial" panose="020B0604020202020204" pitchFamily="34" charset="0"/>
+                        </a:defRPr>
+                      </a:lvl3pPr>
+                      <a:lvl4pPr marL="989013">
+                        <a:spcBef>
+                          <a:spcPct val="20000"/>
+                        </a:spcBef>
+                        <a:buClr>
+                          <a:schemeClr val="tx2"/>
+                        </a:buClr>
+                        <a:buSzPct val="75000"/>
+                        <a:buFont typeface="Wingdings" panose="05000000000000000000" pitchFamily="2" charset="2"/>
+                        <a:defRPr>
+                          <a:solidFill>
+                            <a:schemeClr val="tx1"/>
+                          </a:solidFill>
+                          <a:latin typeface="Arial" panose="020B0604020202020204" pitchFamily="34" charset="0"/>
+                        </a:defRPr>
+                      </a:lvl4pPr>
+                      <a:lvl5pPr marL="1282700">
+                        <a:spcBef>
+                          <a:spcPct val="20000"/>
+                        </a:spcBef>
+                        <a:buClr>
+                          <a:schemeClr val="folHlink"/>
+                        </a:buClr>
+                        <a:buSzPct val="80000"/>
+                        <a:buFont typeface="Wingdings" panose="05000000000000000000" pitchFamily="2" charset="2"/>
+                        <a:defRPr>
+                          <a:solidFill>
+                            <a:schemeClr val="tx1"/>
+                          </a:solidFill>
+                          <a:latin typeface="Arial" panose="020B0604020202020204" pitchFamily="34" charset="0"/>
+                        </a:defRPr>
+                      </a:lvl5pPr>
+                      <a:lvl6pPr marL="1739900" fontAlgn="base">
+                        <a:spcBef>
+                          <a:spcPct val="20000"/>
+                        </a:spcBef>
+                        <a:spcAft>
+                          <a:spcPct val="0"/>
+                        </a:spcAft>
+                        <a:buClr>
+                          <a:schemeClr val="folHlink"/>
+                        </a:buClr>
+                        <a:buSzPct val="80000"/>
+                        <a:buFont typeface="Wingdings" panose="05000000000000000000" pitchFamily="2" charset="2"/>
+                        <a:defRPr>
+                          <a:solidFill>
+                            <a:schemeClr val="tx1"/>
+                          </a:solidFill>
+                          <a:latin typeface="Arial" panose="020B0604020202020204" pitchFamily="34" charset="0"/>
+                        </a:defRPr>
+                      </a:lvl6pPr>
+                      <a:lvl7pPr marL="2197100" fontAlgn="base">
+                        <a:spcBef>
+                          <a:spcPct val="20000"/>
+                        </a:spcBef>
+                        <a:spcAft>
+                          <a:spcPct val="0"/>
+                        </a:spcAft>
+                        <a:buClr>
+                          <a:schemeClr val="folHlink"/>
+                        </a:buClr>
+                        <a:buSzPct val="80000"/>
+                        <a:buFont typeface="Wingdings" panose="05000000000000000000" pitchFamily="2" charset="2"/>
+                        <a:defRPr>
+                          <a:solidFill>
+                            <a:schemeClr val="tx1"/>
+                          </a:solidFill>
+                          <a:latin typeface="Arial" panose="020B0604020202020204" pitchFamily="34" charset="0"/>
+                        </a:defRPr>
+                      </a:lvl7pPr>
+                      <a:lvl8pPr marL="2654300" fontAlgn="base">
+                        <a:spcBef>
+                          <a:spcPct val="20000"/>
+                        </a:spcBef>
+                        <a:spcAft>
+                          <a:spcPct val="0"/>
+                        </a:spcAft>
+                        <a:buClr>
+                          <a:schemeClr val="folHlink"/>
+                        </a:buClr>
+                        <a:buSzPct val="80000"/>
+                        <a:buFont typeface="Wingdings" panose="05000000000000000000" pitchFamily="2" charset="2"/>
+                        <a:defRPr>
+                          <a:solidFill>
+                            <a:schemeClr val="tx1"/>
+                          </a:solidFill>
+                          <a:latin typeface="Arial" panose="020B0604020202020204" pitchFamily="34" charset="0"/>
+                        </a:defRPr>
+                      </a:lvl8pPr>
+                      <a:lvl9pPr marL="3111500" fontAlgn="base">
+                        <a:spcBef>
+                          <a:spcPct val="20000"/>
+                        </a:spcBef>
+                        <a:spcAft>
+                          <a:spcPct val="0"/>
+                        </a:spcAft>
+                        <a:buClr>
+                          <a:schemeClr val="folHlink"/>
+                        </a:buClr>
+                        <a:buSzPct val="80000"/>
+                        <a:buFont typeface="Wingdings" panose="05000000000000000000" pitchFamily="2" charset="2"/>
+                        <a:defRPr>
+                          <a:solidFill>
+                            <a:schemeClr val="tx1"/>
+                          </a:solidFill>
+                          <a:latin typeface="Arial" panose="020B0604020202020204" pitchFamily="34" charset="0"/>
+                        </a:defRPr>
+                      </a:lvl9pPr>
+                    </a:lstStyle>
+                    <a:p>
+                      <a:pPr marL="0" marR="0" lvl="0" indent="0" algn="l" defTabSz="914400" rtl="0" eaLnBrk="1" fontAlgn="base" latinLnBrk="0" hangingPunct="1">
+                        <a:lnSpc>
+                          <a:spcPct val="100000"/>
+                        </a:lnSpc>
+                        <a:spcBef>
+                          <a:spcPct val="20000"/>
+                        </a:spcBef>
+                        <a:spcAft>
+                          <a:spcPct val="0"/>
+                        </a:spcAft>
+                        <a:buClr>
+                          <a:schemeClr val="tx2"/>
+                        </a:buClr>
+                        <a:buSzPct val="70000"/>
+                        <a:buFont typeface="Wingdings" panose="05000000000000000000" pitchFamily="2" charset="2"/>
+                        <a:buNone/>
+                        <a:tabLst/>
+                      </a:pPr>
+                      <a:r>
+                        <a:rPr kumimoji="0" lang="en-US" altLang="ru-RU" sz="1800" b="0" i="0" u="none" strike="noStrike" cap="none" normalizeH="0" baseline="0" smtClean="0">
+                          <a:ln>
+                            <a:noFill/>
+                          </a:ln>
+                          <a:solidFill>
+                            <a:schemeClr val="accent2">
+                              <a:lumMod val="50000"/>
+                            </a:schemeClr>
+                          </a:solidFill>
+                          <a:effectLst/>
+                          <a:latin typeface="Arial" panose="020B0604020202020204" pitchFamily="34" charset="0"/>
+                        </a:rPr>
+                        <a:t>x2;y2</a:t>
+                      </a:r>
+                      <a:endParaRPr kumimoji="0" lang="ru-RU" altLang="ru-RU" sz="1800" b="0" i="0" u="none" strike="noStrike" cap="none" normalizeH="0" baseline="0" smtClean="0">
+                        <a:ln>
+                          <a:noFill/>
+                        </a:ln>
+                        <a:solidFill>
+                          <a:schemeClr val="accent2">
+                            <a:lumMod val="50000"/>
+                          </a:schemeClr>
+                        </a:solidFill>
+                        <a:effectLst/>
+                        <a:latin typeface="Arial" panose="020B0604020202020204" pitchFamily="34" charset="0"/>
+                      </a:endParaRPr>
+                    </a:p>
+                  </a:txBody>
+                  <a:tcPr horzOverflow="overflow">
+                    <a:lnL w="12700" cap="flat" cmpd="sng" algn="ctr">
+                      <a:solidFill>
+                        <a:schemeClr val="tx1"/>
+                      </a:solidFill>
+                      <a:prstDash val="solid"/>
+                      <a:round/>
+                      <a:headEnd type="none" w="med" len="med"/>
+                      <a:tailEnd type="none" w="med" len="med"/>
+                    </a:lnL>
+                    <a:lnR w="12700" cap="flat" cmpd="sng" algn="ctr">
+                      <a:solidFill>
+                        <a:schemeClr val="tx1"/>
+                      </a:solidFill>
+                      <a:prstDash val="solid"/>
+                      <a:round/>
+                      <a:headEnd type="none" w="med" len="med"/>
+                      <a:tailEnd type="none" w="med" len="med"/>
+                    </a:lnR>
+                    <a:lnT w="12700" cap="flat" cmpd="sng" algn="ctr">
+                      <a:solidFill>
+                        <a:schemeClr val="tx1"/>
+                      </a:solidFill>
+                      <a:prstDash val="solid"/>
+                      <a:round/>
+                      <a:headEnd type="none" w="med" len="med"/>
+                      <a:tailEnd type="none" w="med" len="med"/>
+                    </a:lnT>
+                    <a:lnB w="28575" cap="flat" cmpd="sng" algn="ctr">
+                      <a:solidFill>
+                        <a:schemeClr val="tx1"/>
+                      </a:solidFill>
+                      <a:prstDash val="solid"/>
+                      <a:round/>
+                      <a:headEnd type="none" w="med" len="med"/>
+                      <a:tailEnd type="none" w="med" len="med"/>
+                    </a:lnB>
+                    <a:lnTlToBr>
+                      <a:noFill/>
+                    </a:lnTlToBr>
+                    <a:lnBlToTr>
+                      <a:noFill/>
+                    </a:lnBlToTr>
+                    <a:noFill/>
+                  </a:tcPr>
+                </a:tc>
+                <a:tc>
+                  <a:txBody>
+                    <a:bodyPr/>
+                    <a:lstStyle>
+                      <a:lvl1pPr>
+                        <a:spcBef>
+                          <a:spcPct val="20000"/>
+                        </a:spcBef>
+                        <a:buClr>
+                          <a:schemeClr val="tx2"/>
+                        </a:buClr>
+                        <a:buSzPct val="70000"/>
+                        <a:buFont typeface="Wingdings" panose="05000000000000000000" pitchFamily="2" charset="2"/>
+                        <a:defRPr sz="2600">
+                          <a:solidFill>
+                            <a:schemeClr val="tx1"/>
+                          </a:solidFill>
+                          <a:latin typeface="Arial" panose="020B0604020202020204" pitchFamily="34" charset="0"/>
+                        </a:defRPr>
+                      </a:lvl1pPr>
+                      <a:lvl2pPr marL="344488">
+                        <a:spcBef>
+                          <a:spcPct val="20000"/>
+                        </a:spcBef>
+                        <a:buClr>
+                          <a:schemeClr val="accent2"/>
+                        </a:buClr>
+                        <a:buSzPct val="70000"/>
+                        <a:buFont typeface="Wingdings" panose="05000000000000000000" pitchFamily="2" charset="2"/>
+                        <a:defRPr sz="2200">
+                          <a:solidFill>
+                            <a:schemeClr val="tx1"/>
+                          </a:solidFill>
+                          <a:latin typeface="Arial" panose="020B0604020202020204" pitchFamily="34" charset="0"/>
+                        </a:defRPr>
+                      </a:lvl2pPr>
+                      <a:lvl3pPr marL="693738">
+                        <a:spcBef>
+                          <a:spcPct val="20000"/>
+                        </a:spcBef>
+                        <a:buClr>
+                          <a:schemeClr val="accent1"/>
+                        </a:buClr>
+                        <a:buSzPct val="70000"/>
+                        <a:buFont typeface="Wingdings" panose="05000000000000000000" pitchFamily="2" charset="2"/>
+                        <a:defRPr sz="2100">
+                          <a:solidFill>
+                            <a:schemeClr val="tx1"/>
+                          </a:solidFill>
+                          <a:latin typeface="Arial" panose="020B0604020202020204" pitchFamily="34" charset="0"/>
+                        </a:defRPr>
+                      </a:lvl3pPr>
+                      <a:lvl4pPr marL="989013">
+                        <a:spcBef>
+                          <a:spcPct val="20000"/>
+                        </a:spcBef>
+                        <a:buClr>
+                          <a:schemeClr val="tx2"/>
+                        </a:buClr>
+                        <a:buSzPct val="75000"/>
+                        <a:buFont typeface="Wingdings" panose="05000000000000000000" pitchFamily="2" charset="2"/>
+                        <a:defRPr>
+                          <a:solidFill>
+                            <a:schemeClr val="tx1"/>
+                          </a:solidFill>
+                          <a:latin typeface="Arial" panose="020B0604020202020204" pitchFamily="34" charset="0"/>
+                        </a:defRPr>
+                      </a:lvl4pPr>
+                      <a:lvl5pPr marL="1282700">
+                        <a:spcBef>
+                          <a:spcPct val="20000"/>
+                        </a:spcBef>
+                        <a:buClr>
+                          <a:schemeClr val="folHlink"/>
+                        </a:buClr>
+                        <a:buSzPct val="80000"/>
+                        <a:buFont typeface="Wingdings" panose="05000000000000000000" pitchFamily="2" charset="2"/>
+                        <a:defRPr>
+                          <a:solidFill>
+                            <a:schemeClr val="tx1"/>
+                          </a:solidFill>
+                          <a:latin typeface="Arial" panose="020B0604020202020204" pitchFamily="34" charset="0"/>
+                        </a:defRPr>
+                      </a:lvl5pPr>
+                      <a:lvl6pPr marL="1739900" fontAlgn="base">
+                        <a:spcBef>
+                          <a:spcPct val="20000"/>
+                        </a:spcBef>
+                        <a:spcAft>
+                          <a:spcPct val="0"/>
+                        </a:spcAft>
+                        <a:buClr>
+                          <a:schemeClr val="folHlink"/>
+                        </a:buClr>
+                        <a:buSzPct val="80000"/>
+                        <a:buFont typeface="Wingdings" panose="05000000000000000000" pitchFamily="2" charset="2"/>
+                        <a:defRPr>
+                          <a:solidFill>
+                            <a:schemeClr val="tx1"/>
+                          </a:solidFill>
+                          <a:latin typeface="Arial" panose="020B0604020202020204" pitchFamily="34" charset="0"/>
+                        </a:defRPr>
+                      </a:lvl6pPr>
+                      <a:lvl7pPr marL="2197100" fontAlgn="base">
+                        <a:spcBef>
+                          <a:spcPct val="20000"/>
+                        </a:spcBef>
+                        <a:spcAft>
+                          <a:spcPct val="0"/>
+                        </a:spcAft>
+                        <a:buClr>
+                          <a:schemeClr val="folHlink"/>
+                        </a:buClr>
+                        <a:buSzPct val="80000"/>
+                        <a:buFont typeface="Wingdings" panose="05000000000000000000" pitchFamily="2" charset="2"/>
+                        <a:defRPr>
+                          <a:solidFill>
+                            <a:schemeClr val="tx1"/>
+                          </a:solidFill>
+                          <a:latin typeface="Arial" panose="020B0604020202020204" pitchFamily="34" charset="0"/>
+                        </a:defRPr>
+                      </a:lvl7pPr>
+                      <a:lvl8pPr marL="2654300" fontAlgn="base">
+                        <a:spcBef>
+                          <a:spcPct val="20000"/>
+                        </a:spcBef>
+                        <a:spcAft>
+                          <a:spcPct val="0"/>
+                        </a:spcAft>
+                        <a:buClr>
+                          <a:schemeClr val="folHlink"/>
+                        </a:buClr>
+                        <a:buSzPct val="80000"/>
+                        <a:buFont typeface="Wingdings" panose="05000000000000000000" pitchFamily="2" charset="2"/>
+                        <a:defRPr>
+                          <a:solidFill>
+                            <a:schemeClr val="tx1"/>
+                          </a:solidFill>
+                          <a:latin typeface="Arial" panose="020B0604020202020204" pitchFamily="34" charset="0"/>
+                        </a:defRPr>
+                      </a:lvl8pPr>
+                      <a:lvl9pPr marL="3111500" fontAlgn="base">
+                        <a:spcBef>
+                          <a:spcPct val="20000"/>
+                        </a:spcBef>
+                        <a:spcAft>
+                          <a:spcPct val="0"/>
+                        </a:spcAft>
+                        <a:buClr>
+                          <a:schemeClr val="folHlink"/>
+                        </a:buClr>
+                        <a:buSzPct val="80000"/>
+                        <a:buFont typeface="Wingdings" panose="05000000000000000000" pitchFamily="2" charset="2"/>
+                        <a:defRPr>
+                          <a:solidFill>
+                            <a:schemeClr val="tx1"/>
+                          </a:solidFill>
+                          <a:latin typeface="Arial" panose="020B0604020202020204" pitchFamily="34" charset="0"/>
+                        </a:defRPr>
+                      </a:lvl9pPr>
+                    </a:lstStyle>
+                    <a:p>
+                      <a:pPr marL="0" marR="0" lvl="0" indent="0" algn="l" defTabSz="914400" rtl="0" eaLnBrk="1" fontAlgn="base" latinLnBrk="0" hangingPunct="1">
+                        <a:lnSpc>
+                          <a:spcPct val="100000"/>
+                        </a:lnSpc>
+                        <a:spcBef>
+                          <a:spcPct val="20000"/>
+                        </a:spcBef>
+                        <a:spcAft>
+                          <a:spcPct val="0"/>
+                        </a:spcAft>
+                        <a:buClr>
+                          <a:schemeClr val="tx2"/>
+                        </a:buClr>
+                        <a:buSzPct val="70000"/>
+                        <a:buFont typeface="Wingdings" panose="05000000000000000000" pitchFamily="2" charset="2"/>
+                        <a:buNone/>
+                        <a:tabLst/>
+                      </a:pPr>
+                      <a:r>
+                        <a:rPr kumimoji="0" lang="en-US" altLang="ru-RU" sz="1800" b="0" i="0" u="none" strike="noStrike" cap="none" normalizeH="0" baseline="0" smtClean="0">
+                          <a:ln>
+                            <a:noFill/>
+                          </a:ln>
+                          <a:solidFill>
+                            <a:schemeClr val="accent2">
+                              <a:lumMod val="50000"/>
+                            </a:schemeClr>
+                          </a:solidFill>
+                          <a:effectLst/>
+                          <a:latin typeface="Arial" panose="020B0604020202020204" pitchFamily="34" charset="0"/>
+                        </a:rPr>
+                        <a:t>x3;y3</a:t>
+                      </a:r>
+                      <a:endParaRPr kumimoji="0" lang="ru-RU" altLang="ru-RU" sz="1800" b="0" i="0" u="none" strike="noStrike" cap="none" normalizeH="0" baseline="0" smtClean="0">
+                        <a:ln>
+                          <a:noFill/>
+                        </a:ln>
+                        <a:solidFill>
+                          <a:schemeClr val="accent2">
+                            <a:lumMod val="50000"/>
+                          </a:schemeClr>
+                        </a:solidFill>
+                        <a:effectLst/>
+                        <a:latin typeface="Arial" panose="020B0604020202020204" pitchFamily="34" charset="0"/>
+                      </a:endParaRPr>
+                    </a:p>
+                  </a:txBody>
+                  <a:tcPr horzOverflow="overflow">
+                    <a:lnL w="12700" cap="flat" cmpd="sng" algn="ctr">
+                      <a:solidFill>
+                        <a:schemeClr val="tx1"/>
+                      </a:solidFill>
+                      <a:prstDash val="solid"/>
+                      <a:round/>
+                      <a:headEnd type="none" w="med" len="med"/>
+                      <a:tailEnd type="none" w="med" len="med"/>
+                    </a:lnL>
+                    <a:lnR w="12700" cap="flat" cmpd="sng" algn="ctr">
+                      <a:solidFill>
+                        <a:schemeClr val="tx1"/>
+                      </a:solidFill>
+                      <a:prstDash val="solid"/>
+                      <a:round/>
+                      <a:headEnd type="none" w="med" len="med"/>
+                      <a:tailEnd type="none" w="med" len="med"/>
+                    </a:lnR>
+                    <a:lnT w="12700" cap="flat" cmpd="sng" algn="ctr">
+                      <a:solidFill>
+                        <a:schemeClr val="tx1"/>
+                      </a:solidFill>
+                      <a:prstDash val="solid"/>
+                      <a:round/>
+                      <a:headEnd type="none" w="med" len="med"/>
+                      <a:tailEnd type="none" w="med" len="med"/>
+                    </a:lnT>
+                    <a:lnB w="28575" cap="flat" cmpd="sng" algn="ctr">
+                      <a:solidFill>
+                        <a:schemeClr val="tx1"/>
+                      </a:solidFill>
+                      <a:prstDash val="solid"/>
+                      <a:round/>
+                      <a:headEnd type="none" w="med" len="med"/>
+                      <a:tailEnd type="none" w="med" len="med"/>
+                    </a:lnB>
+                    <a:lnTlToBr>
+                      <a:noFill/>
+                    </a:lnTlToBr>
+                    <a:lnBlToTr>
+                      <a:noFill/>
+                    </a:lnBlToTr>
+                    <a:noFill/>
+                  </a:tcPr>
+                </a:tc>
+                <a:tc>
+                  <a:txBody>
+                    <a:bodyPr/>
+                    <a:lstStyle>
+                      <a:lvl1pPr>
+                        <a:spcBef>
+                          <a:spcPct val="20000"/>
+                        </a:spcBef>
+                        <a:buClr>
+                          <a:schemeClr val="tx2"/>
+                        </a:buClr>
+                        <a:buSzPct val="70000"/>
+                        <a:buFont typeface="Wingdings" panose="05000000000000000000" pitchFamily="2" charset="2"/>
+                        <a:defRPr sz="2600">
+                          <a:solidFill>
+                            <a:schemeClr val="tx1"/>
+                          </a:solidFill>
+                          <a:latin typeface="Arial" panose="020B0604020202020204" pitchFamily="34" charset="0"/>
+                        </a:defRPr>
+                      </a:lvl1pPr>
+                      <a:lvl2pPr marL="344488">
+                        <a:spcBef>
+                          <a:spcPct val="20000"/>
+                        </a:spcBef>
+                        <a:buClr>
+                          <a:schemeClr val="accent2"/>
+                        </a:buClr>
+                        <a:buSzPct val="70000"/>
+                        <a:buFont typeface="Wingdings" panose="05000000000000000000" pitchFamily="2" charset="2"/>
+                        <a:defRPr sz="2200">
+                          <a:solidFill>
+                            <a:schemeClr val="tx1"/>
+                          </a:solidFill>
+                          <a:latin typeface="Arial" panose="020B0604020202020204" pitchFamily="34" charset="0"/>
+                        </a:defRPr>
+                      </a:lvl2pPr>
+                      <a:lvl3pPr marL="693738">
+                        <a:spcBef>
+                          <a:spcPct val="20000"/>
+                        </a:spcBef>
+                        <a:buClr>
+                          <a:schemeClr val="accent1"/>
+                        </a:buClr>
+                        <a:buSzPct val="70000"/>
+                        <a:buFont typeface="Wingdings" panose="05000000000000000000" pitchFamily="2" charset="2"/>
+                        <a:defRPr sz="2100">
+                          <a:solidFill>
+                            <a:schemeClr val="tx1"/>
+                          </a:solidFill>
+                          <a:latin typeface="Arial" panose="020B0604020202020204" pitchFamily="34" charset="0"/>
+                        </a:defRPr>
+                      </a:lvl3pPr>
+                      <a:lvl4pPr marL="989013">
+                        <a:spcBef>
+                          <a:spcPct val="20000"/>
+                        </a:spcBef>
+                        <a:buClr>
+                          <a:schemeClr val="tx2"/>
+                        </a:buClr>
+                        <a:buSzPct val="75000"/>
+                        <a:buFont typeface="Wingdings" panose="05000000000000000000" pitchFamily="2" charset="2"/>
+                        <a:defRPr>
+                          <a:solidFill>
+                            <a:schemeClr val="tx1"/>
+                          </a:solidFill>
+                          <a:latin typeface="Arial" panose="020B0604020202020204" pitchFamily="34" charset="0"/>
+                        </a:defRPr>
+                      </a:lvl4pPr>
+                      <a:lvl5pPr marL="1282700">
+                        <a:spcBef>
+                          <a:spcPct val="20000"/>
+                        </a:spcBef>
+                        <a:buClr>
+                          <a:schemeClr val="folHlink"/>
+                        </a:buClr>
+                        <a:buSzPct val="80000"/>
+                        <a:buFont typeface="Wingdings" panose="05000000000000000000" pitchFamily="2" charset="2"/>
+                        <a:defRPr>
+                          <a:solidFill>
+                            <a:schemeClr val="tx1"/>
+                          </a:solidFill>
+                          <a:latin typeface="Arial" panose="020B0604020202020204" pitchFamily="34" charset="0"/>
+                        </a:defRPr>
+                      </a:lvl5pPr>
+                      <a:lvl6pPr marL="1739900" fontAlgn="base">
+                        <a:spcBef>
+                          <a:spcPct val="20000"/>
+                        </a:spcBef>
+                        <a:spcAft>
+                          <a:spcPct val="0"/>
+                        </a:spcAft>
+                        <a:buClr>
+                          <a:schemeClr val="folHlink"/>
+                        </a:buClr>
+                        <a:buSzPct val="80000"/>
+                        <a:buFont typeface="Wingdings" panose="05000000000000000000" pitchFamily="2" charset="2"/>
+                        <a:defRPr>
+                          <a:solidFill>
+                            <a:schemeClr val="tx1"/>
+                          </a:solidFill>
+                          <a:latin typeface="Arial" panose="020B0604020202020204" pitchFamily="34" charset="0"/>
+                        </a:defRPr>
+                      </a:lvl6pPr>
+                      <a:lvl7pPr marL="2197100" fontAlgn="base">
+                        <a:spcBef>
+                          <a:spcPct val="20000"/>
+                        </a:spcBef>
+                        <a:spcAft>
+                          <a:spcPct val="0"/>
+                        </a:spcAft>
+                        <a:buClr>
+                          <a:schemeClr val="folHlink"/>
+                        </a:buClr>
+                        <a:buSzPct val="80000"/>
+                        <a:buFont typeface="Wingdings" panose="05000000000000000000" pitchFamily="2" charset="2"/>
+                        <a:defRPr>
+                          <a:solidFill>
+                            <a:schemeClr val="tx1"/>
+                          </a:solidFill>
+                          <a:latin typeface="Arial" panose="020B0604020202020204" pitchFamily="34" charset="0"/>
+                        </a:defRPr>
+                      </a:lvl7pPr>
+                      <a:lvl8pPr marL="2654300" fontAlgn="base">
+                        <a:spcBef>
+                          <a:spcPct val="20000"/>
+                        </a:spcBef>
+                        <a:spcAft>
+                          <a:spcPct val="0"/>
+                        </a:spcAft>
+                        <a:buClr>
+                          <a:schemeClr val="folHlink"/>
+                        </a:buClr>
+                        <a:buSzPct val="80000"/>
+                        <a:buFont typeface="Wingdings" panose="05000000000000000000" pitchFamily="2" charset="2"/>
+                        <a:defRPr>
+                          <a:solidFill>
+                            <a:schemeClr val="tx1"/>
+                          </a:solidFill>
+                          <a:latin typeface="Arial" panose="020B0604020202020204" pitchFamily="34" charset="0"/>
+                        </a:defRPr>
+                      </a:lvl8pPr>
+                      <a:lvl9pPr marL="3111500" fontAlgn="base">
+                        <a:spcBef>
+                          <a:spcPct val="20000"/>
+                        </a:spcBef>
+                        <a:spcAft>
+                          <a:spcPct val="0"/>
+                        </a:spcAft>
+                        <a:buClr>
+                          <a:schemeClr val="folHlink"/>
+                        </a:buClr>
+                        <a:buSzPct val="80000"/>
+                        <a:buFont typeface="Wingdings" panose="05000000000000000000" pitchFamily="2" charset="2"/>
+                        <a:defRPr>
+                          <a:solidFill>
+                            <a:schemeClr val="tx1"/>
+                          </a:solidFill>
+                          <a:latin typeface="Arial" panose="020B0604020202020204" pitchFamily="34" charset="0"/>
+                        </a:defRPr>
+                      </a:lvl9pPr>
+                    </a:lstStyle>
+                    <a:p>
+                      <a:pPr marL="0" marR="0" lvl="0" indent="0" algn="l" defTabSz="914400" rtl="0" eaLnBrk="1" fontAlgn="base" latinLnBrk="0" hangingPunct="1">
+                        <a:lnSpc>
+                          <a:spcPct val="100000"/>
+                        </a:lnSpc>
+                        <a:spcBef>
+                          <a:spcPct val="20000"/>
+                        </a:spcBef>
+                        <a:spcAft>
+                          <a:spcPct val="0"/>
+                        </a:spcAft>
+                        <a:buClr>
+                          <a:schemeClr val="tx2"/>
+                        </a:buClr>
+                        <a:buSzPct val="70000"/>
+                        <a:buFont typeface="Wingdings" panose="05000000000000000000" pitchFamily="2" charset="2"/>
+                        <a:buNone/>
+                        <a:tabLst/>
+                      </a:pPr>
+                      <a:r>
+                        <a:rPr kumimoji="0" lang="en-US" altLang="ru-RU" sz="1800" b="0" i="0" u="none" strike="noStrike" cap="none" normalizeH="0" baseline="0" dirty="0" smtClean="0">
+                          <a:ln>
+                            <a:noFill/>
+                          </a:ln>
+                          <a:solidFill>
+                            <a:schemeClr val="accent2">
+                              <a:lumMod val="50000"/>
+                            </a:schemeClr>
+                          </a:solidFill>
+                          <a:effectLst/>
+                          <a:latin typeface="Arial" panose="020B0604020202020204" pitchFamily="34" charset="0"/>
+                        </a:rPr>
+                        <a:t>x4;y4</a:t>
+                      </a:r>
+                      <a:endParaRPr kumimoji="0" lang="ru-RU" altLang="ru-RU" sz="1800" b="0" i="0" u="none" strike="noStrike" cap="none" normalizeH="0" baseline="0" dirty="0" smtClean="0">
+                        <a:ln>
+                          <a:noFill/>
+                        </a:ln>
+                        <a:solidFill>
+                          <a:schemeClr val="accent2">
+                            <a:lumMod val="50000"/>
+                          </a:schemeClr>
+                        </a:solidFill>
+                        <a:effectLst/>
+                        <a:latin typeface="Arial" panose="020B0604020202020204" pitchFamily="34" charset="0"/>
+                      </a:endParaRPr>
+                    </a:p>
+                  </a:txBody>
+                  <a:tcPr horzOverflow="overflow">
+                    <a:lnL w="12700" cap="flat" cmpd="sng" algn="ctr">
+                      <a:solidFill>
+                        <a:schemeClr val="tx1"/>
+                      </a:solidFill>
+                      <a:prstDash val="solid"/>
+                      <a:round/>
+                      <a:headEnd type="none" w="med" len="med"/>
+                      <a:tailEnd type="none" w="med" len="med"/>
+                    </a:lnL>
+                    <a:lnR w="12700" cap="flat" cmpd="sng" algn="ctr">
+                      <a:solidFill>
+                        <a:schemeClr val="tx1"/>
+                      </a:solidFill>
+                      <a:prstDash val="solid"/>
+                      <a:round/>
+                      <a:headEnd type="none" w="med" len="med"/>
+                      <a:tailEnd type="none" w="med" len="med"/>
+                    </a:lnR>
+                    <a:lnT w="12700" cap="flat" cmpd="sng" algn="ctr">
+                      <a:solidFill>
+                        <a:schemeClr val="tx1"/>
+                      </a:solidFill>
+                      <a:prstDash val="solid"/>
+                      <a:round/>
+                      <a:headEnd type="none" w="med" len="med"/>
+                      <a:tailEnd type="none" w="med" len="med"/>
+                    </a:lnT>
+                    <a:lnB w="28575" cap="flat" cmpd="sng" algn="ctr">
+                      <a:solidFill>
+                        <a:schemeClr val="tx1"/>
+                      </a:solidFill>
+                      <a:prstDash val="solid"/>
+                      <a:round/>
+                      <a:headEnd type="none" w="med" len="med"/>
+                      <a:tailEnd type="none" w="med" len="med"/>
+                    </a:lnB>
+                    <a:lnTlToBr>
+                      <a:noFill/>
+                    </a:lnTlToBr>
+                    <a:lnBlToTr>
+                      <a:noFill/>
+                    </a:lnBlToTr>
+                    <a:noFill/>
+                  </a:tcPr>
+                </a:tc>
+                <a:tc>
+                  <a:txBody>
+                    <a:bodyPr/>
+                    <a:lstStyle>
+                      <a:lvl1pPr>
+                        <a:spcBef>
+                          <a:spcPct val="20000"/>
+                        </a:spcBef>
+                        <a:buClr>
+                          <a:schemeClr val="tx2"/>
+                        </a:buClr>
+                        <a:buSzPct val="70000"/>
+                        <a:buFont typeface="Wingdings" panose="05000000000000000000" pitchFamily="2" charset="2"/>
+                        <a:defRPr sz="2600">
+                          <a:solidFill>
+                            <a:schemeClr val="tx1"/>
+                          </a:solidFill>
+                          <a:latin typeface="Arial" panose="020B0604020202020204" pitchFamily="34" charset="0"/>
+                        </a:defRPr>
+                      </a:lvl1pPr>
+                      <a:lvl2pPr marL="344488">
+                        <a:spcBef>
+                          <a:spcPct val="20000"/>
+                        </a:spcBef>
+                        <a:buClr>
+                          <a:schemeClr val="accent2"/>
+                        </a:buClr>
+                        <a:buSzPct val="70000"/>
+                        <a:buFont typeface="Wingdings" panose="05000000000000000000" pitchFamily="2" charset="2"/>
+                        <a:defRPr sz="2200">
+                          <a:solidFill>
+                            <a:schemeClr val="tx1"/>
+                          </a:solidFill>
+                          <a:latin typeface="Arial" panose="020B0604020202020204" pitchFamily="34" charset="0"/>
+                        </a:defRPr>
+                      </a:lvl2pPr>
+                      <a:lvl3pPr marL="693738">
+                        <a:spcBef>
+                          <a:spcPct val="20000"/>
+                        </a:spcBef>
+                        <a:buClr>
+                          <a:schemeClr val="accent1"/>
+                        </a:buClr>
+                        <a:buSzPct val="70000"/>
+                        <a:buFont typeface="Wingdings" panose="05000000000000000000" pitchFamily="2" charset="2"/>
+                        <a:defRPr sz="2100">
+                          <a:solidFill>
+                            <a:schemeClr val="tx1"/>
+                          </a:solidFill>
+                          <a:latin typeface="Arial" panose="020B0604020202020204" pitchFamily="34" charset="0"/>
+                        </a:defRPr>
+                      </a:lvl3pPr>
+                      <a:lvl4pPr marL="989013">
+                        <a:spcBef>
+                          <a:spcPct val="20000"/>
+                        </a:spcBef>
+                        <a:buClr>
+                          <a:schemeClr val="tx2"/>
+                        </a:buClr>
+                        <a:buSzPct val="75000"/>
+                        <a:buFont typeface="Wingdings" panose="05000000000000000000" pitchFamily="2" charset="2"/>
+                        <a:defRPr>
+                          <a:solidFill>
+                            <a:schemeClr val="tx1"/>
+                          </a:solidFill>
+                          <a:latin typeface="Arial" panose="020B0604020202020204" pitchFamily="34" charset="0"/>
+                        </a:defRPr>
+                      </a:lvl4pPr>
+                      <a:lvl5pPr marL="1282700">
+                        <a:spcBef>
+                          <a:spcPct val="20000"/>
+                        </a:spcBef>
+                        <a:buClr>
+                          <a:schemeClr val="folHlink"/>
+                        </a:buClr>
+                        <a:buSzPct val="80000"/>
+                        <a:buFont typeface="Wingdings" panose="05000000000000000000" pitchFamily="2" charset="2"/>
+                        <a:defRPr>
+                          <a:solidFill>
+                            <a:schemeClr val="tx1"/>
+                          </a:solidFill>
+                          <a:latin typeface="Arial" panose="020B0604020202020204" pitchFamily="34" charset="0"/>
+                        </a:defRPr>
+                      </a:lvl5pPr>
+                      <a:lvl6pPr marL="1739900" fontAlgn="base">
+                        <a:spcBef>
+                          <a:spcPct val="20000"/>
+                        </a:spcBef>
+                        <a:spcAft>
+                          <a:spcPct val="0"/>
+                        </a:spcAft>
+                        <a:buClr>
+                          <a:schemeClr val="folHlink"/>
+                        </a:buClr>
+                        <a:buSzPct val="80000"/>
+                        <a:buFont typeface="Wingdings" panose="05000000000000000000" pitchFamily="2" charset="2"/>
+                        <a:defRPr>
+                          <a:solidFill>
+                            <a:schemeClr val="tx1"/>
+                          </a:solidFill>
+                          <a:latin typeface="Arial" panose="020B0604020202020204" pitchFamily="34" charset="0"/>
+                        </a:defRPr>
+                      </a:lvl6pPr>
+                      <a:lvl7pPr marL="2197100" fontAlgn="base">
+                        <a:spcBef>
+                          <a:spcPct val="20000"/>
+                        </a:spcBef>
+                        <a:spcAft>
+                          <a:spcPct val="0"/>
+                        </a:spcAft>
+                        <a:buClr>
+                          <a:schemeClr val="folHlink"/>
+                        </a:buClr>
+                        <a:buSzPct val="80000"/>
+                        <a:buFont typeface="Wingdings" panose="05000000000000000000" pitchFamily="2" charset="2"/>
+                        <a:defRPr>
+                          <a:solidFill>
+                            <a:schemeClr val="tx1"/>
+                          </a:solidFill>
+                          <a:latin typeface="Arial" panose="020B0604020202020204" pitchFamily="34" charset="0"/>
+                        </a:defRPr>
+                      </a:lvl7pPr>
+                      <a:lvl8pPr marL="2654300" fontAlgn="base">
+                        <a:spcBef>
+                          <a:spcPct val="20000"/>
+                        </a:spcBef>
+                        <a:spcAft>
+                          <a:spcPct val="0"/>
+                        </a:spcAft>
+                        <a:buClr>
+                          <a:schemeClr val="folHlink"/>
+                        </a:buClr>
+                        <a:buSzPct val="80000"/>
+                        <a:buFont typeface="Wingdings" panose="05000000000000000000" pitchFamily="2" charset="2"/>
+                        <a:defRPr>
+                          <a:solidFill>
+                            <a:schemeClr val="tx1"/>
+                          </a:solidFill>
+                          <a:latin typeface="Arial" panose="020B0604020202020204" pitchFamily="34" charset="0"/>
+                        </a:defRPr>
+                      </a:lvl8pPr>
+                      <a:lvl9pPr marL="3111500" fontAlgn="base">
+                        <a:spcBef>
+                          <a:spcPct val="20000"/>
+                        </a:spcBef>
+                        <a:spcAft>
+                          <a:spcPct val="0"/>
+                        </a:spcAft>
+                        <a:buClr>
+                          <a:schemeClr val="folHlink"/>
+                        </a:buClr>
+                        <a:buSzPct val="80000"/>
+                        <a:buFont typeface="Wingdings" panose="05000000000000000000" pitchFamily="2" charset="2"/>
+                        <a:defRPr>
+                          <a:solidFill>
+                            <a:schemeClr val="tx1"/>
+                          </a:solidFill>
+                          <a:latin typeface="Arial" panose="020B0604020202020204" pitchFamily="34" charset="0"/>
+                        </a:defRPr>
+                      </a:lvl9pPr>
+                    </a:lstStyle>
+                    <a:p>
+                      <a:pPr marL="0" marR="0" lvl="0" indent="0" algn="l" defTabSz="914400" rtl="0" eaLnBrk="1" fontAlgn="base" latinLnBrk="0" hangingPunct="1">
+                        <a:lnSpc>
+                          <a:spcPct val="100000"/>
+                        </a:lnSpc>
+                        <a:spcBef>
+                          <a:spcPct val="20000"/>
+                        </a:spcBef>
+                        <a:spcAft>
+                          <a:spcPct val="0"/>
+                        </a:spcAft>
+                        <a:buClr>
+                          <a:schemeClr val="tx2"/>
+                        </a:buClr>
+                        <a:buSzPct val="70000"/>
+                        <a:buFont typeface="Wingdings" panose="05000000000000000000" pitchFamily="2" charset="2"/>
+                        <a:buNone/>
+                        <a:tabLst/>
+                      </a:pPr>
+                      <a:r>
+                        <a:rPr kumimoji="0" lang="en-US" altLang="ru-RU" sz="1800" b="0" i="0" u="none" strike="noStrike" cap="none" normalizeH="0" baseline="0" dirty="0" smtClean="0">
+                          <a:ln>
+                            <a:noFill/>
+                          </a:ln>
+                          <a:solidFill>
+                            <a:schemeClr val="accent2">
+                              <a:lumMod val="50000"/>
+                            </a:schemeClr>
+                          </a:solidFill>
+                          <a:effectLst/>
+                          <a:latin typeface="Arial" panose="020B0604020202020204" pitchFamily="34" charset="0"/>
+                        </a:rPr>
+                        <a:t>x5;y5</a:t>
+                      </a:r>
+                      <a:endParaRPr kumimoji="0" lang="ru-RU" altLang="ru-RU" sz="1800" b="0" i="0" u="none" strike="noStrike" cap="none" normalizeH="0" baseline="0" dirty="0" smtClean="0">
+                        <a:ln>
+                          <a:noFill/>
+                        </a:ln>
+                        <a:solidFill>
+                          <a:schemeClr val="accent2">
+                            <a:lumMod val="50000"/>
+                          </a:schemeClr>
+                        </a:solidFill>
+                        <a:effectLst/>
+                        <a:latin typeface="Arial" panose="020B0604020202020204" pitchFamily="34" charset="0"/>
+                      </a:endParaRPr>
+                    </a:p>
+                  </a:txBody>
+                  <a:tcPr horzOverflow="overflow">
+                    <a:lnL w="12700" cap="flat" cmpd="sng" algn="ctr">
+                      <a:solidFill>
+                        <a:schemeClr val="tx1"/>
+                      </a:solidFill>
+                      <a:prstDash val="solid"/>
+                      <a:round/>
+                      <a:headEnd type="none" w="med" len="med"/>
+                      <a:tailEnd type="none" w="med" len="med"/>
+                    </a:lnL>
+                    <a:lnR w="12700" cap="flat" cmpd="sng" algn="ctr">
+                      <a:solidFill>
+                        <a:schemeClr val="tx1"/>
+                      </a:solidFill>
+                      <a:prstDash val="solid"/>
+                      <a:round/>
+                      <a:headEnd type="none" w="med" len="med"/>
+                      <a:tailEnd type="none" w="med" len="med"/>
+                    </a:lnR>
+                    <a:lnT w="12700" cap="flat" cmpd="sng" algn="ctr">
+                      <a:solidFill>
+                        <a:schemeClr val="tx1"/>
+                      </a:solidFill>
+                      <a:prstDash val="solid"/>
+                      <a:round/>
+                      <a:headEnd type="none" w="med" len="med"/>
+                      <a:tailEnd type="none" w="med" len="med"/>
+                    </a:lnT>
+                    <a:lnB w="28575" cap="flat" cmpd="sng" algn="ctr">
+                      <a:solidFill>
+                        <a:schemeClr val="tx1"/>
+                      </a:solidFill>
+                      <a:prstDash val="solid"/>
+                      <a:round/>
+                      <a:headEnd type="none" w="med" len="med"/>
+                      <a:tailEnd type="none" w="med" len="med"/>
+                    </a:lnB>
+                    <a:lnTlToBr>
+                      <a:noFill/>
+                    </a:lnTlToBr>
+                    <a:lnBlToTr>
+                      <a:noFill/>
+                    </a:lnBlToTr>
+                    <a:noFill/>
+                  </a:tcPr>
+                </a:tc>
+                <a:tc>
+                  <a:txBody>
+                    <a:bodyPr/>
+                    <a:lstStyle>
+                      <a:lvl1pPr>
+                        <a:spcBef>
+                          <a:spcPct val="20000"/>
+                        </a:spcBef>
+                        <a:buClr>
+                          <a:schemeClr val="tx2"/>
+                        </a:buClr>
+                        <a:buSzPct val="70000"/>
+                        <a:buFont typeface="Wingdings" panose="05000000000000000000" pitchFamily="2" charset="2"/>
+                        <a:defRPr sz="2600">
+                          <a:solidFill>
+                            <a:schemeClr val="tx1"/>
+                          </a:solidFill>
+                          <a:latin typeface="Arial" panose="020B0604020202020204" pitchFamily="34" charset="0"/>
+                        </a:defRPr>
+                      </a:lvl1pPr>
+                      <a:lvl2pPr marL="344488">
+                        <a:spcBef>
+                          <a:spcPct val="20000"/>
+                        </a:spcBef>
+                        <a:buClr>
+                          <a:schemeClr val="accent2"/>
+                        </a:buClr>
+                        <a:buSzPct val="70000"/>
+                        <a:buFont typeface="Wingdings" panose="05000000000000000000" pitchFamily="2" charset="2"/>
+                        <a:defRPr sz="2200">
+                          <a:solidFill>
+                            <a:schemeClr val="tx1"/>
+                          </a:solidFill>
+                          <a:latin typeface="Arial" panose="020B0604020202020204" pitchFamily="34" charset="0"/>
+                        </a:defRPr>
+                      </a:lvl2pPr>
+                      <a:lvl3pPr marL="693738">
+                        <a:spcBef>
+                          <a:spcPct val="20000"/>
+                        </a:spcBef>
+                        <a:buClr>
+                          <a:schemeClr val="accent1"/>
+                        </a:buClr>
+                        <a:buSzPct val="70000"/>
+                        <a:buFont typeface="Wingdings" panose="05000000000000000000" pitchFamily="2" charset="2"/>
+                        <a:defRPr sz="2100">
+                          <a:solidFill>
+                            <a:schemeClr val="tx1"/>
+                          </a:solidFill>
+                          <a:latin typeface="Arial" panose="020B0604020202020204" pitchFamily="34" charset="0"/>
+                        </a:defRPr>
+                      </a:lvl3pPr>
+                      <a:lvl4pPr marL="989013">
+                        <a:spcBef>
+                          <a:spcPct val="20000"/>
+                        </a:spcBef>
+                        <a:buClr>
+                          <a:schemeClr val="tx2"/>
+                        </a:buClr>
+                        <a:buSzPct val="75000"/>
+                        <a:buFont typeface="Wingdings" panose="05000000000000000000" pitchFamily="2" charset="2"/>
+                        <a:defRPr>
+                          <a:solidFill>
+                            <a:schemeClr val="tx1"/>
+                          </a:solidFill>
+                          <a:latin typeface="Arial" panose="020B0604020202020204" pitchFamily="34" charset="0"/>
+                        </a:defRPr>
+                      </a:lvl4pPr>
+                      <a:lvl5pPr marL="1282700">
+                        <a:spcBef>
+                          <a:spcPct val="20000"/>
+                        </a:spcBef>
+                        <a:buClr>
+                          <a:schemeClr val="folHlink"/>
+                        </a:buClr>
+                        <a:buSzPct val="80000"/>
+                        <a:buFont typeface="Wingdings" panose="05000000000000000000" pitchFamily="2" charset="2"/>
+                        <a:defRPr>
+                          <a:solidFill>
+                            <a:schemeClr val="tx1"/>
+                          </a:solidFill>
+                          <a:latin typeface="Arial" panose="020B0604020202020204" pitchFamily="34" charset="0"/>
+                        </a:defRPr>
+                      </a:lvl5pPr>
+                      <a:lvl6pPr marL="1739900" fontAlgn="base">
+                        <a:spcBef>
+                          <a:spcPct val="20000"/>
+                        </a:spcBef>
+                        <a:spcAft>
+                          <a:spcPct val="0"/>
+                        </a:spcAft>
+                        <a:buClr>
+                          <a:schemeClr val="folHlink"/>
+                        </a:buClr>
+                        <a:buSzPct val="80000"/>
+                        <a:buFont typeface="Wingdings" panose="05000000000000000000" pitchFamily="2" charset="2"/>
+                        <a:defRPr>
+                          <a:solidFill>
+                            <a:schemeClr val="tx1"/>
+                          </a:solidFill>
+                          <a:latin typeface="Arial" panose="020B0604020202020204" pitchFamily="34" charset="0"/>
+                        </a:defRPr>
+                      </a:lvl6pPr>
+                      <a:lvl7pPr marL="2197100" fontAlgn="base">
+                        <a:spcBef>
+                          <a:spcPct val="20000"/>
+                        </a:spcBef>
+                        <a:spcAft>
+                          <a:spcPct val="0"/>
+                        </a:spcAft>
+                        <a:buClr>
+                          <a:schemeClr val="folHlink"/>
+                        </a:buClr>
+                        <a:buSzPct val="80000"/>
+                        <a:buFont typeface="Wingdings" panose="05000000000000000000" pitchFamily="2" charset="2"/>
+                        <a:defRPr>
+                          <a:solidFill>
+                            <a:schemeClr val="tx1"/>
+                          </a:solidFill>
+                          <a:latin typeface="Arial" panose="020B0604020202020204" pitchFamily="34" charset="0"/>
+                        </a:defRPr>
+                      </a:lvl7pPr>
+                      <a:lvl8pPr marL="2654300" fontAlgn="base">
+                        <a:spcBef>
+                          <a:spcPct val="20000"/>
+                        </a:spcBef>
+                        <a:spcAft>
+                          <a:spcPct val="0"/>
+                        </a:spcAft>
+                        <a:buClr>
+                          <a:schemeClr val="folHlink"/>
+                        </a:buClr>
+                        <a:buSzPct val="80000"/>
+                        <a:buFont typeface="Wingdings" panose="05000000000000000000" pitchFamily="2" charset="2"/>
+                        <a:defRPr>
+                          <a:solidFill>
+                            <a:schemeClr val="tx1"/>
+                          </a:solidFill>
+                          <a:latin typeface="Arial" panose="020B0604020202020204" pitchFamily="34" charset="0"/>
+                        </a:defRPr>
+                      </a:lvl8pPr>
+                      <a:lvl9pPr marL="3111500" fontAlgn="base">
+                        <a:spcBef>
+                          <a:spcPct val="20000"/>
+                        </a:spcBef>
+                        <a:spcAft>
+                          <a:spcPct val="0"/>
+                        </a:spcAft>
+                        <a:buClr>
+                          <a:schemeClr val="folHlink"/>
+                        </a:buClr>
+                        <a:buSzPct val="80000"/>
+                        <a:buFont typeface="Wingdings" panose="05000000000000000000" pitchFamily="2" charset="2"/>
+                        <a:defRPr>
+                          <a:solidFill>
+                            <a:schemeClr val="tx1"/>
+                          </a:solidFill>
+                          <a:latin typeface="Arial" panose="020B0604020202020204" pitchFamily="34" charset="0"/>
+                        </a:defRPr>
+                      </a:lvl9pPr>
+                    </a:lstStyle>
+                    <a:p>
+                      <a:pPr marL="0" marR="0" lvl="0" indent="0" algn="l" defTabSz="914400" rtl="0" eaLnBrk="1" fontAlgn="base" latinLnBrk="0" hangingPunct="1">
+                        <a:lnSpc>
+                          <a:spcPct val="100000"/>
+                        </a:lnSpc>
+                        <a:spcBef>
+                          <a:spcPct val="20000"/>
+                        </a:spcBef>
+                        <a:spcAft>
+                          <a:spcPct val="0"/>
+                        </a:spcAft>
+                        <a:buClr>
+                          <a:schemeClr val="tx2"/>
+                        </a:buClr>
+                        <a:buSzPct val="70000"/>
+                        <a:buFont typeface="Wingdings" panose="05000000000000000000" pitchFamily="2" charset="2"/>
+                        <a:buNone/>
+                        <a:tabLst/>
+                      </a:pPr>
+                      <a:r>
+                        <a:rPr kumimoji="0" lang="en-US" altLang="ru-RU" sz="1800" b="0" i="0" u="none" strike="noStrike" cap="none" normalizeH="0" baseline="0" dirty="0" smtClean="0">
+                          <a:ln>
+                            <a:noFill/>
+                          </a:ln>
+                          <a:solidFill>
+                            <a:schemeClr val="accent2">
+                              <a:lumMod val="50000"/>
+                            </a:schemeClr>
+                          </a:solidFill>
+                          <a:effectLst/>
+                          <a:latin typeface="Arial" panose="020B0604020202020204" pitchFamily="34" charset="0"/>
+                        </a:rPr>
+                        <a:t>x6;y6</a:t>
+                      </a:r>
+                      <a:endParaRPr kumimoji="0" lang="ru-RU" altLang="ru-RU" sz="1800" b="0" i="0" u="none" strike="noStrike" cap="none" normalizeH="0" baseline="0" dirty="0" smtClean="0">
+                        <a:ln>
+                          <a:noFill/>
+                        </a:ln>
+                        <a:solidFill>
+                          <a:schemeClr val="accent2">
+                            <a:lumMod val="50000"/>
+                          </a:schemeClr>
+                        </a:solidFill>
+                        <a:effectLst/>
+                        <a:latin typeface="Arial" panose="020B0604020202020204" pitchFamily="34" charset="0"/>
+                      </a:endParaRPr>
+                    </a:p>
+                  </a:txBody>
+                  <a:tcPr horzOverflow="overflow">
+                    <a:lnL w="12700" cap="flat" cmpd="sng" algn="ctr">
+                      <a:solidFill>
+                        <a:schemeClr val="tx1"/>
+                      </a:solidFill>
+                      <a:prstDash val="solid"/>
+                      <a:round/>
+                      <a:headEnd type="none" w="med" len="med"/>
+                      <a:tailEnd type="none" w="med" len="med"/>
+                    </a:lnL>
+                    <a:lnR w="12700" cap="flat" cmpd="sng" algn="ctr">
+                      <a:solidFill>
+                        <a:schemeClr val="tx1"/>
+                      </a:solidFill>
+                      <a:prstDash val="solid"/>
+                      <a:round/>
+                      <a:headEnd type="none" w="med" len="med"/>
+                      <a:tailEnd type="none" w="med" len="med"/>
+                    </a:lnR>
+                    <a:lnT w="12700" cap="flat" cmpd="sng" algn="ctr">
+                      <a:solidFill>
+                        <a:schemeClr val="tx1"/>
+                      </a:solidFill>
+                      <a:prstDash val="solid"/>
+                      <a:round/>
+                      <a:headEnd type="none" w="med" len="med"/>
+                      <a:tailEnd type="none" w="med" len="med"/>
+                    </a:lnT>
+                    <a:lnB w="28575" cap="flat" cmpd="sng" algn="ctr">
+                      <a:solidFill>
+                        <a:schemeClr val="tx1"/>
+                      </a:solidFill>
+                      <a:prstDash val="solid"/>
+                      <a:round/>
+                      <a:headEnd type="none" w="med" len="med"/>
+                      <a:tailEnd type="none" w="med" len="med"/>
+                    </a:lnB>
+                    <a:lnTlToBr>
+                      <a:noFill/>
+                    </a:lnTlToBr>
+                    <a:lnBlToTr>
+                      <a:noFill/>
+                    </a:lnBlToTr>
+                    <a:noFill/>
+                  </a:tcPr>
+                </a:tc>
+                <a:extLst>
+                  <a:ext uri="{0D108BD9-81ED-4DB2-BD59-A6C34878D82A}">
+                    <a16:rowId xmlns:a16="http://schemas.microsoft.com/office/drawing/2014/main" xmlns="" val="1781623794"/>
+                  </a:ext>
+                </a:extLst>
+              </a:tr>
+            </a:tbl>
+          </a:graphicData>
+        </a:graphic>
+      </p:graphicFrame>
+      <p:sp>
+        <p:nvSpPr>
+          <p:cNvPr id="6" name="Прямоугольник 5"/>
+          <p:cNvSpPr/>
+          <p:nvPr/>
+        </p:nvSpPr>
+        <p:spPr>
+          <a:xfrm>
+            <a:off x="750277" y="3629465"/>
+            <a:ext cx="6096000" cy="369332"/>
+          </a:xfrm>
+          <a:prstGeom prst="rect">
+            <a:avLst/>
+          </a:prstGeom>
+        </p:spPr>
+        <p:txBody>
+          <a:bodyPr>
+            <a:spAutoFit/>
+          </a:bodyPr>
+          <a:lstStyle/>
+          <a:p>
+            <a:r>
+              <a:rPr lang="ru-RU" dirty="0">
+                <a:solidFill>
+                  <a:schemeClr val="accent2">
+                    <a:lumMod val="50000"/>
+                  </a:schemeClr>
+                </a:solidFill>
+              </a:rPr>
+              <a:t>Хранятся координаты </a:t>
+            </a:r>
+            <a:r>
+              <a:rPr lang="ru-RU" dirty="0" smtClean="0">
+                <a:solidFill>
+                  <a:schemeClr val="accent2">
+                    <a:lumMod val="50000"/>
+                  </a:schemeClr>
+                </a:solidFill>
+              </a:rPr>
+              <a:t>точек пересечений прямых</a:t>
+            </a:r>
+            <a:endParaRPr lang="ru-RU" dirty="0">
+              <a:solidFill>
+                <a:schemeClr val="accent2">
+                  <a:lumMod val="50000"/>
+                </a:schemeClr>
+              </a:solidFill>
+            </a:endParaRPr>
+          </a:p>
+        </p:txBody>
+      </p:sp>
+      <p:graphicFrame>
+        <p:nvGraphicFramePr>
+          <p:cNvPr id="10" name="Group 96"/>
+          <p:cNvGraphicFramePr>
+            <a:graphicFrameLocks/>
+          </p:cNvGraphicFramePr>
+          <p:nvPr>
+            <p:extLst>
+              <p:ext uri="{D42A27DB-BD31-4B8C-83A1-F6EECF244321}">
+                <p14:modId xmlns:p14="http://schemas.microsoft.com/office/powerpoint/2010/main" val="228229936"/>
+              </p:ext>
+            </p:extLst>
+          </p:nvPr>
+        </p:nvGraphicFramePr>
+        <p:xfrm>
+          <a:off x="928116" y="4315819"/>
+          <a:ext cx="5247992" cy="1459750"/>
+        </p:xfrm>
+        <a:graphic>
+          <a:graphicData uri="http://schemas.openxmlformats.org/drawingml/2006/table">
+            <a:tbl>
+              <a:tblPr/>
+              <a:tblGrid>
+                <a:gridCol w="876753">
+                  <a:extLst>
+                    <a:ext uri="{9D8B030D-6E8A-4147-A177-3AD203B41FA5}">
+                      <a16:colId xmlns:a16="http://schemas.microsoft.com/office/drawing/2014/main" xmlns="" val="4150214955"/>
+                    </a:ext>
+                  </a:extLst>
+                </a:gridCol>
+                <a:gridCol w="874963">
+                  <a:extLst>
+                    <a:ext uri="{9D8B030D-6E8A-4147-A177-3AD203B41FA5}">
+                      <a16:colId xmlns:a16="http://schemas.microsoft.com/office/drawing/2014/main" xmlns="" val="4275736939"/>
+                    </a:ext>
+                  </a:extLst>
+                </a:gridCol>
+                <a:gridCol w="874964">
+                  <a:extLst>
+                    <a:ext uri="{9D8B030D-6E8A-4147-A177-3AD203B41FA5}">
+                      <a16:colId xmlns:a16="http://schemas.microsoft.com/office/drawing/2014/main" xmlns="" val="2282787445"/>
+                    </a:ext>
+                  </a:extLst>
+                </a:gridCol>
+                <a:gridCol w="876753">
+                  <a:extLst>
+                    <a:ext uri="{9D8B030D-6E8A-4147-A177-3AD203B41FA5}">
+                      <a16:colId xmlns:a16="http://schemas.microsoft.com/office/drawing/2014/main" xmlns="" val="1165866338"/>
+                    </a:ext>
+                  </a:extLst>
+                </a:gridCol>
+                <a:gridCol w="867806">
+                  <a:extLst>
+                    <a:ext uri="{9D8B030D-6E8A-4147-A177-3AD203B41FA5}">
+                      <a16:colId xmlns:a16="http://schemas.microsoft.com/office/drawing/2014/main" xmlns="" val="1816096298"/>
+                    </a:ext>
+                  </a:extLst>
+                </a:gridCol>
+                <a:gridCol w="876753">
+                  <a:extLst>
+                    <a:ext uri="{9D8B030D-6E8A-4147-A177-3AD203B41FA5}">
+                      <a16:colId xmlns:a16="http://schemas.microsoft.com/office/drawing/2014/main" xmlns="" val="4092385585"/>
+                    </a:ext>
+                  </a:extLst>
+                </a:gridCol>
+              </a:tblGrid>
+              <a:tr h="753419">
+                <a:tc>
+                  <a:txBody>
+                    <a:bodyPr/>
+                    <a:lstStyle>
+                      <a:lvl1pPr>
+                        <a:spcBef>
+                          <a:spcPct val="20000"/>
+                        </a:spcBef>
+                        <a:buClr>
+                          <a:schemeClr val="tx2"/>
+                        </a:buClr>
+                        <a:buSzPct val="70000"/>
+                        <a:buFont typeface="Wingdings" panose="05000000000000000000" pitchFamily="2" charset="2"/>
+                        <a:defRPr sz="2600">
+                          <a:solidFill>
+                            <a:schemeClr val="tx1"/>
+                          </a:solidFill>
+                          <a:latin typeface="Arial" panose="020B0604020202020204" pitchFamily="34" charset="0"/>
+                        </a:defRPr>
+                      </a:lvl1pPr>
+                      <a:lvl2pPr marL="344488">
+                        <a:spcBef>
+                          <a:spcPct val="20000"/>
+                        </a:spcBef>
+                        <a:buClr>
+                          <a:schemeClr val="accent2"/>
+                        </a:buClr>
+                        <a:buSzPct val="70000"/>
+                        <a:buFont typeface="Wingdings" panose="05000000000000000000" pitchFamily="2" charset="2"/>
+                        <a:defRPr sz="2200">
+                          <a:solidFill>
+                            <a:schemeClr val="tx1"/>
+                          </a:solidFill>
+                          <a:latin typeface="Arial" panose="020B0604020202020204" pitchFamily="34" charset="0"/>
+                        </a:defRPr>
+                      </a:lvl2pPr>
+                      <a:lvl3pPr marL="693738">
+                        <a:spcBef>
+                          <a:spcPct val="20000"/>
+                        </a:spcBef>
+                        <a:buClr>
+                          <a:schemeClr val="accent1"/>
+                        </a:buClr>
+                        <a:buSzPct val="70000"/>
+                        <a:buFont typeface="Wingdings" panose="05000000000000000000" pitchFamily="2" charset="2"/>
+                        <a:defRPr sz="2100">
+                          <a:solidFill>
+                            <a:schemeClr val="tx1"/>
+                          </a:solidFill>
+                          <a:latin typeface="Arial" panose="020B0604020202020204" pitchFamily="34" charset="0"/>
+                        </a:defRPr>
+                      </a:lvl3pPr>
+                      <a:lvl4pPr marL="989013">
+                        <a:spcBef>
+                          <a:spcPct val="20000"/>
+                        </a:spcBef>
+                        <a:buClr>
+                          <a:schemeClr val="tx2"/>
+                        </a:buClr>
+                        <a:buSzPct val="75000"/>
+                        <a:buFont typeface="Wingdings" panose="05000000000000000000" pitchFamily="2" charset="2"/>
+                        <a:defRPr>
+                          <a:solidFill>
+                            <a:schemeClr val="tx1"/>
+                          </a:solidFill>
+                          <a:latin typeface="Arial" panose="020B0604020202020204" pitchFamily="34" charset="0"/>
+                        </a:defRPr>
+                      </a:lvl4pPr>
+                      <a:lvl5pPr marL="1282700">
+                        <a:spcBef>
+                          <a:spcPct val="20000"/>
+                        </a:spcBef>
+                        <a:buClr>
+                          <a:schemeClr val="folHlink"/>
+                        </a:buClr>
+                        <a:buSzPct val="80000"/>
+                        <a:buFont typeface="Wingdings" panose="05000000000000000000" pitchFamily="2" charset="2"/>
+                        <a:defRPr>
+                          <a:solidFill>
+                            <a:schemeClr val="tx1"/>
+                          </a:solidFill>
+                          <a:latin typeface="Arial" panose="020B0604020202020204" pitchFamily="34" charset="0"/>
+                        </a:defRPr>
+                      </a:lvl5pPr>
+                      <a:lvl6pPr marL="1739900" fontAlgn="base">
+                        <a:spcBef>
+                          <a:spcPct val="20000"/>
+                        </a:spcBef>
+                        <a:spcAft>
+                          <a:spcPct val="0"/>
+                        </a:spcAft>
+                        <a:buClr>
+                          <a:schemeClr val="folHlink"/>
+                        </a:buClr>
+                        <a:buSzPct val="80000"/>
+                        <a:buFont typeface="Wingdings" panose="05000000000000000000" pitchFamily="2" charset="2"/>
+                        <a:defRPr>
+                          <a:solidFill>
+                            <a:schemeClr val="tx1"/>
+                          </a:solidFill>
+                          <a:latin typeface="Arial" panose="020B0604020202020204" pitchFamily="34" charset="0"/>
+                        </a:defRPr>
+                      </a:lvl6pPr>
+                      <a:lvl7pPr marL="2197100" fontAlgn="base">
+                        <a:spcBef>
+                          <a:spcPct val="20000"/>
+                        </a:spcBef>
+                        <a:spcAft>
+                          <a:spcPct val="0"/>
+                        </a:spcAft>
+                        <a:buClr>
+                          <a:schemeClr val="folHlink"/>
+                        </a:buClr>
+                        <a:buSzPct val="80000"/>
+                        <a:buFont typeface="Wingdings" panose="05000000000000000000" pitchFamily="2" charset="2"/>
+                        <a:defRPr>
+                          <a:solidFill>
+                            <a:schemeClr val="tx1"/>
+                          </a:solidFill>
+                          <a:latin typeface="Arial" panose="020B0604020202020204" pitchFamily="34" charset="0"/>
+                        </a:defRPr>
+                      </a:lvl7pPr>
+                      <a:lvl8pPr marL="2654300" fontAlgn="base">
+                        <a:spcBef>
+                          <a:spcPct val="20000"/>
+                        </a:spcBef>
+                        <a:spcAft>
+                          <a:spcPct val="0"/>
+                        </a:spcAft>
+                        <a:buClr>
+                          <a:schemeClr val="folHlink"/>
+                        </a:buClr>
+                        <a:buSzPct val="80000"/>
+                        <a:buFont typeface="Wingdings" panose="05000000000000000000" pitchFamily="2" charset="2"/>
+                        <a:defRPr>
+                          <a:solidFill>
+                            <a:schemeClr val="tx1"/>
+                          </a:solidFill>
+                          <a:latin typeface="Arial" panose="020B0604020202020204" pitchFamily="34" charset="0"/>
+                        </a:defRPr>
+                      </a:lvl8pPr>
+                      <a:lvl9pPr marL="3111500" fontAlgn="base">
+                        <a:spcBef>
+                          <a:spcPct val="20000"/>
+                        </a:spcBef>
+                        <a:spcAft>
+                          <a:spcPct val="0"/>
+                        </a:spcAft>
+                        <a:buClr>
+                          <a:schemeClr val="folHlink"/>
+                        </a:buClr>
+                        <a:buSzPct val="80000"/>
+                        <a:buFont typeface="Wingdings" panose="05000000000000000000" pitchFamily="2" charset="2"/>
+                        <a:defRPr>
+                          <a:solidFill>
+                            <a:schemeClr val="tx1"/>
+                          </a:solidFill>
+                          <a:latin typeface="Arial" panose="020B0604020202020204" pitchFamily="34" charset="0"/>
+                        </a:defRPr>
+                      </a:lvl9pPr>
+                    </a:lstStyle>
+                    <a:p>
+                      <a:pPr marL="0" marR="0" lvl="0" indent="0" algn="l" defTabSz="914400" rtl="0" eaLnBrk="1" fontAlgn="base" latinLnBrk="0" hangingPunct="1">
+                        <a:lnSpc>
+                          <a:spcPct val="100000"/>
+                        </a:lnSpc>
+                        <a:spcBef>
+                          <a:spcPct val="20000"/>
+                        </a:spcBef>
+                        <a:spcAft>
+                          <a:spcPct val="0"/>
+                        </a:spcAft>
+                        <a:buClr>
+                          <a:schemeClr val="tx2"/>
+                        </a:buClr>
+                        <a:buSzPct val="70000"/>
+                        <a:buFont typeface="Wingdings" panose="05000000000000000000" pitchFamily="2" charset="2"/>
+                        <a:buNone/>
+                        <a:tabLst/>
+                      </a:pPr>
+                      <a:r>
+                        <a:rPr kumimoji="0" lang="ru-RU" altLang="ru-RU" sz="2600" b="0" i="0" u="none" strike="noStrike" cap="none" normalizeH="0" baseline="0" dirty="0" smtClean="0">
+                          <a:ln>
+                            <a:noFill/>
+                          </a:ln>
+                          <a:solidFill>
+                            <a:schemeClr val="accent2">
+                              <a:lumMod val="50000"/>
+                            </a:schemeClr>
+                          </a:solidFill>
+                          <a:effectLst/>
+                          <a:latin typeface="Arial" panose="020B0604020202020204" pitchFamily="34" charset="0"/>
+                        </a:rPr>
+                        <a:t>1</a:t>
+                      </a:r>
+                    </a:p>
+                  </a:txBody>
+                  <a:tcPr horzOverflow="overflow">
+                    <a:lnL w="12700" cap="flat" cmpd="sng" algn="ctr">
+                      <a:solidFill>
+                        <a:schemeClr val="tx1"/>
+                      </a:solidFill>
+                      <a:prstDash val="solid"/>
+                      <a:round/>
+                      <a:headEnd type="none" w="med" len="med"/>
+                      <a:tailEnd type="none" w="med" len="med"/>
+                    </a:lnL>
+                    <a:lnR w="12700" cap="flat" cmpd="sng" algn="ctr">
+                      <a:solidFill>
+                        <a:schemeClr val="tx1"/>
+                      </a:solidFill>
+                      <a:prstDash val="solid"/>
+                      <a:round/>
+                      <a:headEnd type="none" w="med" len="med"/>
+                      <a:tailEnd type="none" w="med" len="med"/>
+                    </a:lnR>
+                    <a:lnT w="28575" cap="flat" cmpd="sng" algn="ctr">
+                      <a:solidFill>
+                        <a:schemeClr val="tx1"/>
+                      </a:solidFill>
+                      <a:prstDash val="solid"/>
+                      <a:round/>
+                      <a:headEnd type="none" w="med" len="med"/>
+                      <a:tailEnd type="none" w="med" len="med"/>
+                    </a:lnT>
+                    <a:lnB w="12700" cap="flat" cmpd="sng" algn="ctr">
+                      <a:solidFill>
+                        <a:schemeClr val="tx1"/>
+                      </a:solidFill>
+                      <a:prstDash val="solid"/>
+                      <a:round/>
+                      <a:headEnd type="none" w="med" len="med"/>
+                      <a:tailEnd type="none" w="med" len="med"/>
+                    </a:lnB>
+                    <a:lnTlToBr>
+                      <a:noFill/>
+                    </a:lnTlToBr>
+                    <a:lnBlToTr>
+                      <a:noFill/>
+                    </a:lnBlToTr>
+                    <a:noFill/>
+                  </a:tcPr>
+                </a:tc>
+                <a:tc>
+                  <a:txBody>
+                    <a:bodyPr/>
+                    <a:lstStyle>
+                      <a:lvl1pPr>
+                        <a:spcBef>
+                          <a:spcPct val="20000"/>
+                        </a:spcBef>
+                        <a:buClr>
+                          <a:schemeClr val="tx2"/>
+                        </a:buClr>
+                        <a:buSzPct val="70000"/>
+                        <a:buFont typeface="Wingdings" panose="05000000000000000000" pitchFamily="2" charset="2"/>
+                        <a:defRPr sz="2600">
+                          <a:solidFill>
+                            <a:schemeClr val="tx1"/>
+                          </a:solidFill>
+                          <a:latin typeface="Arial" panose="020B0604020202020204" pitchFamily="34" charset="0"/>
+                        </a:defRPr>
+                      </a:lvl1pPr>
+                      <a:lvl2pPr marL="344488">
+                        <a:spcBef>
+                          <a:spcPct val="20000"/>
+                        </a:spcBef>
+                        <a:buClr>
+                          <a:schemeClr val="accent2"/>
+                        </a:buClr>
+                        <a:buSzPct val="70000"/>
+                        <a:buFont typeface="Wingdings" panose="05000000000000000000" pitchFamily="2" charset="2"/>
+                        <a:defRPr sz="2200">
+                          <a:solidFill>
+                            <a:schemeClr val="tx1"/>
+                          </a:solidFill>
+                          <a:latin typeface="Arial" panose="020B0604020202020204" pitchFamily="34" charset="0"/>
+                        </a:defRPr>
+                      </a:lvl2pPr>
+                      <a:lvl3pPr marL="693738">
+                        <a:spcBef>
+                          <a:spcPct val="20000"/>
+                        </a:spcBef>
+                        <a:buClr>
+                          <a:schemeClr val="accent1"/>
+                        </a:buClr>
+                        <a:buSzPct val="70000"/>
+                        <a:buFont typeface="Wingdings" panose="05000000000000000000" pitchFamily="2" charset="2"/>
+                        <a:defRPr sz="2100">
+                          <a:solidFill>
+                            <a:schemeClr val="tx1"/>
+                          </a:solidFill>
+                          <a:latin typeface="Arial" panose="020B0604020202020204" pitchFamily="34" charset="0"/>
+                        </a:defRPr>
+                      </a:lvl3pPr>
+                      <a:lvl4pPr marL="989013">
+                        <a:spcBef>
+                          <a:spcPct val="20000"/>
+                        </a:spcBef>
+                        <a:buClr>
+                          <a:schemeClr val="tx2"/>
+                        </a:buClr>
+                        <a:buSzPct val="75000"/>
+                        <a:buFont typeface="Wingdings" panose="05000000000000000000" pitchFamily="2" charset="2"/>
+                        <a:defRPr>
+                          <a:solidFill>
+                            <a:schemeClr val="tx1"/>
+                          </a:solidFill>
+                          <a:latin typeface="Arial" panose="020B0604020202020204" pitchFamily="34" charset="0"/>
+                        </a:defRPr>
+                      </a:lvl4pPr>
+                      <a:lvl5pPr marL="1282700">
+                        <a:spcBef>
+                          <a:spcPct val="20000"/>
+                        </a:spcBef>
+                        <a:buClr>
+                          <a:schemeClr val="folHlink"/>
+                        </a:buClr>
+                        <a:buSzPct val="80000"/>
+                        <a:buFont typeface="Wingdings" panose="05000000000000000000" pitchFamily="2" charset="2"/>
+                        <a:defRPr>
+                          <a:solidFill>
+                            <a:schemeClr val="tx1"/>
+                          </a:solidFill>
+                          <a:latin typeface="Arial" panose="020B0604020202020204" pitchFamily="34" charset="0"/>
+                        </a:defRPr>
+                      </a:lvl5pPr>
+                      <a:lvl6pPr marL="1739900" fontAlgn="base">
+                        <a:spcBef>
+                          <a:spcPct val="20000"/>
+                        </a:spcBef>
+                        <a:spcAft>
+                          <a:spcPct val="0"/>
+                        </a:spcAft>
+                        <a:buClr>
+                          <a:schemeClr val="folHlink"/>
+                        </a:buClr>
+                        <a:buSzPct val="80000"/>
+                        <a:buFont typeface="Wingdings" panose="05000000000000000000" pitchFamily="2" charset="2"/>
+                        <a:defRPr>
+                          <a:solidFill>
+                            <a:schemeClr val="tx1"/>
+                          </a:solidFill>
+                          <a:latin typeface="Arial" panose="020B0604020202020204" pitchFamily="34" charset="0"/>
+                        </a:defRPr>
+                      </a:lvl6pPr>
+                      <a:lvl7pPr marL="2197100" fontAlgn="base">
+                        <a:spcBef>
+                          <a:spcPct val="20000"/>
+                        </a:spcBef>
+                        <a:spcAft>
+                          <a:spcPct val="0"/>
+                        </a:spcAft>
+                        <a:buClr>
+                          <a:schemeClr val="folHlink"/>
+                        </a:buClr>
+                        <a:buSzPct val="80000"/>
+                        <a:buFont typeface="Wingdings" panose="05000000000000000000" pitchFamily="2" charset="2"/>
+                        <a:defRPr>
+                          <a:solidFill>
+                            <a:schemeClr val="tx1"/>
+                          </a:solidFill>
+                          <a:latin typeface="Arial" panose="020B0604020202020204" pitchFamily="34" charset="0"/>
+                        </a:defRPr>
+                      </a:lvl7pPr>
+                      <a:lvl8pPr marL="2654300" fontAlgn="base">
+                        <a:spcBef>
+                          <a:spcPct val="20000"/>
+                        </a:spcBef>
+                        <a:spcAft>
+                          <a:spcPct val="0"/>
+                        </a:spcAft>
+                        <a:buClr>
+                          <a:schemeClr val="folHlink"/>
+                        </a:buClr>
+                        <a:buSzPct val="80000"/>
+                        <a:buFont typeface="Wingdings" panose="05000000000000000000" pitchFamily="2" charset="2"/>
+                        <a:defRPr>
+                          <a:solidFill>
+                            <a:schemeClr val="tx1"/>
+                          </a:solidFill>
+                          <a:latin typeface="Arial" panose="020B0604020202020204" pitchFamily="34" charset="0"/>
+                        </a:defRPr>
+                      </a:lvl8pPr>
+                      <a:lvl9pPr marL="3111500" fontAlgn="base">
+                        <a:spcBef>
+                          <a:spcPct val="20000"/>
+                        </a:spcBef>
+                        <a:spcAft>
+                          <a:spcPct val="0"/>
+                        </a:spcAft>
+                        <a:buClr>
+                          <a:schemeClr val="folHlink"/>
+                        </a:buClr>
+                        <a:buSzPct val="80000"/>
+                        <a:buFont typeface="Wingdings" panose="05000000000000000000" pitchFamily="2" charset="2"/>
+                        <a:defRPr>
+                          <a:solidFill>
+                            <a:schemeClr val="tx1"/>
+                          </a:solidFill>
+                          <a:latin typeface="Arial" panose="020B0604020202020204" pitchFamily="34" charset="0"/>
+                        </a:defRPr>
+                      </a:lvl9pPr>
+                    </a:lstStyle>
+                    <a:p>
+                      <a:pPr marL="0" marR="0" lvl="0" indent="0" algn="l" defTabSz="914400" rtl="0" eaLnBrk="1" fontAlgn="base" latinLnBrk="0" hangingPunct="1">
+                        <a:lnSpc>
+                          <a:spcPct val="100000"/>
+                        </a:lnSpc>
+                        <a:spcBef>
+                          <a:spcPct val="20000"/>
+                        </a:spcBef>
+                        <a:spcAft>
+                          <a:spcPct val="0"/>
+                        </a:spcAft>
+                        <a:buClr>
+                          <a:schemeClr val="tx2"/>
+                        </a:buClr>
+                        <a:buSzPct val="70000"/>
+                        <a:buFont typeface="Wingdings" panose="05000000000000000000" pitchFamily="2" charset="2"/>
+                        <a:buNone/>
+                        <a:tabLst/>
+                      </a:pPr>
+                      <a:r>
+                        <a:rPr kumimoji="0" lang="ru-RU" altLang="ru-RU" sz="2600" b="0" i="0" u="none" strike="noStrike" cap="none" normalizeH="0" baseline="0" dirty="0" smtClean="0">
+                          <a:ln>
+                            <a:noFill/>
+                          </a:ln>
+                          <a:solidFill>
+                            <a:schemeClr val="accent2">
+                              <a:lumMod val="50000"/>
+                            </a:schemeClr>
+                          </a:solidFill>
+                          <a:effectLst/>
+                          <a:latin typeface="Arial" panose="020B0604020202020204" pitchFamily="34" charset="0"/>
+                        </a:rPr>
+                        <a:t>2</a:t>
+                      </a:r>
+                    </a:p>
+                  </a:txBody>
+                  <a:tcPr horzOverflow="overflow">
+                    <a:lnL w="12700" cap="flat" cmpd="sng" algn="ctr">
+                      <a:solidFill>
+                        <a:schemeClr val="tx1"/>
+                      </a:solidFill>
+                      <a:prstDash val="solid"/>
+                      <a:round/>
+                      <a:headEnd type="none" w="med" len="med"/>
+                      <a:tailEnd type="none" w="med" len="med"/>
+                    </a:lnL>
+                    <a:lnR w="12700" cap="flat" cmpd="sng" algn="ctr">
+                      <a:solidFill>
+                        <a:schemeClr val="tx1"/>
+                      </a:solidFill>
+                      <a:prstDash val="solid"/>
+                      <a:round/>
+                      <a:headEnd type="none" w="med" len="med"/>
+                      <a:tailEnd type="none" w="med" len="med"/>
+                    </a:lnR>
+                    <a:lnT w="28575" cap="flat" cmpd="sng" algn="ctr">
+                      <a:solidFill>
+                        <a:schemeClr val="tx1"/>
+                      </a:solidFill>
+                      <a:prstDash val="solid"/>
+                      <a:round/>
+                      <a:headEnd type="none" w="med" len="med"/>
+                      <a:tailEnd type="none" w="med" len="med"/>
+                    </a:lnT>
+                    <a:lnB w="12700" cap="flat" cmpd="sng" algn="ctr">
+                      <a:solidFill>
+                        <a:schemeClr val="tx1"/>
+                      </a:solidFill>
+                      <a:prstDash val="solid"/>
+                      <a:round/>
+                      <a:headEnd type="none" w="med" len="med"/>
+                      <a:tailEnd type="none" w="med" len="med"/>
+                    </a:lnB>
+                    <a:lnTlToBr>
+                      <a:noFill/>
+                    </a:lnTlToBr>
+                    <a:lnBlToTr>
+                      <a:noFill/>
+                    </a:lnBlToTr>
+                    <a:noFill/>
+                  </a:tcPr>
+                </a:tc>
+                <a:tc>
+                  <a:txBody>
+                    <a:bodyPr/>
+                    <a:lstStyle>
+                      <a:lvl1pPr>
+                        <a:spcBef>
+                          <a:spcPct val="20000"/>
+                        </a:spcBef>
+                        <a:buClr>
+                          <a:schemeClr val="tx2"/>
+                        </a:buClr>
+                        <a:buSzPct val="70000"/>
+                        <a:buFont typeface="Wingdings" panose="05000000000000000000" pitchFamily="2" charset="2"/>
+                        <a:defRPr sz="2600">
+                          <a:solidFill>
+                            <a:schemeClr val="tx1"/>
+                          </a:solidFill>
+                          <a:latin typeface="Arial" panose="020B0604020202020204" pitchFamily="34" charset="0"/>
+                        </a:defRPr>
+                      </a:lvl1pPr>
+                      <a:lvl2pPr marL="344488">
+                        <a:spcBef>
+                          <a:spcPct val="20000"/>
+                        </a:spcBef>
+                        <a:buClr>
+                          <a:schemeClr val="accent2"/>
+                        </a:buClr>
+                        <a:buSzPct val="70000"/>
+                        <a:buFont typeface="Wingdings" panose="05000000000000000000" pitchFamily="2" charset="2"/>
+                        <a:defRPr sz="2200">
+                          <a:solidFill>
+                            <a:schemeClr val="tx1"/>
+                          </a:solidFill>
+                          <a:latin typeface="Arial" panose="020B0604020202020204" pitchFamily="34" charset="0"/>
+                        </a:defRPr>
+                      </a:lvl2pPr>
+                      <a:lvl3pPr marL="693738">
+                        <a:spcBef>
+                          <a:spcPct val="20000"/>
+                        </a:spcBef>
+                        <a:buClr>
+                          <a:schemeClr val="accent1"/>
+                        </a:buClr>
+                        <a:buSzPct val="70000"/>
+                        <a:buFont typeface="Wingdings" panose="05000000000000000000" pitchFamily="2" charset="2"/>
+                        <a:defRPr sz="2100">
+                          <a:solidFill>
+                            <a:schemeClr val="tx1"/>
+                          </a:solidFill>
+                          <a:latin typeface="Arial" panose="020B0604020202020204" pitchFamily="34" charset="0"/>
+                        </a:defRPr>
+                      </a:lvl3pPr>
+                      <a:lvl4pPr marL="989013">
+                        <a:spcBef>
+                          <a:spcPct val="20000"/>
+                        </a:spcBef>
+                        <a:buClr>
+                          <a:schemeClr val="tx2"/>
+                        </a:buClr>
+                        <a:buSzPct val="75000"/>
+                        <a:buFont typeface="Wingdings" panose="05000000000000000000" pitchFamily="2" charset="2"/>
+                        <a:defRPr>
+                          <a:solidFill>
+                            <a:schemeClr val="tx1"/>
+                          </a:solidFill>
+                          <a:latin typeface="Arial" panose="020B0604020202020204" pitchFamily="34" charset="0"/>
+                        </a:defRPr>
+                      </a:lvl4pPr>
+                      <a:lvl5pPr marL="1282700">
+                        <a:spcBef>
+                          <a:spcPct val="20000"/>
+                        </a:spcBef>
+                        <a:buClr>
+                          <a:schemeClr val="folHlink"/>
+                        </a:buClr>
+                        <a:buSzPct val="80000"/>
+                        <a:buFont typeface="Wingdings" panose="05000000000000000000" pitchFamily="2" charset="2"/>
+                        <a:defRPr>
+                          <a:solidFill>
+                            <a:schemeClr val="tx1"/>
+                          </a:solidFill>
+                          <a:latin typeface="Arial" panose="020B0604020202020204" pitchFamily="34" charset="0"/>
+                        </a:defRPr>
+                      </a:lvl5pPr>
+                      <a:lvl6pPr marL="1739900" fontAlgn="base">
+                        <a:spcBef>
+                          <a:spcPct val="20000"/>
+                        </a:spcBef>
+                        <a:spcAft>
+                          <a:spcPct val="0"/>
+                        </a:spcAft>
+                        <a:buClr>
+                          <a:schemeClr val="folHlink"/>
+                        </a:buClr>
+                        <a:buSzPct val="80000"/>
+                        <a:buFont typeface="Wingdings" panose="05000000000000000000" pitchFamily="2" charset="2"/>
+                        <a:defRPr>
+                          <a:solidFill>
+                            <a:schemeClr val="tx1"/>
+                          </a:solidFill>
+                          <a:latin typeface="Arial" panose="020B0604020202020204" pitchFamily="34" charset="0"/>
+                        </a:defRPr>
+                      </a:lvl6pPr>
+                      <a:lvl7pPr marL="2197100" fontAlgn="base">
+                        <a:spcBef>
+                          <a:spcPct val="20000"/>
+                        </a:spcBef>
+                        <a:spcAft>
+                          <a:spcPct val="0"/>
+                        </a:spcAft>
+                        <a:buClr>
+                          <a:schemeClr val="folHlink"/>
+                        </a:buClr>
+                        <a:buSzPct val="80000"/>
+                        <a:buFont typeface="Wingdings" panose="05000000000000000000" pitchFamily="2" charset="2"/>
+                        <a:defRPr>
+                          <a:solidFill>
+                            <a:schemeClr val="tx1"/>
+                          </a:solidFill>
+                          <a:latin typeface="Arial" panose="020B0604020202020204" pitchFamily="34" charset="0"/>
+                        </a:defRPr>
+                      </a:lvl7pPr>
+                      <a:lvl8pPr marL="2654300" fontAlgn="base">
+                        <a:spcBef>
+                          <a:spcPct val="20000"/>
+                        </a:spcBef>
+                        <a:spcAft>
+                          <a:spcPct val="0"/>
+                        </a:spcAft>
+                        <a:buClr>
+                          <a:schemeClr val="folHlink"/>
+                        </a:buClr>
+                        <a:buSzPct val="80000"/>
+                        <a:buFont typeface="Wingdings" panose="05000000000000000000" pitchFamily="2" charset="2"/>
+                        <a:defRPr>
+                          <a:solidFill>
+                            <a:schemeClr val="tx1"/>
+                          </a:solidFill>
+                          <a:latin typeface="Arial" panose="020B0604020202020204" pitchFamily="34" charset="0"/>
+                        </a:defRPr>
+                      </a:lvl8pPr>
+                      <a:lvl9pPr marL="3111500" fontAlgn="base">
+                        <a:spcBef>
+                          <a:spcPct val="20000"/>
+                        </a:spcBef>
+                        <a:spcAft>
+                          <a:spcPct val="0"/>
+                        </a:spcAft>
+                        <a:buClr>
+                          <a:schemeClr val="folHlink"/>
+                        </a:buClr>
+                        <a:buSzPct val="80000"/>
+                        <a:buFont typeface="Wingdings" panose="05000000000000000000" pitchFamily="2" charset="2"/>
+                        <a:defRPr>
+                          <a:solidFill>
+                            <a:schemeClr val="tx1"/>
+                          </a:solidFill>
+                          <a:latin typeface="Arial" panose="020B0604020202020204" pitchFamily="34" charset="0"/>
+                        </a:defRPr>
+                      </a:lvl9pPr>
+                    </a:lstStyle>
+                    <a:p>
+                      <a:pPr marL="0" marR="0" lvl="0" indent="0" algn="l" defTabSz="914400" rtl="0" eaLnBrk="1" fontAlgn="base" latinLnBrk="0" hangingPunct="1">
+                        <a:lnSpc>
+                          <a:spcPct val="100000"/>
+                        </a:lnSpc>
+                        <a:spcBef>
+                          <a:spcPct val="20000"/>
+                        </a:spcBef>
+                        <a:spcAft>
+                          <a:spcPct val="0"/>
+                        </a:spcAft>
+                        <a:buClr>
+                          <a:schemeClr val="tx2"/>
+                        </a:buClr>
+                        <a:buSzPct val="70000"/>
+                        <a:buFont typeface="Wingdings" panose="05000000000000000000" pitchFamily="2" charset="2"/>
+                        <a:buNone/>
+                        <a:tabLst/>
+                      </a:pPr>
+                      <a:r>
+                        <a:rPr kumimoji="0" lang="ru-RU" altLang="ru-RU" sz="2600" b="0" i="0" u="none" strike="noStrike" cap="none" normalizeH="0" baseline="0" dirty="0" smtClean="0">
+                          <a:ln>
+                            <a:noFill/>
+                          </a:ln>
+                          <a:solidFill>
+                            <a:schemeClr val="accent2">
+                              <a:lumMod val="50000"/>
+                            </a:schemeClr>
+                          </a:solidFill>
+                          <a:effectLst/>
+                          <a:latin typeface="Arial" panose="020B0604020202020204" pitchFamily="34" charset="0"/>
+                        </a:rPr>
+                        <a:t>3</a:t>
+                      </a:r>
+                    </a:p>
+                  </a:txBody>
+                  <a:tcPr horzOverflow="overflow">
+                    <a:lnL w="12700" cap="flat" cmpd="sng" algn="ctr">
+                      <a:solidFill>
+                        <a:schemeClr val="tx1"/>
+                      </a:solidFill>
+                      <a:prstDash val="solid"/>
+                      <a:round/>
+                      <a:headEnd type="none" w="med" len="med"/>
+                      <a:tailEnd type="none" w="med" len="med"/>
+                    </a:lnL>
+                    <a:lnR w="12700" cap="flat" cmpd="sng" algn="ctr">
+                      <a:solidFill>
+                        <a:schemeClr val="tx1"/>
+                      </a:solidFill>
+                      <a:prstDash val="solid"/>
+                      <a:round/>
+                      <a:headEnd type="none" w="med" len="med"/>
+                      <a:tailEnd type="none" w="med" len="med"/>
+                    </a:lnR>
+                    <a:lnT w="28575" cap="flat" cmpd="sng" algn="ctr">
+                      <a:solidFill>
+                        <a:schemeClr val="tx1"/>
+                      </a:solidFill>
+                      <a:prstDash val="solid"/>
+                      <a:round/>
+                      <a:headEnd type="none" w="med" len="med"/>
+                      <a:tailEnd type="none" w="med" len="med"/>
+                    </a:lnT>
+                    <a:lnB w="12700" cap="flat" cmpd="sng" algn="ctr">
+                      <a:solidFill>
+                        <a:schemeClr val="tx1"/>
+                      </a:solidFill>
+                      <a:prstDash val="solid"/>
+                      <a:round/>
+                      <a:headEnd type="none" w="med" len="med"/>
+                      <a:tailEnd type="none" w="med" len="med"/>
+                    </a:lnB>
+                    <a:lnTlToBr>
+                      <a:noFill/>
+                    </a:lnTlToBr>
+                    <a:lnBlToTr>
+                      <a:noFill/>
+                    </a:lnBlToTr>
+                    <a:noFill/>
+                  </a:tcPr>
+                </a:tc>
+                <a:tc>
+                  <a:txBody>
+                    <a:bodyPr/>
+                    <a:lstStyle>
+                      <a:lvl1pPr>
+                        <a:spcBef>
+                          <a:spcPct val="20000"/>
+                        </a:spcBef>
+                        <a:buClr>
+                          <a:schemeClr val="tx2"/>
+                        </a:buClr>
+                        <a:buSzPct val="70000"/>
+                        <a:buFont typeface="Wingdings" panose="05000000000000000000" pitchFamily="2" charset="2"/>
+                        <a:defRPr sz="2600">
+                          <a:solidFill>
+                            <a:schemeClr val="tx1"/>
+                          </a:solidFill>
+                          <a:latin typeface="Arial" panose="020B0604020202020204" pitchFamily="34" charset="0"/>
+                        </a:defRPr>
+                      </a:lvl1pPr>
+                      <a:lvl2pPr marL="344488">
+                        <a:spcBef>
+                          <a:spcPct val="20000"/>
+                        </a:spcBef>
+                        <a:buClr>
+                          <a:schemeClr val="accent2"/>
+                        </a:buClr>
+                        <a:buSzPct val="70000"/>
+                        <a:buFont typeface="Wingdings" panose="05000000000000000000" pitchFamily="2" charset="2"/>
+                        <a:defRPr sz="2200">
+                          <a:solidFill>
+                            <a:schemeClr val="tx1"/>
+                          </a:solidFill>
+                          <a:latin typeface="Arial" panose="020B0604020202020204" pitchFamily="34" charset="0"/>
+                        </a:defRPr>
+                      </a:lvl2pPr>
+                      <a:lvl3pPr marL="693738">
+                        <a:spcBef>
+                          <a:spcPct val="20000"/>
+                        </a:spcBef>
+                        <a:buClr>
+                          <a:schemeClr val="accent1"/>
+                        </a:buClr>
+                        <a:buSzPct val="70000"/>
+                        <a:buFont typeface="Wingdings" panose="05000000000000000000" pitchFamily="2" charset="2"/>
+                        <a:defRPr sz="2100">
+                          <a:solidFill>
+                            <a:schemeClr val="tx1"/>
+                          </a:solidFill>
+                          <a:latin typeface="Arial" panose="020B0604020202020204" pitchFamily="34" charset="0"/>
+                        </a:defRPr>
+                      </a:lvl3pPr>
+                      <a:lvl4pPr marL="989013">
+                        <a:spcBef>
+                          <a:spcPct val="20000"/>
+                        </a:spcBef>
+                        <a:buClr>
+                          <a:schemeClr val="tx2"/>
+                        </a:buClr>
+                        <a:buSzPct val="75000"/>
+                        <a:buFont typeface="Wingdings" panose="05000000000000000000" pitchFamily="2" charset="2"/>
+                        <a:defRPr>
+                          <a:solidFill>
+                            <a:schemeClr val="tx1"/>
+                          </a:solidFill>
+                          <a:latin typeface="Arial" panose="020B0604020202020204" pitchFamily="34" charset="0"/>
+                        </a:defRPr>
+                      </a:lvl4pPr>
+                      <a:lvl5pPr marL="1282700">
+                        <a:spcBef>
+                          <a:spcPct val="20000"/>
+                        </a:spcBef>
+                        <a:buClr>
+                          <a:schemeClr val="folHlink"/>
+                        </a:buClr>
+                        <a:buSzPct val="80000"/>
+                        <a:buFont typeface="Wingdings" panose="05000000000000000000" pitchFamily="2" charset="2"/>
+                        <a:defRPr>
+                          <a:solidFill>
+                            <a:schemeClr val="tx1"/>
+                          </a:solidFill>
+                          <a:latin typeface="Arial" panose="020B0604020202020204" pitchFamily="34" charset="0"/>
+                        </a:defRPr>
+                      </a:lvl5pPr>
+                      <a:lvl6pPr marL="1739900" fontAlgn="base">
+                        <a:spcBef>
+                          <a:spcPct val="20000"/>
+                        </a:spcBef>
+                        <a:spcAft>
+                          <a:spcPct val="0"/>
+                        </a:spcAft>
+                        <a:buClr>
+                          <a:schemeClr val="folHlink"/>
+                        </a:buClr>
+                        <a:buSzPct val="80000"/>
+                        <a:buFont typeface="Wingdings" panose="05000000000000000000" pitchFamily="2" charset="2"/>
+                        <a:defRPr>
+                          <a:solidFill>
+                            <a:schemeClr val="tx1"/>
+                          </a:solidFill>
+                          <a:latin typeface="Arial" panose="020B0604020202020204" pitchFamily="34" charset="0"/>
+                        </a:defRPr>
+                      </a:lvl6pPr>
+                      <a:lvl7pPr marL="2197100" fontAlgn="base">
+                        <a:spcBef>
+                          <a:spcPct val="20000"/>
+                        </a:spcBef>
+                        <a:spcAft>
+                          <a:spcPct val="0"/>
+                        </a:spcAft>
+                        <a:buClr>
+                          <a:schemeClr val="folHlink"/>
+                        </a:buClr>
+                        <a:buSzPct val="80000"/>
+                        <a:buFont typeface="Wingdings" panose="05000000000000000000" pitchFamily="2" charset="2"/>
+                        <a:defRPr>
+                          <a:solidFill>
+                            <a:schemeClr val="tx1"/>
+                          </a:solidFill>
+                          <a:latin typeface="Arial" panose="020B0604020202020204" pitchFamily="34" charset="0"/>
+                        </a:defRPr>
+                      </a:lvl7pPr>
+                      <a:lvl8pPr marL="2654300" fontAlgn="base">
+                        <a:spcBef>
+                          <a:spcPct val="20000"/>
+                        </a:spcBef>
+                        <a:spcAft>
+                          <a:spcPct val="0"/>
+                        </a:spcAft>
+                        <a:buClr>
+                          <a:schemeClr val="folHlink"/>
+                        </a:buClr>
+                        <a:buSzPct val="80000"/>
+                        <a:buFont typeface="Wingdings" panose="05000000000000000000" pitchFamily="2" charset="2"/>
+                        <a:defRPr>
+                          <a:solidFill>
+                            <a:schemeClr val="tx1"/>
+                          </a:solidFill>
+                          <a:latin typeface="Arial" panose="020B0604020202020204" pitchFamily="34" charset="0"/>
+                        </a:defRPr>
+                      </a:lvl8pPr>
+                      <a:lvl9pPr marL="3111500" fontAlgn="base">
+                        <a:spcBef>
+                          <a:spcPct val="20000"/>
+                        </a:spcBef>
+                        <a:spcAft>
+                          <a:spcPct val="0"/>
+                        </a:spcAft>
+                        <a:buClr>
+                          <a:schemeClr val="folHlink"/>
+                        </a:buClr>
+                        <a:buSzPct val="80000"/>
+                        <a:buFont typeface="Wingdings" panose="05000000000000000000" pitchFamily="2" charset="2"/>
+                        <a:defRPr>
+                          <a:solidFill>
+                            <a:schemeClr val="tx1"/>
+                          </a:solidFill>
+                          <a:latin typeface="Arial" panose="020B0604020202020204" pitchFamily="34" charset="0"/>
+                        </a:defRPr>
+                      </a:lvl9pPr>
+                    </a:lstStyle>
+                    <a:p>
+                      <a:pPr marL="0" marR="0" lvl="0" indent="0" algn="l" defTabSz="914400" rtl="0" eaLnBrk="1" fontAlgn="base" latinLnBrk="0" hangingPunct="1">
+                        <a:lnSpc>
+                          <a:spcPct val="100000"/>
+                        </a:lnSpc>
+                        <a:spcBef>
+                          <a:spcPct val="20000"/>
+                        </a:spcBef>
+                        <a:spcAft>
+                          <a:spcPct val="0"/>
+                        </a:spcAft>
+                        <a:buClr>
+                          <a:schemeClr val="tx2"/>
+                        </a:buClr>
+                        <a:buSzPct val="70000"/>
+                        <a:buFont typeface="Wingdings" panose="05000000000000000000" pitchFamily="2" charset="2"/>
+                        <a:buNone/>
+                        <a:tabLst/>
+                      </a:pPr>
+                      <a:r>
+                        <a:rPr kumimoji="0" lang="ru-RU" altLang="ru-RU" sz="2600" b="0" i="0" u="none" strike="noStrike" cap="none" normalizeH="0" baseline="0" dirty="0" smtClean="0">
+                          <a:ln>
+                            <a:noFill/>
+                          </a:ln>
+                          <a:solidFill>
+                            <a:schemeClr val="accent2">
+                              <a:lumMod val="50000"/>
+                            </a:schemeClr>
+                          </a:solidFill>
+                          <a:effectLst/>
+                          <a:latin typeface="Arial" panose="020B0604020202020204" pitchFamily="34" charset="0"/>
+                        </a:rPr>
+                        <a:t>4</a:t>
+                      </a:r>
+                    </a:p>
+                  </a:txBody>
+                  <a:tcPr horzOverflow="overflow">
+                    <a:lnL w="12700" cap="flat" cmpd="sng" algn="ctr">
+                      <a:solidFill>
+                        <a:schemeClr val="tx1"/>
+                      </a:solidFill>
+                      <a:prstDash val="solid"/>
+                      <a:round/>
+                      <a:headEnd type="none" w="med" len="med"/>
+                      <a:tailEnd type="none" w="med" len="med"/>
+                    </a:lnL>
+                    <a:lnR w="12700" cap="flat" cmpd="sng" algn="ctr">
+                      <a:solidFill>
+                        <a:schemeClr val="tx1"/>
+                      </a:solidFill>
+                      <a:prstDash val="solid"/>
+                      <a:round/>
+                      <a:headEnd type="none" w="med" len="med"/>
+                      <a:tailEnd type="none" w="med" len="med"/>
+                    </a:lnR>
+                    <a:lnT w="28575" cap="flat" cmpd="sng" algn="ctr">
+                      <a:solidFill>
+                        <a:schemeClr val="tx1"/>
+                      </a:solidFill>
+                      <a:prstDash val="solid"/>
+                      <a:round/>
+                      <a:headEnd type="none" w="med" len="med"/>
+                      <a:tailEnd type="none" w="med" len="med"/>
+                    </a:lnT>
+                    <a:lnB w="12700" cap="flat" cmpd="sng" algn="ctr">
+                      <a:solidFill>
+                        <a:schemeClr val="tx1"/>
+                      </a:solidFill>
+                      <a:prstDash val="solid"/>
+                      <a:round/>
+                      <a:headEnd type="none" w="med" len="med"/>
+                      <a:tailEnd type="none" w="med" len="med"/>
+                    </a:lnB>
+                    <a:lnTlToBr>
+                      <a:noFill/>
+                    </a:lnTlToBr>
+                    <a:lnBlToTr>
+                      <a:noFill/>
+                    </a:lnBlToTr>
+                    <a:noFill/>
+                  </a:tcPr>
+                </a:tc>
+                <a:tc>
+                  <a:txBody>
+                    <a:bodyPr/>
+                    <a:lstStyle>
+                      <a:lvl1pPr>
+                        <a:spcBef>
+                          <a:spcPct val="20000"/>
+                        </a:spcBef>
+                        <a:buClr>
+                          <a:schemeClr val="tx2"/>
+                        </a:buClr>
+                        <a:buSzPct val="70000"/>
+                        <a:buFont typeface="Wingdings" panose="05000000000000000000" pitchFamily="2" charset="2"/>
+                        <a:defRPr sz="2600">
+                          <a:solidFill>
+                            <a:schemeClr val="tx1"/>
+                          </a:solidFill>
+                          <a:latin typeface="Arial" panose="020B0604020202020204" pitchFamily="34" charset="0"/>
+                        </a:defRPr>
+                      </a:lvl1pPr>
+                      <a:lvl2pPr marL="344488">
+                        <a:spcBef>
+                          <a:spcPct val="20000"/>
+                        </a:spcBef>
+                        <a:buClr>
+                          <a:schemeClr val="accent2"/>
+                        </a:buClr>
+                        <a:buSzPct val="70000"/>
+                        <a:buFont typeface="Wingdings" panose="05000000000000000000" pitchFamily="2" charset="2"/>
+                        <a:defRPr sz="2200">
+                          <a:solidFill>
+                            <a:schemeClr val="tx1"/>
+                          </a:solidFill>
+                          <a:latin typeface="Arial" panose="020B0604020202020204" pitchFamily="34" charset="0"/>
+                        </a:defRPr>
+                      </a:lvl2pPr>
+                      <a:lvl3pPr marL="693738">
+                        <a:spcBef>
+                          <a:spcPct val="20000"/>
+                        </a:spcBef>
+                        <a:buClr>
+                          <a:schemeClr val="accent1"/>
+                        </a:buClr>
+                        <a:buSzPct val="70000"/>
+                        <a:buFont typeface="Wingdings" panose="05000000000000000000" pitchFamily="2" charset="2"/>
+                        <a:defRPr sz="2100">
+                          <a:solidFill>
+                            <a:schemeClr val="tx1"/>
+                          </a:solidFill>
+                          <a:latin typeface="Arial" panose="020B0604020202020204" pitchFamily="34" charset="0"/>
+                        </a:defRPr>
+                      </a:lvl3pPr>
+                      <a:lvl4pPr marL="989013">
+                        <a:spcBef>
+                          <a:spcPct val="20000"/>
+                        </a:spcBef>
+                        <a:buClr>
+                          <a:schemeClr val="tx2"/>
+                        </a:buClr>
+                        <a:buSzPct val="75000"/>
+                        <a:buFont typeface="Wingdings" panose="05000000000000000000" pitchFamily="2" charset="2"/>
+                        <a:defRPr>
+                          <a:solidFill>
+                            <a:schemeClr val="tx1"/>
+                          </a:solidFill>
+                          <a:latin typeface="Arial" panose="020B0604020202020204" pitchFamily="34" charset="0"/>
+                        </a:defRPr>
+                      </a:lvl4pPr>
+                      <a:lvl5pPr marL="1282700">
+                        <a:spcBef>
+                          <a:spcPct val="20000"/>
+                        </a:spcBef>
+                        <a:buClr>
+                          <a:schemeClr val="folHlink"/>
+                        </a:buClr>
+                        <a:buSzPct val="80000"/>
+                        <a:buFont typeface="Wingdings" panose="05000000000000000000" pitchFamily="2" charset="2"/>
+                        <a:defRPr>
+                          <a:solidFill>
+                            <a:schemeClr val="tx1"/>
+                          </a:solidFill>
+                          <a:latin typeface="Arial" panose="020B0604020202020204" pitchFamily="34" charset="0"/>
+                        </a:defRPr>
+                      </a:lvl5pPr>
+                      <a:lvl6pPr marL="1739900" fontAlgn="base">
+                        <a:spcBef>
+                          <a:spcPct val="20000"/>
+                        </a:spcBef>
+                        <a:spcAft>
+                          <a:spcPct val="0"/>
+                        </a:spcAft>
+                        <a:buClr>
+                          <a:schemeClr val="folHlink"/>
+                        </a:buClr>
+                        <a:buSzPct val="80000"/>
+                        <a:buFont typeface="Wingdings" panose="05000000000000000000" pitchFamily="2" charset="2"/>
+                        <a:defRPr>
+                          <a:solidFill>
+                            <a:schemeClr val="tx1"/>
+                          </a:solidFill>
+                          <a:latin typeface="Arial" panose="020B0604020202020204" pitchFamily="34" charset="0"/>
+                        </a:defRPr>
+                      </a:lvl6pPr>
+                      <a:lvl7pPr marL="2197100" fontAlgn="base">
+                        <a:spcBef>
+                          <a:spcPct val="20000"/>
+                        </a:spcBef>
+                        <a:spcAft>
+                          <a:spcPct val="0"/>
+                        </a:spcAft>
+                        <a:buClr>
+                          <a:schemeClr val="folHlink"/>
+                        </a:buClr>
+                        <a:buSzPct val="80000"/>
+                        <a:buFont typeface="Wingdings" panose="05000000000000000000" pitchFamily="2" charset="2"/>
+                        <a:defRPr>
+                          <a:solidFill>
+                            <a:schemeClr val="tx1"/>
+                          </a:solidFill>
+                          <a:latin typeface="Arial" panose="020B0604020202020204" pitchFamily="34" charset="0"/>
+                        </a:defRPr>
+                      </a:lvl7pPr>
+                      <a:lvl8pPr marL="2654300" fontAlgn="base">
+                        <a:spcBef>
+                          <a:spcPct val="20000"/>
+                        </a:spcBef>
+                        <a:spcAft>
+                          <a:spcPct val="0"/>
+                        </a:spcAft>
+                        <a:buClr>
+                          <a:schemeClr val="folHlink"/>
+                        </a:buClr>
+                        <a:buSzPct val="80000"/>
+                        <a:buFont typeface="Wingdings" panose="05000000000000000000" pitchFamily="2" charset="2"/>
+                        <a:defRPr>
+                          <a:solidFill>
+                            <a:schemeClr val="tx1"/>
+                          </a:solidFill>
+                          <a:latin typeface="Arial" panose="020B0604020202020204" pitchFamily="34" charset="0"/>
+                        </a:defRPr>
+                      </a:lvl8pPr>
+                      <a:lvl9pPr marL="3111500" fontAlgn="base">
+                        <a:spcBef>
+                          <a:spcPct val="20000"/>
+                        </a:spcBef>
+                        <a:spcAft>
+                          <a:spcPct val="0"/>
+                        </a:spcAft>
+                        <a:buClr>
+                          <a:schemeClr val="folHlink"/>
+                        </a:buClr>
+                        <a:buSzPct val="80000"/>
+                        <a:buFont typeface="Wingdings" panose="05000000000000000000" pitchFamily="2" charset="2"/>
+                        <a:defRPr>
+                          <a:solidFill>
+                            <a:schemeClr val="tx1"/>
+                          </a:solidFill>
+                          <a:latin typeface="Arial" panose="020B0604020202020204" pitchFamily="34" charset="0"/>
+                        </a:defRPr>
+                      </a:lvl9pPr>
+                    </a:lstStyle>
+                    <a:p>
+                      <a:pPr marL="0" marR="0" lvl="0" indent="0" algn="l" defTabSz="914400" rtl="0" eaLnBrk="1" fontAlgn="base" latinLnBrk="0" hangingPunct="1">
+                        <a:lnSpc>
+                          <a:spcPct val="100000"/>
+                        </a:lnSpc>
+                        <a:spcBef>
+                          <a:spcPct val="20000"/>
+                        </a:spcBef>
+                        <a:spcAft>
+                          <a:spcPct val="0"/>
+                        </a:spcAft>
+                        <a:buClr>
+                          <a:schemeClr val="tx2"/>
+                        </a:buClr>
+                        <a:buSzPct val="70000"/>
+                        <a:buFont typeface="Wingdings" panose="05000000000000000000" pitchFamily="2" charset="2"/>
+                        <a:buNone/>
+                        <a:tabLst/>
+                      </a:pPr>
+                      <a:r>
+                        <a:rPr kumimoji="0" lang="ru-RU" altLang="ru-RU" sz="2600" b="0" i="0" u="none" strike="noStrike" cap="none" normalizeH="0" baseline="0" dirty="0" smtClean="0">
+                          <a:ln>
+                            <a:noFill/>
+                          </a:ln>
+                          <a:solidFill>
+                            <a:schemeClr val="accent2">
+                              <a:lumMod val="50000"/>
+                            </a:schemeClr>
+                          </a:solidFill>
+                          <a:effectLst/>
+                          <a:latin typeface="Arial" panose="020B0604020202020204" pitchFamily="34" charset="0"/>
+                        </a:rPr>
+                        <a:t>5</a:t>
+                      </a:r>
+                    </a:p>
+                  </a:txBody>
+                  <a:tcPr horzOverflow="overflow">
+                    <a:lnL w="12700" cap="flat" cmpd="sng" algn="ctr">
+                      <a:solidFill>
+                        <a:schemeClr val="tx1"/>
+                      </a:solidFill>
+                      <a:prstDash val="solid"/>
+                      <a:round/>
+                      <a:headEnd type="none" w="med" len="med"/>
+                      <a:tailEnd type="none" w="med" len="med"/>
+                    </a:lnL>
+                    <a:lnR w="12700" cap="flat" cmpd="sng" algn="ctr">
+                      <a:solidFill>
+                        <a:schemeClr val="tx1"/>
+                      </a:solidFill>
+                      <a:prstDash val="solid"/>
+                      <a:round/>
+                      <a:headEnd type="none" w="med" len="med"/>
+                      <a:tailEnd type="none" w="med" len="med"/>
+                    </a:lnR>
+                    <a:lnT w="28575" cap="flat" cmpd="sng" algn="ctr">
+                      <a:solidFill>
+                        <a:schemeClr val="tx1"/>
+                      </a:solidFill>
+                      <a:prstDash val="solid"/>
+                      <a:round/>
+                      <a:headEnd type="none" w="med" len="med"/>
+                      <a:tailEnd type="none" w="med" len="med"/>
+                    </a:lnT>
+                    <a:lnB w="12700" cap="flat" cmpd="sng" algn="ctr">
+                      <a:solidFill>
+                        <a:schemeClr val="tx1"/>
+                      </a:solidFill>
+                      <a:prstDash val="solid"/>
+                      <a:round/>
+                      <a:headEnd type="none" w="med" len="med"/>
+                      <a:tailEnd type="none" w="med" len="med"/>
+                    </a:lnB>
+                    <a:lnTlToBr>
+                      <a:noFill/>
+                    </a:lnTlToBr>
+                    <a:lnBlToTr>
+                      <a:noFill/>
+                    </a:lnBlToTr>
+                    <a:noFill/>
+                  </a:tcPr>
+                </a:tc>
+                <a:tc>
+                  <a:txBody>
+                    <a:bodyPr/>
+                    <a:lstStyle>
+                      <a:lvl1pPr>
+                        <a:spcBef>
+                          <a:spcPct val="20000"/>
+                        </a:spcBef>
+                        <a:buClr>
+                          <a:schemeClr val="tx2"/>
+                        </a:buClr>
+                        <a:buSzPct val="70000"/>
+                        <a:buFont typeface="Wingdings" panose="05000000000000000000" pitchFamily="2" charset="2"/>
+                        <a:defRPr sz="2600">
+                          <a:solidFill>
+                            <a:schemeClr val="tx1"/>
+                          </a:solidFill>
+                          <a:latin typeface="Arial" panose="020B0604020202020204" pitchFamily="34" charset="0"/>
+                        </a:defRPr>
+                      </a:lvl1pPr>
+                      <a:lvl2pPr marL="344488">
+                        <a:spcBef>
+                          <a:spcPct val="20000"/>
+                        </a:spcBef>
+                        <a:buClr>
+                          <a:schemeClr val="accent2"/>
+                        </a:buClr>
+                        <a:buSzPct val="70000"/>
+                        <a:buFont typeface="Wingdings" panose="05000000000000000000" pitchFamily="2" charset="2"/>
+                        <a:defRPr sz="2200">
+                          <a:solidFill>
+                            <a:schemeClr val="tx1"/>
+                          </a:solidFill>
+                          <a:latin typeface="Arial" panose="020B0604020202020204" pitchFamily="34" charset="0"/>
+                        </a:defRPr>
+                      </a:lvl2pPr>
+                      <a:lvl3pPr marL="693738">
+                        <a:spcBef>
+                          <a:spcPct val="20000"/>
+                        </a:spcBef>
+                        <a:buClr>
+                          <a:schemeClr val="accent1"/>
+                        </a:buClr>
+                        <a:buSzPct val="70000"/>
+                        <a:buFont typeface="Wingdings" panose="05000000000000000000" pitchFamily="2" charset="2"/>
+                        <a:defRPr sz="2100">
+                          <a:solidFill>
+                            <a:schemeClr val="tx1"/>
+                          </a:solidFill>
+                          <a:latin typeface="Arial" panose="020B0604020202020204" pitchFamily="34" charset="0"/>
+                        </a:defRPr>
+                      </a:lvl3pPr>
+                      <a:lvl4pPr marL="989013">
+                        <a:spcBef>
+                          <a:spcPct val="20000"/>
+                        </a:spcBef>
+                        <a:buClr>
+                          <a:schemeClr val="tx2"/>
+                        </a:buClr>
+                        <a:buSzPct val="75000"/>
+                        <a:buFont typeface="Wingdings" panose="05000000000000000000" pitchFamily="2" charset="2"/>
+                        <a:defRPr>
+                          <a:solidFill>
+                            <a:schemeClr val="tx1"/>
+                          </a:solidFill>
+                          <a:latin typeface="Arial" panose="020B0604020202020204" pitchFamily="34" charset="0"/>
+                        </a:defRPr>
+                      </a:lvl4pPr>
+                      <a:lvl5pPr marL="1282700">
+                        <a:spcBef>
+                          <a:spcPct val="20000"/>
+                        </a:spcBef>
+                        <a:buClr>
+                          <a:schemeClr val="folHlink"/>
+                        </a:buClr>
+                        <a:buSzPct val="80000"/>
+                        <a:buFont typeface="Wingdings" panose="05000000000000000000" pitchFamily="2" charset="2"/>
+                        <a:defRPr>
+                          <a:solidFill>
+                            <a:schemeClr val="tx1"/>
+                          </a:solidFill>
+                          <a:latin typeface="Arial" panose="020B0604020202020204" pitchFamily="34" charset="0"/>
+                        </a:defRPr>
+                      </a:lvl5pPr>
+                      <a:lvl6pPr marL="1739900" fontAlgn="base">
+                        <a:spcBef>
+                          <a:spcPct val="20000"/>
+                        </a:spcBef>
+                        <a:spcAft>
+                          <a:spcPct val="0"/>
+                        </a:spcAft>
+                        <a:buClr>
+                          <a:schemeClr val="folHlink"/>
+                        </a:buClr>
+                        <a:buSzPct val="80000"/>
+                        <a:buFont typeface="Wingdings" panose="05000000000000000000" pitchFamily="2" charset="2"/>
+                        <a:defRPr>
+                          <a:solidFill>
+                            <a:schemeClr val="tx1"/>
+                          </a:solidFill>
+                          <a:latin typeface="Arial" panose="020B0604020202020204" pitchFamily="34" charset="0"/>
+                        </a:defRPr>
+                      </a:lvl6pPr>
+                      <a:lvl7pPr marL="2197100" fontAlgn="base">
+                        <a:spcBef>
+                          <a:spcPct val="20000"/>
+                        </a:spcBef>
+                        <a:spcAft>
+                          <a:spcPct val="0"/>
+                        </a:spcAft>
+                        <a:buClr>
+                          <a:schemeClr val="folHlink"/>
+                        </a:buClr>
+                        <a:buSzPct val="80000"/>
+                        <a:buFont typeface="Wingdings" panose="05000000000000000000" pitchFamily="2" charset="2"/>
+                        <a:defRPr>
+                          <a:solidFill>
+                            <a:schemeClr val="tx1"/>
+                          </a:solidFill>
+                          <a:latin typeface="Arial" panose="020B0604020202020204" pitchFamily="34" charset="0"/>
+                        </a:defRPr>
+                      </a:lvl7pPr>
+                      <a:lvl8pPr marL="2654300" fontAlgn="base">
+                        <a:spcBef>
+                          <a:spcPct val="20000"/>
+                        </a:spcBef>
+                        <a:spcAft>
+                          <a:spcPct val="0"/>
+                        </a:spcAft>
+                        <a:buClr>
+                          <a:schemeClr val="folHlink"/>
+                        </a:buClr>
+                        <a:buSzPct val="80000"/>
+                        <a:buFont typeface="Wingdings" panose="05000000000000000000" pitchFamily="2" charset="2"/>
+                        <a:defRPr>
+                          <a:solidFill>
+                            <a:schemeClr val="tx1"/>
+                          </a:solidFill>
+                          <a:latin typeface="Arial" panose="020B0604020202020204" pitchFamily="34" charset="0"/>
+                        </a:defRPr>
+                      </a:lvl8pPr>
+                      <a:lvl9pPr marL="3111500" fontAlgn="base">
+                        <a:spcBef>
+                          <a:spcPct val="20000"/>
+                        </a:spcBef>
+                        <a:spcAft>
+                          <a:spcPct val="0"/>
+                        </a:spcAft>
+                        <a:buClr>
+                          <a:schemeClr val="folHlink"/>
+                        </a:buClr>
+                        <a:buSzPct val="80000"/>
+                        <a:buFont typeface="Wingdings" panose="05000000000000000000" pitchFamily="2" charset="2"/>
+                        <a:defRPr>
+                          <a:solidFill>
+                            <a:schemeClr val="tx1"/>
+                          </a:solidFill>
+                          <a:latin typeface="Arial" panose="020B0604020202020204" pitchFamily="34" charset="0"/>
+                        </a:defRPr>
+                      </a:lvl9pPr>
+                    </a:lstStyle>
+                    <a:p>
+                      <a:pPr marL="0" marR="0" lvl="0" indent="0" algn="l" defTabSz="914400" rtl="0" eaLnBrk="1" fontAlgn="base" latinLnBrk="0" hangingPunct="1">
+                        <a:lnSpc>
+                          <a:spcPct val="100000"/>
+                        </a:lnSpc>
+                        <a:spcBef>
+                          <a:spcPct val="20000"/>
+                        </a:spcBef>
+                        <a:spcAft>
+                          <a:spcPct val="0"/>
+                        </a:spcAft>
+                        <a:buClr>
+                          <a:schemeClr val="tx2"/>
+                        </a:buClr>
+                        <a:buSzPct val="70000"/>
+                        <a:buFont typeface="Wingdings" panose="05000000000000000000" pitchFamily="2" charset="2"/>
+                        <a:buNone/>
+                        <a:tabLst/>
+                      </a:pPr>
+                      <a:r>
+                        <a:rPr kumimoji="0" lang="ru-RU" altLang="ru-RU" sz="2600" b="0" i="0" u="none" strike="noStrike" cap="none" normalizeH="0" baseline="0" smtClean="0">
+                          <a:ln>
+                            <a:noFill/>
+                          </a:ln>
+                          <a:solidFill>
+                            <a:schemeClr val="accent2">
+                              <a:lumMod val="50000"/>
+                            </a:schemeClr>
+                          </a:solidFill>
+                          <a:effectLst/>
+                          <a:latin typeface="Arial" panose="020B0604020202020204" pitchFamily="34" charset="0"/>
+                        </a:rPr>
+                        <a:t>6</a:t>
+                      </a:r>
+                    </a:p>
+                  </a:txBody>
+                  <a:tcPr horzOverflow="overflow">
+                    <a:lnL w="12700" cap="flat" cmpd="sng" algn="ctr">
+                      <a:solidFill>
+                        <a:schemeClr val="tx1"/>
+                      </a:solidFill>
+                      <a:prstDash val="solid"/>
+                      <a:round/>
+                      <a:headEnd type="none" w="med" len="med"/>
+                      <a:tailEnd type="none" w="med" len="med"/>
+                    </a:lnL>
+                    <a:lnR w="12700" cap="flat" cmpd="sng" algn="ctr">
+                      <a:solidFill>
+                        <a:schemeClr val="tx1"/>
+                      </a:solidFill>
+                      <a:prstDash val="solid"/>
+                      <a:round/>
+                      <a:headEnd type="none" w="med" len="med"/>
+                      <a:tailEnd type="none" w="med" len="med"/>
+                    </a:lnR>
+                    <a:lnT w="28575" cap="flat" cmpd="sng" algn="ctr">
+                      <a:solidFill>
+                        <a:schemeClr val="tx1"/>
+                      </a:solidFill>
+                      <a:prstDash val="solid"/>
+                      <a:round/>
+                      <a:headEnd type="none" w="med" len="med"/>
+                      <a:tailEnd type="none" w="med" len="med"/>
+                    </a:lnT>
+                    <a:lnB w="12700" cap="flat" cmpd="sng" algn="ctr">
+                      <a:solidFill>
+                        <a:schemeClr val="tx1"/>
+                      </a:solidFill>
+                      <a:prstDash val="solid"/>
+                      <a:round/>
+                      <a:headEnd type="none" w="med" len="med"/>
+                      <a:tailEnd type="none" w="med" len="med"/>
+                    </a:lnB>
+                    <a:lnTlToBr>
+                      <a:noFill/>
+                    </a:lnTlToBr>
+                    <a:lnBlToTr>
+                      <a:noFill/>
+                    </a:lnBlToTr>
+                    <a:noFill/>
+                  </a:tcPr>
+                </a:tc>
+                <a:extLst>
+                  <a:ext uri="{0D108BD9-81ED-4DB2-BD59-A6C34878D82A}">
+                    <a16:rowId xmlns:a16="http://schemas.microsoft.com/office/drawing/2014/main" xmlns="" val="1517190903"/>
+                  </a:ext>
+                </a:extLst>
+              </a:tr>
+              <a:tr h="706331">
+                <a:tc>
+                  <a:txBody>
+                    <a:bodyPr/>
+                    <a:lstStyle>
+                      <a:lvl1pPr>
+                        <a:spcBef>
+                          <a:spcPct val="20000"/>
+                        </a:spcBef>
+                        <a:buClr>
+                          <a:schemeClr val="tx2"/>
+                        </a:buClr>
+                        <a:buSzPct val="70000"/>
+                        <a:buFont typeface="Wingdings" panose="05000000000000000000" pitchFamily="2" charset="2"/>
+                        <a:defRPr sz="2600">
+                          <a:solidFill>
+                            <a:schemeClr val="tx1"/>
+                          </a:solidFill>
+                          <a:latin typeface="Arial" panose="020B0604020202020204" pitchFamily="34" charset="0"/>
+                        </a:defRPr>
+                      </a:lvl1pPr>
+                      <a:lvl2pPr marL="344488">
+                        <a:spcBef>
+                          <a:spcPct val="20000"/>
+                        </a:spcBef>
+                        <a:buClr>
+                          <a:schemeClr val="accent2"/>
+                        </a:buClr>
+                        <a:buSzPct val="70000"/>
+                        <a:buFont typeface="Wingdings" panose="05000000000000000000" pitchFamily="2" charset="2"/>
+                        <a:defRPr sz="2200">
+                          <a:solidFill>
+                            <a:schemeClr val="tx1"/>
+                          </a:solidFill>
+                          <a:latin typeface="Arial" panose="020B0604020202020204" pitchFamily="34" charset="0"/>
+                        </a:defRPr>
+                      </a:lvl2pPr>
+                      <a:lvl3pPr marL="693738">
+                        <a:spcBef>
+                          <a:spcPct val="20000"/>
+                        </a:spcBef>
+                        <a:buClr>
+                          <a:schemeClr val="accent1"/>
+                        </a:buClr>
+                        <a:buSzPct val="70000"/>
+                        <a:buFont typeface="Wingdings" panose="05000000000000000000" pitchFamily="2" charset="2"/>
+                        <a:defRPr sz="2100">
+                          <a:solidFill>
+                            <a:schemeClr val="tx1"/>
+                          </a:solidFill>
+                          <a:latin typeface="Arial" panose="020B0604020202020204" pitchFamily="34" charset="0"/>
+                        </a:defRPr>
+                      </a:lvl3pPr>
+                      <a:lvl4pPr marL="989013">
+                        <a:spcBef>
+                          <a:spcPct val="20000"/>
+                        </a:spcBef>
+                        <a:buClr>
+                          <a:schemeClr val="tx2"/>
+                        </a:buClr>
+                        <a:buSzPct val="75000"/>
+                        <a:buFont typeface="Wingdings" panose="05000000000000000000" pitchFamily="2" charset="2"/>
+                        <a:defRPr>
+                          <a:solidFill>
+                            <a:schemeClr val="tx1"/>
+                          </a:solidFill>
+                          <a:latin typeface="Arial" panose="020B0604020202020204" pitchFamily="34" charset="0"/>
+                        </a:defRPr>
+                      </a:lvl4pPr>
+                      <a:lvl5pPr marL="1282700">
+                        <a:spcBef>
+                          <a:spcPct val="20000"/>
+                        </a:spcBef>
+                        <a:buClr>
+                          <a:schemeClr val="folHlink"/>
+                        </a:buClr>
+                        <a:buSzPct val="80000"/>
+                        <a:buFont typeface="Wingdings" panose="05000000000000000000" pitchFamily="2" charset="2"/>
+                        <a:defRPr>
+                          <a:solidFill>
+                            <a:schemeClr val="tx1"/>
+                          </a:solidFill>
+                          <a:latin typeface="Arial" panose="020B0604020202020204" pitchFamily="34" charset="0"/>
+                        </a:defRPr>
+                      </a:lvl5pPr>
+                      <a:lvl6pPr marL="1739900" fontAlgn="base">
+                        <a:spcBef>
+                          <a:spcPct val="20000"/>
+                        </a:spcBef>
+                        <a:spcAft>
+                          <a:spcPct val="0"/>
+                        </a:spcAft>
+                        <a:buClr>
+                          <a:schemeClr val="folHlink"/>
+                        </a:buClr>
+                        <a:buSzPct val="80000"/>
+                        <a:buFont typeface="Wingdings" panose="05000000000000000000" pitchFamily="2" charset="2"/>
+                        <a:defRPr>
+                          <a:solidFill>
+                            <a:schemeClr val="tx1"/>
+                          </a:solidFill>
+                          <a:latin typeface="Arial" panose="020B0604020202020204" pitchFamily="34" charset="0"/>
+                        </a:defRPr>
+                      </a:lvl6pPr>
+                      <a:lvl7pPr marL="2197100" fontAlgn="base">
+                        <a:spcBef>
+                          <a:spcPct val="20000"/>
+                        </a:spcBef>
+                        <a:spcAft>
+                          <a:spcPct val="0"/>
+                        </a:spcAft>
+                        <a:buClr>
+                          <a:schemeClr val="folHlink"/>
+                        </a:buClr>
+                        <a:buSzPct val="80000"/>
+                        <a:buFont typeface="Wingdings" panose="05000000000000000000" pitchFamily="2" charset="2"/>
+                        <a:defRPr>
+                          <a:solidFill>
+                            <a:schemeClr val="tx1"/>
+                          </a:solidFill>
+                          <a:latin typeface="Arial" panose="020B0604020202020204" pitchFamily="34" charset="0"/>
+                        </a:defRPr>
+                      </a:lvl7pPr>
+                      <a:lvl8pPr marL="2654300" fontAlgn="base">
+                        <a:spcBef>
+                          <a:spcPct val="20000"/>
+                        </a:spcBef>
+                        <a:spcAft>
+                          <a:spcPct val="0"/>
+                        </a:spcAft>
+                        <a:buClr>
+                          <a:schemeClr val="folHlink"/>
+                        </a:buClr>
+                        <a:buSzPct val="80000"/>
+                        <a:buFont typeface="Wingdings" panose="05000000000000000000" pitchFamily="2" charset="2"/>
+                        <a:defRPr>
+                          <a:solidFill>
+                            <a:schemeClr val="tx1"/>
+                          </a:solidFill>
+                          <a:latin typeface="Arial" panose="020B0604020202020204" pitchFamily="34" charset="0"/>
+                        </a:defRPr>
+                      </a:lvl8pPr>
+                      <a:lvl9pPr marL="3111500" fontAlgn="base">
+                        <a:spcBef>
+                          <a:spcPct val="20000"/>
+                        </a:spcBef>
+                        <a:spcAft>
+                          <a:spcPct val="0"/>
+                        </a:spcAft>
+                        <a:buClr>
+                          <a:schemeClr val="folHlink"/>
+                        </a:buClr>
+                        <a:buSzPct val="80000"/>
+                        <a:buFont typeface="Wingdings" panose="05000000000000000000" pitchFamily="2" charset="2"/>
+                        <a:defRPr>
+                          <a:solidFill>
+                            <a:schemeClr val="tx1"/>
+                          </a:solidFill>
+                          <a:latin typeface="Arial" panose="020B0604020202020204" pitchFamily="34" charset="0"/>
+                        </a:defRPr>
+                      </a:lvl9pPr>
+                    </a:lstStyle>
+                    <a:p>
+                      <a:pPr marL="0" marR="0" lvl="0" indent="0" algn="l" defTabSz="914400" rtl="0" eaLnBrk="1" fontAlgn="base" latinLnBrk="0" hangingPunct="1">
+                        <a:lnSpc>
+                          <a:spcPct val="100000"/>
+                        </a:lnSpc>
+                        <a:spcBef>
+                          <a:spcPct val="20000"/>
+                        </a:spcBef>
+                        <a:spcAft>
+                          <a:spcPct val="0"/>
+                        </a:spcAft>
+                        <a:buClr>
+                          <a:schemeClr val="tx2"/>
+                        </a:buClr>
+                        <a:buSzPct val="70000"/>
+                        <a:buFont typeface="Wingdings" panose="05000000000000000000" pitchFamily="2" charset="2"/>
+                        <a:buNone/>
+                        <a:tabLst/>
+                      </a:pPr>
+                      <a:r>
+                        <a:rPr kumimoji="0" lang="en-US" altLang="ru-RU" sz="1800" b="0" i="0" u="none" strike="noStrike" cap="none" normalizeH="0" baseline="0" dirty="0" smtClean="0">
+                          <a:ln>
+                            <a:noFill/>
+                          </a:ln>
+                          <a:solidFill>
+                            <a:schemeClr val="accent2">
+                              <a:lumMod val="50000"/>
+                            </a:schemeClr>
+                          </a:solidFill>
+                          <a:effectLst/>
+                          <a:latin typeface="Arial" panose="020B0604020202020204" pitchFamily="34" charset="0"/>
+                        </a:rPr>
+                        <a:t>x1;y1</a:t>
+                      </a:r>
+                      <a:endParaRPr kumimoji="0" lang="ru-RU" altLang="ru-RU" sz="1800" b="0" i="0" u="none" strike="noStrike" cap="none" normalizeH="0" baseline="0" dirty="0" smtClean="0">
+                        <a:ln>
+                          <a:noFill/>
+                        </a:ln>
+                        <a:solidFill>
+                          <a:schemeClr val="accent2">
+                            <a:lumMod val="50000"/>
+                          </a:schemeClr>
+                        </a:solidFill>
+                        <a:effectLst/>
+                        <a:latin typeface="Arial" panose="020B0604020202020204" pitchFamily="34" charset="0"/>
+                      </a:endParaRPr>
+                    </a:p>
+                  </a:txBody>
+                  <a:tcPr horzOverflow="overflow">
+                    <a:lnL w="28575" cap="flat" cmpd="sng" algn="ctr">
+                      <a:solidFill>
+                        <a:schemeClr val="tx1"/>
+                      </a:solidFill>
+                      <a:prstDash val="solid"/>
+                      <a:round/>
+                      <a:headEnd type="none" w="med" len="med"/>
+                      <a:tailEnd type="none" w="med" len="med"/>
+                    </a:lnL>
+                    <a:lnR w="12700" cap="flat" cmpd="sng" algn="ctr">
+                      <a:solidFill>
+                        <a:schemeClr val="tx1"/>
+                      </a:solidFill>
+                      <a:prstDash val="solid"/>
+                      <a:round/>
+                      <a:headEnd type="none" w="med" len="med"/>
+                      <a:tailEnd type="none" w="med" len="med"/>
+                    </a:lnR>
+                    <a:lnT w="12700" cap="flat" cmpd="sng" algn="ctr">
+                      <a:solidFill>
+                        <a:schemeClr val="tx1"/>
+                      </a:solidFill>
+                      <a:prstDash val="solid"/>
+                      <a:round/>
+                      <a:headEnd type="none" w="med" len="med"/>
+                      <a:tailEnd type="none" w="med" len="med"/>
+                    </a:lnT>
+                    <a:lnB w="28575" cap="flat" cmpd="sng" algn="ctr">
+                      <a:solidFill>
+                        <a:schemeClr val="tx1"/>
+                      </a:solidFill>
+                      <a:prstDash val="solid"/>
+                      <a:round/>
+                      <a:headEnd type="none" w="med" len="med"/>
+                      <a:tailEnd type="none" w="med" len="med"/>
+                    </a:lnB>
+                    <a:lnTlToBr>
+                      <a:noFill/>
+                    </a:lnTlToBr>
+                    <a:lnBlToTr>
+                      <a:noFill/>
+                    </a:lnBlToTr>
+                    <a:noFill/>
+                  </a:tcPr>
+                </a:tc>
+                <a:tc>
+                  <a:txBody>
+                    <a:bodyPr/>
+                    <a:lstStyle>
+                      <a:lvl1pPr>
+                        <a:spcBef>
+                          <a:spcPct val="20000"/>
+                        </a:spcBef>
+                        <a:buClr>
+                          <a:schemeClr val="tx2"/>
+                        </a:buClr>
+                        <a:buSzPct val="70000"/>
+                        <a:buFont typeface="Wingdings" panose="05000000000000000000" pitchFamily="2" charset="2"/>
+                        <a:defRPr sz="2600">
+                          <a:solidFill>
+                            <a:schemeClr val="tx1"/>
+                          </a:solidFill>
+                          <a:latin typeface="Arial" panose="020B0604020202020204" pitchFamily="34" charset="0"/>
+                        </a:defRPr>
+                      </a:lvl1pPr>
+                      <a:lvl2pPr marL="344488">
+                        <a:spcBef>
+                          <a:spcPct val="20000"/>
+                        </a:spcBef>
+                        <a:buClr>
+                          <a:schemeClr val="accent2"/>
+                        </a:buClr>
+                        <a:buSzPct val="70000"/>
+                        <a:buFont typeface="Wingdings" panose="05000000000000000000" pitchFamily="2" charset="2"/>
+                        <a:defRPr sz="2200">
+                          <a:solidFill>
+                            <a:schemeClr val="tx1"/>
+                          </a:solidFill>
+                          <a:latin typeface="Arial" panose="020B0604020202020204" pitchFamily="34" charset="0"/>
+                        </a:defRPr>
+                      </a:lvl2pPr>
+                      <a:lvl3pPr marL="693738">
+                        <a:spcBef>
+                          <a:spcPct val="20000"/>
+                        </a:spcBef>
+                        <a:buClr>
+                          <a:schemeClr val="accent1"/>
+                        </a:buClr>
+                        <a:buSzPct val="70000"/>
+                        <a:buFont typeface="Wingdings" panose="05000000000000000000" pitchFamily="2" charset="2"/>
+                        <a:defRPr sz="2100">
+                          <a:solidFill>
+                            <a:schemeClr val="tx1"/>
+                          </a:solidFill>
+                          <a:latin typeface="Arial" panose="020B0604020202020204" pitchFamily="34" charset="0"/>
+                        </a:defRPr>
+                      </a:lvl3pPr>
+                      <a:lvl4pPr marL="989013">
+                        <a:spcBef>
+                          <a:spcPct val="20000"/>
+                        </a:spcBef>
+                        <a:buClr>
+                          <a:schemeClr val="tx2"/>
+                        </a:buClr>
+                        <a:buSzPct val="75000"/>
+                        <a:buFont typeface="Wingdings" panose="05000000000000000000" pitchFamily="2" charset="2"/>
+                        <a:defRPr>
+                          <a:solidFill>
+                            <a:schemeClr val="tx1"/>
+                          </a:solidFill>
+                          <a:latin typeface="Arial" panose="020B0604020202020204" pitchFamily="34" charset="0"/>
+                        </a:defRPr>
+                      </a:lvl4pPr>
+                      <a:lvl5pPr marL="1282700">
+                        <a:spcBef>
+                          <a:spcPct val="20000"/>
+                        </a:spcBef>
+                        <a:buClr>
+                          <a:schemeClr val="folHlink"/>
+                        </a:buClr>
+                        <a:buSzPct val="80000"/>
+                        <a:buFont typeface="Wingdings" panose="05000000000000000000" pitchFamily="2" charset="2"/>
+                        <a:defRPr>
+                          <a:solidFill>
+                            <a:schemeClr val="tx1"/>
+                          </a:solidFill>
+                          <a:latin typeface="Arial" panose="020B0604020202020204" pitchFamily="34" charset="0"/>
+                        </a:defRPr>
+                      </a:lvl5pPr>
+                      <a:lvl6pPr marL="1739900" fontAlgn="base">
+                        <a:spcBef>
+                          <a:spcPct val="20000"/>
+                        </a:spcBef>
+                        <a:spcAft>
+                          <a:spcPct val="0"/>
+                        </a:spcAft>
+                        <a:buClr>
+                          <a:schemeClr val="folHlink"/>
+                        </a:buClr>
+                        <a:buSzPct val="80000"/>
+                        <a:buFont typeface="Wingdings" panose="05000000000000000000" pitchFamily="2" charset="2"/>
+                        <a:defRPr>
+                          <a:solidFill>
+                            <a:schemeClr val="tx1"/>
+                          </a:solidFill>
+                          <a:latin typeface="Arial" panose="020B0604020202020204" pitchFamily="34" charset="0"/>
+                        </a:defRPr>
+                      </a:lvl6pPr>
+                      <a:lvl7pPr marL="2197100" fontAlgn="base">
+                        <a:spcBef>
+                          <a:spcPct val="20000"/>
+                        </a:spcBef>
+                        <a:spcAft>
+                          <a:spcPct val="0"/>
+                        </a:spcAft>
+                        <a:buClr>
+                          <a:schemeClr val="folHlink"/>
+                        </a:buClr>
+                        <a:buSzPct val="80000"/>
+                        <a:buFont typeface="Wingdings" panose="05000000000000000000" pitchFamily="2" charset="2"/>
+                        <a:defRPr>
+                          <a:solidFill>
+                            <a:schemeClr val="tx1"/>
+                          </a:solidFill>
+                          <a:latin typeface="Arial" panose="020B0604020202020204" pitchFamily="34" charset="0"/>
+                        </a:defRPr>
+                      </a:lvl7pPr>
+                      <a:lvl8pPr marL="2654300" fontAlgn="base">
+                        <a:spcBef>
+                          <a:spcPct val="20000"/>
+                        </a:spcBef>
+                        <a:spcAft>
+                          <a:spcPct val="0"/>
+                        </a:spcAft>
+                        <a:buClr>
+                          <a:schemeClr val="folHlink"/>
+                        </a:buClr>
+                        <a:buSzPct val="80000"/>
+                        <a:buFont typeface="Wingdings" panose="05000000000000000000" pitchFamily="2" charset="2"/>
+                        <a:defRPr>
+                          <a:solidFill>
+                            <a:schemeClr val="tx1"/>
+                          </a:solidFill>
+                          <a:latin typeface="Arial" panose="020B0604020202020204" pitchFamily="34" charset="0"/>
+                        </a:defRPr>
+                      </a:lvl8pPr>
+                      <a:lvl9pPr marL="3111500" fontAlgn="base">
+                        <a:spcBef>
+                          <a:spcPct val="20000"/>
+                        </a:spcBef>
+                        <a:spcAft>
+                          <a:spcPct val="0"/>
+                        </a:spcAft>
+                        <a:buClr>
+                          <a:schemeClr val="folHlink"/>
+                        </a:buClr>
+                        <a:buSzPct val="80000"/>
+                        <a:buFont typeface="Wingdings" panose="05000000000000000000" pitchFamily="2" charset="2"/>
+                        <a:defRPr>
+                          <a:solidFill>
+                            <a:schemeClr val="tx1"/>
+                          </a:solidFill>
+                          <a:latin typeface="Arial" panose="020B0604020202020204" pitchFamily="34" charset="0"/>
+                        </a:defRPr>
+                      </a:lvl9pPr>
+                    </a:lstStyle>
+                    <a:p>
+                      <a:pPr marL="0" marR="0" lvl="0" indent="0" algn="l" defTabSz="914400" rtl="0" eaLnBrk="1" fontAlgn="base" latinLnBrk="0" hangingPunct="1">
+                        <a:lnSpc>
+                          <a:spcPct val="100000"/>
+                        </a:lnSpc>
+                        <a:spcBef>
+                          <a:spcPct val="20000"/>
+                        </a:spcBef>
+                        <a:spcAft>
+                          <a:spcPct val="0"/>
+                        </a:spcAft>
+                        <a:buClr>
+                          <a:schemeClr val="tx2"/>
+                        </a:buClr>
+                        <a:buSzPct val="70000"/>
+                        <a:buFont typeface="Wingdings" panose="05000000000000000000" pitchFamily="2" charset="2"/>
+                        <a:buNone/>
+                        <a:tabLst/>
+                      </a:pPr>
+                      <a:r>
+                        <a:rPr kumimoji="0" lang="en-US" altLang="ru-RU" sz="1800" b="0" i="0" u="none" strike="noStrike" cap="none" normalizeH="0" baseline="0" smtClean="0">
+                          <a:ln>
+                            <a:noFill/>
+                          </a:ln>
+                          <a:solidFill>
+                            <a:schemeClr val="accent2">
+                              <a:lumMod val="50000"/>
+                            </a:schemeClr>
+                          </a:solidFill>
+                          <a:effectLst/>
+                          <a:latin typeface="Arial" panose="020B0604020202020204" pitchFamily="34" charset="0"/>
+                        </a:rPr>
+                        <a:t>x2;y2</a:t>
+                      </a:r>
+                      <a:endParaRPr kumimoji="0" lang="ru-RU" altLang="ru-RU" sz="1800" b="0" i="0" u="none" strike="noStrike" cap="none" normalizeH="0" baseline="0" smtClean="0">
+                        <a:ln>
+                          <a:noFill/>
+                        </a:ln>
+                        <a:solidFill>
+                          <a:schemeClr val="accent2">
+                            <a:lumMod val="50000"/>
+                          </a:schemeClr>
+                        </a:solidFill>
+                        <a:effectLst/>
+                        <a:latin typeface="Arial" panose="020B0604020202020204" pitchFamily="34" charset="0"/>
+                      </a:endParaRPr>
+                    </a:p>
+                  </a:txBody>
+                  <a:tcPr horzOverflow="overflow">
+                    <a:lnL w="12700" cap="flat" cmpd="sng" algn="ctr">
+                      <a:solidFill>
+                        <a:schemeClr val="tx1"/>
+                      </a:solidFill>
+                      <a:prstDash val="solid"/>
+                      <a:round/>
+                      <a:headEnd type="none" w="med" len="med"/>
+                      <a:tailEnd type="none" w="med" len="med"/>
+                    </a:lnL>
+                    <a:lnR w="12700" cap="flat" cmpd="sng" algn="ctr">
+                      <a:solidFill>
+                        <a:schemeClr val="tx1"/>
+                      </a:solidFill>
+                      <a:prstDash val="solid"/>
+                      <a:round/>
+                      <a:headEnd type="none" w="med" len="med"/>
+                      <a:tailEnd type="none" w="med" len="med"/>
+                    </a:lnR>
+                    <a:lnT w="12700" cap="flat" cmpd="sng" algn="ctr">
+                      <a:solidFill>
+                        <a:schemeClr val="tx1"/>
+                      </a:solidFill>
+                      <a:prstDash val="solid"/>
+                      <a:round/>
+                      <a:headEnd type="none" w="med" len="med"/>
+                      <a:tailEnd type="none" w="med" len="med"/>
+                    </a:lnT>
+                    <a:lnB w="28575" cap="flat" cmpd="sng" algn="ctr">
+                      <a:solidFill>
+                        <a:schemeClr val="tx1"/>
+                      </a:solidFill>
+                      <a:prstDash val="solid"/>
+                      <a:round/>
+                      <a:headEnd type="none" w="med" len="med"/>
+                      <a:tailEnd type="none" w="med" len="med"/>
+                    </a:lnB>
+                    <a:lnTlToBr>
+                      <a:noFill/>
+                    </a:lnTlToBr>
+                    <a:lnBlToTr>
+                      <a:noFill/>
+                    </a:lnBlToTr>
+                    <a:noFill/>
+                  </a:tcPr>
+                </a:tc>
+                <a:tc>
+                  <a:txBody>
+                    <a:bodyPr/>
+                    <a:lstStyle>
+                      <a:lvl1pPr>
+                        <a:spcBef>
+                          <a:spcPct val="20000"/>
+                        </a:spcBef>
+                        <a:buClr>
+                          <a:schemeClr val="tx2"/>
+                        </a:buClr>
+                        <a:buSzPct val="70000"/>
+                        <a:buFont typeface="Wingdings" panose="05000000000000000000" pitchFamily="2" charset="2"/>
+                        <a:defRPr sz="2600">
+                          <a:solidFill>
+                            <a:schemeClr val="tx1"/>
+                          </a:solidFill>
+                          <a:latin typeface="Arial" panose="020B0604020202020204" pitchFamily="34" charset="0"/>
+                        </a:defRPr>
+                      </a:lvl1pPr>
+                      <a:lvl2pPr marL="344488">
+                        <a:spcBef>
+                          <a:spcPct val="20000"/>
+                        </a:spcBef>
+                        <a:buClr>
+                          <a:schemeClr val="accent2"/>
+                        </a:buClr>
+                        <a:buSzPct val="70000"/>
+                        <a:buFont typeface="Wingdings" panose="05000000000000000000" pitchFamily="2" charset="2"/>
+                        <a:defRPr sz="2200">
+                          <a:solidFill>
+                            <a:schemeClr val="tx1"/>
+                          </a:solidFill>
+                          <a:latin typeface="Arial" panose="020B0604020202020204" pitchFamily="34" charset="0"/>
+                        </a:defRPr>
+                      </a:lvl2pPr>
+                      <a:lvl3pPr marL="693738">
+                        <a:spcBef>
+                          <a:spcPct val="20000"/>
+                        </a:spcBef>
+                        <a:buClr>
+                          <a:schemeClr val="accent1"/>
+                        </a:buClr>
+                        <a:buSzPct val="70000"/>
+                        <a:buFont typeface="Wingdings" panose="05000000000000000000" pitchFamily="2" charset="2"/>
+                        <a:defRPr sz="2100">
+                          <a:solidFill>
+                            <a:schemeClr val="tx1"/>
+                          </a:solidFill>
+                          <a:latin typeface="Arial" panose="020B0604020202020204" pitchFamily="34" charset="0"/>
+                        </a:defRPr>
+                      </a:lvl3pPr>
+                      <a:lvl4pPr marL="989013">
+                        <a:spcBef>
+                          <a:spcPct val="20000"/>
+                        </a:spcBef>
+                        <a:buClr>
+                          <a:schemeClr val="tx2"/>
+                        </a:buClr>
+                        <a:buSzPct val="75000"/>
+                        <a:buFont typeface="Wingdings" panose="05000000000000000000" pitchFamily="2" charset="2"/>
+                        <a:defRPr>
+                          <a:solidFill>
+                            <a:schemeClr val="tx1"/>
+                          </a:solidFill>
+                          <a:latin typeface="Arial" panose="020B0604020202020204" pitchFamily="34" charset="0"/>
+                        </a:defRPr>
+                      </a:lvl4pPr>
+                      <a:lvl5pPr marL="1282700">
+                        <a:spcBef>
+                          <a:spcPct val="20000"/>
+                        </a:spcBef>
+                        <a:buClr>
+                          <a:schemeClr val="folHlink"/>
+                        </a:buClr>
+                        <a:buSzPct val="80000"/>
+                        <a:buFont typeface="Wingdings" panose="05000000000000000000" pitchFamily="2" charset="2"/>
+                        <a:defRPr>
+                          <a:solidFill>
+                            <a:schemeClr val="tx1"/>
+                          </a:solidFill>
+                          <a:latin typeface="Arial" panose="020B0604020202020204" pitchFamily="34" charset="0"/>
+                        </a:defRPr>
+                      </a:lvl5pPr>
+                      <a:lvl6pPr marL="1739900" fontAlgn="base">
+                        <a:spcBef>
+                          <a:spcPct val="20000"/>
+                        </a:spcBef>
+                        <a:spcAft>
+                          <a:spcPct val="0"/>
+                        </a:spcAft>
+                        <a:buClr>
+                          <a:schemeClr val="folHlink"/>
+                        </a:buClr>
+                        <a:buSzPct val="80000"/>
+                        <a:buFont typeface="Wingdings" panose="05000000000000000000" pitchFamily="2" charset="2"/>
+                        <a:defRPr>
+                          <a:solidFill>
+                            <a:schemeClr val="tx1"/>
+                          </a:solidFill>
+                          <a:latin typeface="Arial" panose="020B0604020202020204" pitchFamily="34" charset="0"/>
+                        </a:defRPr>
+                      </a:lvl6pPr>
+                      <a:lvl7pPr marL="2197100" fontAlgn="base">
+                        <a:spcBef>
+                          <a:spcPct val="20000"/>
+                        </a:spcBef>
+                        <a:spcAft>
+                          <a:spcPct val="0"/>
+                        </a:spcAft>
+                        <a:buClr>
+                          <a:schemeClr val="folHlink"/>
+                        </a:buClr>
+                        <a:buSzPct val="80000"/>
+                        <a:buFont typeface="Wingdings" panose="05000000000000000000" pitchFamily="2" charset="2"/>
+                        <a:defRPr>
+                          <a:solidFill>
+                            <a:schemeClr val="tx1"/>
+                          </a:solidFill>
+                          <a:latin typeface="Arial" panose="020B0604020202020204" pitchFamily="34" charset="0"/>
+                        </a:defRPr>
+                      </a:lvl7pPr>
+                      <a:lvl8pPr marL="2654300" fontAlgn="base">
+                        <a:spcBef>
+                          <a:spcPct val="20000"/>
+                        </a:spcBef>
+                        <a:spcAft>
+                          <a:spcPct val="0"/>
+                        </a:spcAft>
+                        <a:buClr>
+                          <a:schemeClr val="folHlink"/>
+                        </a:buClr>
+                        <a:buSzPct val="80000"/>
+                        <a:buFont typeface="Wingdings" panose="05000000000000000000" pitchFamily="2" charset="2"/>
+                        <a:defRPr>
+                          <a:solidFill>
+                            <a:schemeClr val="tx1"/>
+                          </a:solidFill>
+                          <a:latin typeface="Arial" panose="020B0604020202020204" pitchFamily="34" charset="0"/>
+                        </a:defRPr>
+                      </a:lvl8pPr>
+                      <a:lvl9pPr marL="3111500" fontAlgn="base">
+                        <a:spcBef>
+                          <a:spcPct val="20000"/>
+                        </a:spcBef>
+                        <a:spcAft>
+                          <a:spcPct val="0"/>
+                        </a:spcAft>
+                        <a:buClr>
+                          <a:schemeClr val="folHlink"/>
+                        </a:buClr>
+                        <a:buSzPct val="80000"/>
+                        <a:buFont typeface="Wingdings" panose="05000000000000000000" pitchFamily="2" charset="2"/>
+                        <a:defRPr>
+                          <a:solidFill>
+                            <a:schemeClr val="tx1"/>
+                          </a:solidFill>
+                          <a:latin typeface="Arial" panose="020B0604020202020204" pitchFamily="34" charset="0"/>
+                        </a:defRPr>
+                      </a:lvl9pPr>
+                    </a:lstStyle>
+                    <a:p>
+                      <a:pPr marL="0" marR="0" lvl="0" indent="0" algn="l" defTabSz="914400" rtl="0" eaLnBrk="1" fontAlgn="base" latinLnBrk="0" hangingPunct="1">
+                        <a:lnSpc>
+                          <a:spcPct val="100000"/>
+                        </a:lnSpc>
+                        <a:spcBef>
+                          <a:spcPct val="20000"/>
+                        </a:spcBef>
+                        <a:spcAft>
+                          <a:spcPct val="0"/>
+                        </a:spcAft>
+                        <a:buClr>
+                          <a:schemeClr val="tx2"/>
+                        </a:buClr>
+                        <a:buSzPct val="70000"/>
+                        <a:buFont typeface="Wingdings" panose="05000000000000000000" pitchFamily="2" charset="2"/>
+                        <a:buNone/>
+                        <a:tabLst/>
+                      </a:pPr>
+                      <a:r>
+                        <a:rPr kumimoji="0" lang="en-US" altLang="ru-RU" sz="1800" b="0" i="0" u="none" strike="noStrike" cap="none" normalizeH="0" baseline="0" dirty="0" smtClean="0">
+                          <a:ln>
+                            <a:noFill/>
+                          </a:ln>
+                          <a:solidFill>
+                            <a:schemeClr val="accent2">
+                              <a:lumMod val="50000"/>
+                            </a:schemeClr>
+                          </a:solidFill>
+                          <a:effectLst/>
+                          <a:latin typeface="Arial" panose="020B0604020202020204" pitchFamily="34" charset="0"/>
+                        </a:rPr>
+                        <a:t>x3;y3</a:t>
+                      </a:r>
+                      <a:endParaRPr kumimoji="0" lang="ru-RU" altLang="ru-RU" sz="1800" b="0" i="0" u="none" strike="noStrike" cap="none" normalizeH="0" baseline="0" dirty="0" smtClean="0">
+                        <a:ln>
+                          <a:noFill/>
+                        </a:ln>
+                        <a:solidFill>
+                          <a:schemeClr val="accent2">
+                            <a:lumMod val="50000"/>
+                          </a:schemeClr>
+                        </a:solidFill>
+                        <a:effectLst/>
+                        <a:latin typeface="Arial" panose="020B0604020202020204" pitchFamily="34" charset="0"/>
+                      </a:endParaRPr>
+                    </a:p>
+                  </a:txBody>
+                  <a:tcPr horzOverflow="overflow">
+                    <a:lnL w="12700" cap="flat" cmpd="sng" algn="ctr">
+                      <a:solidFill>
+                        <a:schemeClr val="tx1"/>
+                      </a:solidFill>
+                      <a:prstDash val="solid"/>
+                      <a:round/>
+                      <a:headEnd type="none" w="med" len="med"/>
+                      <a:tailEnd type="none" w="med" len="med"/>
+                    </a:lnL>
+                    <a:lnR w="12700" cap="flat" cmpd="sng" algn="ctr">
+                      <a:solidFill>
+                        <a:schemeClr val="tx1"/>
+                      </a:solidFill>
+                      <a:prstDash val="solid"/>
+                      <a:round/>
+                      <a:headEnd type="none" w="med" len="med"/>
+                      <a:tailEnd type="none" w="med" len="med"/>
+                    </a:lnR>
+                    <a:lnT w="12700" cap="flat" cmpd="sng" algn="ctr">
+                      <a:solidFill>
+                        <a:schemeClr val="tx1"/>
+                      </a:solidFill>
+                      <a:prstDash val="solid"/>
+                      <a:round/>
+                      <a:headEnd type="none" w="med" len="med"/>
+                      <a:tailEnd type="none" w="med" len="med"/>
+                    </a:lnT>
+                    <a:lnB w="28575" cap="flat" cmpd="sng" algn="ctr">
+                      <a:solidFill>
+                        <a:schemeClr val="tx1"/>
+                      </a:solidFill>
+                      <a:prstDash val="solid"/>
+                      <a:round/>
+                      <a:headEnd type="none" w="med" len="med"/>
+                      <a:tailEnd type="none" w="med" len="med"/>
+                    </a:lnB>
+                    <a:lnTlToBr>
+                      <a:noFill/>
+                    </a:lnTlToBr>
+                    <a:lnBlToTr>
+                      <a:noFill/>
+                    </a:lnBlToTr>
+                    <a:noFill/>
+                  </a:tcPr>
+                </a:tc>
+                <a:tc>
+                  <a:txBody>
+                    <a:bodyPr/>
+                    <a:lstStyle>
+                      <a:lvl1pPr>
+                        <a:spcBef>
+                          <a:spcPct val="20000"/>
+                        </a:spcBef>
+                        <a:buClr>
+                          <a:schemeClr val="tx2"/>
+                        </a:buClr>
+                        <a:buSzPct val="70000"/>
+                        <a:buFont typeface="Wingdings" panose="05000000000000000000" pitchFamily="2" charset="2"/>
+                        <a:defRPr sz="2600">
+                          <a:solidFill>
+                            <a:schemeClr val="tx1"/>
+                          </a:solidFill>
+                          <a:latin typeface="Arial" panose="020B0604020202020204" pitchFamily="34" charset="0"/>
+                        </a:defRPr>
+                      </a:lvl1pPr>
+                      <a:lvl2pPr marL="344488">
+                        <a:spcBef>
+                          <a:spcPct val="20000"/>
+                        </a:spcBef>
+                        <a:buClr>
+                          <a:schemeClr val="accent2"/>
+                        </a:buClr>
+                        <a:buSzPct val="70000"/>
+                        <a:buFont typeface="Wingdings" panose="05000000000000000000" pitchFamily="2" charset="2"/>
+                        <a:defRPr sz="2200">
+                          <a:solidFill>
+                            <a:schemeClr val="tx1"/>
+                          </a:solidFill>
+                          <a:latin typeface="Arial" panose="020B0604020202020204" pitchFamily="34" charset="0"/>
+                        </a:defRPr>
+                      </a:lvl2pPr>
+                      <a:lvl3pPr marL="693738">
+                        <a:spcBef>
+                          <a:spcPct val="20000"/>
+                        </a:spcBef>
+                        <a:buClr>
+                          <a:schemeClr val="accent1"/>
+                        </a:buClr>
+                        <a:buSzPct val="70000"/>
+                        <a:buFont typeface="Wingdings" panose="05000000000000000000" pitchFamily="2" charset="2"/>
+                        <a:defRPr sz="2100">
+                          <a:solidFill>
+                            <a:schemeClr val="tx1"/>
+                          </a:solidFill>
+                          <a:latin typeface="Arial" panose="020B0604020202020204" pitchFamily="34" charset="0"/>
+                        </a:defRPr>
+                      </a:lvl3pPr>
+                      <a:lvl4pPr marL="989013">
+                        <a:spcBef>
+                          <a:spcPct val="20000"/>
+                        </a:spcBef>
+                        <a:buClr>
+                          <a:schemeClr val="tx2"/>
+                        </a:buClr>
+                        <a:buSzPct val="75000"/>
+                        <a:buFont typeface="Wingdings" panose="05000000000000000000" pitchFamily="2" charset="2"/>
+                        <a:defRPr>
+                          <a:solidFill>
+                            <a:schemeClr val="tx1"/>
+                          </a:solidFill>
+                          <a:latin typeface="Arial" panose="020B0604020202020204" pitchFamily="34" charset="0"/>
+                        </a:defRPr>
+                      </a:lvl4pPr>
+                      <a:lvl5pPr marL="1282700">
+                        <a:spcBef>
+                          <a:spcPct val="20000"/>
+                        </a:spcBef>
+                        <a:buClr>
+                          <a:schemeClr val="folHlink"/>
+                        </a:buClr>
+                        <a:buSzPct val="80000"/>
+                        <a:buFont typeface="Wingdings" panose="05000000000000000000" pitchFamily="2" charset="2"/>
+                        <a:defRPr>
+                          <a:solidFill>
+                            <a:schemeClr val="tx1"/>
+                          </a:solidFill>
+                          <a:latin typeface="Arial" panose="020B0604020202020204" pitchFamily="34" charset="0"/>
+                        </a:defRPr>
+                      </a:lvl5pPr>
+                      <a:lvl6pPr marL="1739900" fontAlgn="base">
+                        <a:spcBef>
+                          <a:spcPct val="20000"/>
+                        </a:spcBef>
+                        <a:spcAft>
+                          <a:spcPct val="0"/>
+                        </a:spcAft>
+                        <a:buClr>
+                          <a:schemeClr val="folHlink"/>
+                        </a:buClr>
+                        <a:buSzPct val="80000"/>
+                        <a:buFont typeface="Wingdings" panose="05000000000000000000" pitchFamily="2" charset="2"/>
+                        <a:defRPr>
+                          <a:solidFill>
+                            <a:schemeClr val="tx1"/>
+                          </a:solidFill>
+                          <a:latin typeface="Arial" panose="020B0604020202020204" pitchFamily="34" charset="0"/>
+                        </a:defRPr>
+                      </a:lvl6pPr>
+                      <a:lvl7pPr marL="2197100" fontAlgn="base">
+                        <a:spcBef>
+                          <a:spcPct val="20000"/>
+                        </a:spcBef>
+                        <a:spcAft>
+                          <a:spcPct val="0"/>
+                        </a:spcAft>
+                        <a:buClr>
+                          <a:schemeClr val="folHlink"/>
+                        </a:buClr>
+                        <a:buSzPct val="80000"/>
+                        <a:buFont typeface="Wingdings" panose="05000000000000000000" pitchFamily="2" charset="2"/>
+                        <a:defRPr>
+                          <a:solidFill>
+                            <a:schemeClr val="tx1"/>
+                          </a:solidFill>
+                          <a:latin typeface="Arial" panose="020B0604020202020204" pitchFamily="34" charset="0"/>
+                        </a:defRPr>
+                      </a:lvl7pPr>
+                      <a:lvl8pPr marL="2654300" fontAlgn="base">
+                        <a:spcBef>
+                          <a:spcPct val="20000"/>
+                        </a:spcBef>
+                        <a:spcAft>
+                          <a:spcPct val="0"/>
+                        </a:spcAft>
+                        <a:buClr>
+                          <a:schemeClr val="folHlink"/>
+                        </a:buClr>
+                        <a:buSzPct val="80000"/>
+                        <a:buFont typeface="Wingdings" panose="05000000000000000000" pitchFamily="2" charset="2"/>
+                        <a:defRPr>
+                          <a:solidFill>
+                            <a:schemeClr val="tx1"/>
+                          </a:solidFill>
+                          <a:latin typeface="Arial" panose="020B0604020202020204" pitchFamily="34" charset="0"/>
+                        </a:defRPr>
+                      </a:lvl8pPr>
+                      <a:lvl9pPr marL="3111500" fontAlgn="base">
+                        <a:spcBef>
+                          <a:spcPct val="20000"/>
+                        </a:spcBef>
+                        <a:spcAft>
+                          <a:spcPct val="0"/>
+                        </a:spcAft>
+                        <a:buClr>
+                          <a:schemeClr val="folHlink"/>
+                        </a:buClr>
+                        <a:buSzPct val="80000"/>
+                        <a:buFont typeface="Wingdings" panose="05000000000000000000" pitchFamily="2" charset="2"/>
+                        <a:defRPr>
+                          <a:solidFill>
+                            <a:schemeClr val="tx1"/>
+                          </a:solidFill>
+                          <a:latin typeface="Arial" panose="020B0604020202020204" pitchFamily="34" charset="0"/>
+                        </a:defRPr>
+                      </a:lvl9pPr>
+                    </a:lstStyle>
+                    <a:p>
+                      <a:pPr marL="0" marR="0" lvl="0" indent="0" algn="l" defTabSz="914400" rtl="0" eaLnBrk="1" fontAlgn="base" latinLnBrk="0" hangingPunct="1">
+                        <a:lnSpc>
+                          <a:spcPct val="100000"/>
+                        </a:lnSpc>
+                        <a:spcBef>
+                          <a:spcPct val="20000"/>
+                        </a:spcBef>
+                        <a:spcAft>
+                          <a:spcPct val="0"/>
+                        </a:spcAft>
+                        <a:buClr>
+                          <a:schemeClr val="tx2"/>
+                        </a:buClr>
+                        <a:buSzPct val="70000"/>
+                        <a:buFont typeface="Wingdings" panose="05000000000000000000" pitchFamily="2" charset="2"/>
+                        <a:buNone/>
+                        <a:tabLst/>
+                      </a:pPr>
+                      <a:r>
+                        <a:rPr kumimoji="0" lang="en-US" altLang="ru-RU" sz="1800" b="0" i="0" u="none" strike="noStrike" cap="none" normalizeH="0" baseline="0" smtClean="0">
+                          <a:ln>
+                            <a:noFill/>
+                          </a:ln>
+                          <a:solidFill>
+                            <a:schemeClr val="accent2">
+                              <a:lumMod val="50000"/>
+                            </a:schemeClr>
+                          </a:solidFill>
+                          <a:effectLst/>
+                          <a:latin typeface="Arial" panose="020B0604020202020204" pitchFamily="34" charset="0"/>
+                        </a:rPr>
+                        <a:t>x4;y4</a:t>
+                      </a:r>
+                      <a:endParaRPr kumimoji="0" lang="ru-RU" altLang="ru-RU" sz="1800" b="0" i="0" u="none" strike="noStrike" cap="none" normalizeH="0" baseline="0" smtClean="0">
+                        <a:ln>
+                          <a:noFill/>
+                        </a:ln>
+                        <a:solidFill>
+                          <a:schemeClr val="accent2">
+                            <a:lumMod val="50000"/>
+                          </a:schemeClr>
+                        </a:solidFill>
+                        <a:effectLst/>
+                        <a:latin typeface="Arial" panose="020B0604020202020204" pitchFamily="34" charset="0"/>
+                      </a:endParaRPr>
+                    </a:p>
+                  </a:txBody>
+                  <a:tcPr horzOverflow="overflow">
+                    <a:lnL w="12700" cap="flat" cmpd="sng" algn="ctr">
+                      <a:solidFill>
+                        <a:schemeClr val="tx1"/>
+                      </a:solidFill>
+                      <a:prstDash val="solid"/>
+                      <a:round/>
+                      <a:headEnd type="none" w="med" len="med"/>
+                      <a:tailEnd type="none" w="med" len="med"/>
+                    </a:lnL>
+                    <a:lnR w="12700" cap="flat" cmpd="sng" algn="ctr">
+                      <a:solidFill>
+                        <a:schemeClr val="tx1"/>
+                      </a:solidFill>
+                      <a:prstDash val="solid"/>
+                      <a:round/>
+                      <a:headEnd type="none" w="med" len="med"/>
+                      <a:tailEnd type="none" w="med" len="med"/>
+                    </a:lnR>
+                    <a:lnT w="12700" cap="flat" cmpd="sng" algn="ctr">
+                      <a:solidFill>
+                        <a:schemeClr val="tx1"/>
+                      </a:solidFill>
+                      <a:prstDash val="solid"/>
+                      <a:round/>
+                      <a:headEnd type="none" w="med" len="med"/>
+                      <a:tailEnd type="none" w="med" len="med"/>
+                    </a:lnT>
+                    <a:lnB w="28575" cap="flat" cmpd="sng" algn="ctr">
+                      <a:solidFill>
+                        <a:schemeClr val="tx1"/>
+                      </a:solidFill>
+                      <a:prstDash val="solid"/>
+                      <a:round/>
+                      <a:headEnd type="none" w="med" len="med"/>
+                      <a:tailEnd type="none" w="med" len="med"/>
+                    </a:lnB>
+                    <a:lnTlToBr>
+                      <a:noFill/>
+                    </a:lnTlToBr>
+                    <a:lnBlToTr>
+                      <a:noFill/>
+                    </a:lnBlToTr>
+                    <a:noFill/>
+                  </a:tcPr>
+                </a:tc>
+                <a:tc>
+                  <a:txBody>
+                    <a:bodyPr/>
+                    <a:lstStyle>
+                      <a:lvl1pPr>
+                        <a:spcBef>
+                          <a:spcPct val="20000"/>
+                        </a:spcBef>
+                        <a:buClr>
+                          <a:schemeClr val="tx2"/>
+                        </a:buClr>
+                        <a:buSzPct val="70000"/>
+                        <a:buFont typeface="Wingdings" panose="05000000000000000000" pitchFamily="2" charset="2"/>
+                        <a:defRPr sz="2600">
+                          <a:solidFill>
+                            <a:schemeClr val="tx1"/>
+                          </a:solidFill>
+                          <a:latin typeface="Arial" panose="020B0604020202020204" pitchFamily="34" charset="0"/>
+                        </a:defRPr>
+                      </a:lvl1pPr>
+                      <a:lvl2pPr marL="344488">
+                        <a:spcBef>
+                          <a:spcPct val="20000"/>
+                        </a:spcBef>
+                        <a:buClr>
+                          <a:schemeClr val="accent2"/>
+                        </a:buClr>
+                        <a:buSzPct val="70000"/>
+                        <a:buFont typeface="Wingdings" panose="05000000000000000000" pitchFamily="2" charset="2"/>
+                        <a:defRPr sz="2200">
+                          <a:solidFill>
+                            <a:schemeClr val="tx1"/>
+                          </a:solidFill>
+                          <a:latin typeface="Arial" panose="020B0604020202020204" pitchFamily="34" charset="0"/>
+                        </a:defRPr>
+                      </a:lvl2pPr>
+                      <a:lvl3pPr marL="693738">
+                        <a:spcBef>
+                          <a:spcPct val="20000"/>
+                        </a:spcBef>
+                        <a:buClr>
+                          <a:schemeClr val="accent1"/>
+                        </a:buClr>
+                        <a:buSzPct val="70000"/>
+                        <a:buFont typeface="Wingdings" panose="05000000000000000000" pitchFamily="2" charset="2"/>
+                        <a:defRPr sz="2100">
+                          <a:solidFill>
+                            <a:schemeClr val="tx1"/>
+                          </a:solidFill>
+                          <a:latin typeface="Arial" panose="020B0604020202020204" pitchFamily="34" charset="0"/>
+                        </a:defRPr>
+                      </a:lvl3pPr>
+                      <a:lvl4pPr marL="989013">
+                        <a:spcBef>
+                          <a:spcPct val="20000"/>
+                        </a:spcBef>
+                        <a:buClr>
+                          <a:schemeClr val="tx2"/>
+                        </a:buClr>
+                        <a:buSzPct val="75000"/>
+                        <a:buFont typeface="Wingdings" panose="05000000000000000000" pitchFamily="2" charset="2"/>
+                        <a:defRPr>
+                          <a:solidFill>
+                            <a:schemeClr val="tx1"/>
+                          </a:solidFill>
+                          <a:latin typeface="Arial" panose="020B0604020202020204" pitchFamily="34" charset="0"/>
+                        </a:defRPr>
+                      </a:lvl4pPr>
+                      <a:lvl5pPr marL="1282700">
+                        <a:spcBef>
+                          <a:spcPct val="20000"/>
+                        </a:spcBef>
+                        <a:buClr>
+                          <a:schemeClr val="folHlink"/>
+                        </a:buClr>
+                        <a:buSzPct val="80000"/>
+                        <a:buFont typeface="Wingdings" panose="05000000000000000000" pitchFamily="2" charset="2"/>
+                        <a:defRPr>
+                          <a:solidFill>
+                            <a:schemeClr val="tx1"/>
+                          </a:solidFill>
+                          <a:latin typeface="Arial" panose="020B0604020202020204" pitchFamily="34" charset="0"/>
+                        </a:defRPr>
+                      </a:lvl5pPr>
+                      <a:lvl6pPr marL="1739900" fontAlgn="base">
+                        <a:spcBef>
+                          <a:spcPct val="20000"/>
+                        </a:spcBef>
+                        <a:spcAft>
+                          <a:spcPct val="0"/>
+                        </a:spcAft>
+                        <a:buClr>
+                          <a:schemeClr val="folHlink"/>
+                        </a:buClr>
+                        <a:buSzPct val="80000"/>
+                        <a:buFont typeface="Wingdings" panose="05000000000000000000" pitchFamily="2" charset="2"/>
+                        <a:defRPr>
+                          <a:solidFill>
+                            <a:schemeClr val="tx1"/>
+                          </a:solidFill>
+                          <a:latin typeface="Arial" panose="020B0604020202020204" pitchFamily="34" charset="0"/>
+                        </a:defRPr>
+                      </a:lvl6pPr>
+                      <a:lvl7pPr marL="2197100" fontAlgn="base">
+                        <a:spcBef>
+                          <a:spcPct val="20000"/>
+                        </a:spcBef>
+                        <a:spcAft>
+                          <a:spcPct val="0"/>
+                        </a:spcAft>
+                        <a:buClr>
+                          <a:schemeClr val="folHlink"/>
+                        </a:buClr>
+                        <a:buSzPct val="80000"/>
+                        <a:buFont typeface="Wingdings" panose="05000000000000000000" pitchFamily="2" charset="2"/>
+                        <a:defRPr>
+                          <a:solidFill>
+                            <a:schemeClr val="tx1"/>
+                          </a:solidFill>
+                          <a:latin typeface="Arial" panose="020B0604020202020204" pitchFamily="34" charset="0"/>
+                        </a:defRPr>
+                      </a:lvl7pPr>
+                      <a:lvl8pPr marL="2654300" fontAlgn="base">
+                        <a:spcBef>
+                          <a:spcPct val="20000"/>
+                        </a:spcBef>
+                        <a:spcAft>
+                          <a:spcPct val="0"/>
+                        </a:spcAft>
+                        <a:buClr>
+                          <a:schemeClr val="folHlink"/>
+                        </a:buClr>
+                        <a:buSzPct val="80000"/>
+                        <a:buFont typeface="Wingdings" panose="05000000000000000000" pitchFamily="2" charset="2"/>
+                        <a:defRPr>
+                          <a:solidFill>
+                            <a:schemeClr val="tx1"/>
+                          </a:solidFill>
+                          <a:latin typeface="Arial" panose="020B0604020202020204" pitchFamily="34" charset="0"/>
+                        </a:defRPr>
+                      </a:lvl8pPr>
+                      <a:lvl9pPr marL="3111500" fontAlgn="base">
+                        <a:spcBef>
+                          <a:spcPct val="20000"/>
+                        </a:spcBef>
+                        <a:spcAft>
+                          <a:spcPct val="0"/>
+                        </a:spcAft>
+                        <a:buClr>
+                          <a:schemeClr val="folHlink"/>
+                        </a:buClr>
+                        <a:buSzPct val="80000"/>
+                        <a:buFont typeface="Wingdings" panose="05000000000000000000" pitchFamily="2" charset="2"/>
+                        <a:defRPr>
+                          <a:solidFill>
+                            <a:schemeClr val="tx1"/>
+                          </a:solidFill>
+                          <a:latin typeface="Arial" panose="020B0604020202020204" pitchFamily="34" charset="0"/>
+                        </a:defRPr>
+                      </a:lvl9pPr>
+                    </a:lstStyle>
+                    <a:p>
+                      <a:pPr marL="0" marR="0" lvl="0" indent="0" algn="l" defTabSz="914400" rtl="0" eaLnBrk="1" fontAlgn="base" latinLnBrk="0" hangingPunct="1">
+                        <a:lnSpc>
+                          <a:spcPct val="100000"/>
+                        </a:lnSpc>
+                        <a:spcBef>
+                          <a:spcPct val="20000"/>
+                        </a:spcBef>
+                        <a:spcAft>
+                          <a:spcPct val="0"/>
+                        </a:spcAft>
+                        <a:buClr>
+                          <a:schemeClr val="tx2"/>
+                        </a:buClr>
+                        <a:buSzPct val="70000"/>
+                        <a:buFont typeface="Wingdings" panose="05000000000000000000" pitchFamily="2" charset="2"/>
+                        <a:buNone/>
+                        <a:tabLst/>
+                      </a:pPr>
+                      <a:r>
+                        <a:rPr kumimoji="0" lang="en-US" altLang="ru-RU" sz="1800" b="0" i="0" u="none" strike="noStrike" cap="none" normalizeH="0" baseline="0" dirty="0" smtClean="0">
+                          <a:ln>
+                            <a:noFill/>
+                          </a:ln>
+                          <a:solidFill>
+                            <a:schemeClr val="accent2">
+                              <a:lumMod val="50000"/>
+                            </a:schemeClr>
+                          </a:solidFill>
+                          <a:effectLst/>
+                          <a:latin typeface="Arial" panose="020B0604020202020204" pitchFamily="34" charset="0"/>
+                        </a:rPr>
+                        <a:t>x5;y5</a:t>
+                      </a:r>
+                      <a:endParaRPr kumimoji="0" lang="ru-RU" altLang="ru-RU" sz="1800" b="0" i="0" u="none" strike="noStrike" cap="none" normalizeH="0" baseline="0" dirty="0" smtClean="0">
+                        <a:ln>
+                          <a:noFill/>
+                        </a:ln>
+                        <a:solidFill>
+                          <a:schemeClr val="accent2">
+                            <a:lumMod val="50000"/>
+                          </a:schemeClr>
+                        </a:solidFill>
+                        <a:effectLst/>
+                        <a:latin typeface="Arial" panose="020B0604020202020204" pitchFamily="34" charset="0"/>
+                      </a:endParaRPr>
+                    </a:p>
+                  </a:txBody>
+                  <a:tcPr horzOverflow="overflow">
+                    <a:lnL w="12700" cap="flat" cmpd="sng" algn="ctr">
+                      <a:solidFill>
+                        <a:schemeClr val="tx1"/>
+                      </a:solidFill>
+                      <a:prstDash val="solid"/>
+                      <a:round/>
+                      <a:headEnd type="none" w="med" len="med"/>
+                      <a:tailEnd type="none" w="med" len="med"/>
+                    </a:lnL>
+                    <a:lnR w="12700" cap="flat" cmpd="sng" algn="ctr">
+                      <a:solidFill>
+                        <a:schemeClr val="tx1"/>
+                      </a:solidFill>
+                      <a:prstDash val="solid"/>
+                      <a:round/>
+                      <a:headEnd type="none" w="med" len="med"/>
+                      <a:tailEnd type="none" w="med" len="med"/>
+                    </a:lnR>
+                    <a:lnT w="12700" cap="flat" cmpd="sng" algn="ctr">
+                      <a:solidFill>
+                        <a:schemeClr val="tx1"/>
+                      </a:solidFill>
+                      <a:prstDash val="solid"/>
+                      <a:round/>
+                      <a:headEnd type="none" w="med" len="med"/>
+                      <a:tailEnd type="none" w="med" len="med"/>
+                    </a:lnT>
+                    <a:lnB w="28575" cap="flat" cmpd="sng" algn="ctr">
+                      <a:solidFill>
+                        <a:schemeClr val="tx1"/>
+                      </a:solidFill>
+                      <a:prstDash val="solid"/>
+                      <a:round/>
+                      <a:headEnd type="none" w="med" len="med"/>
+                      <a:tailEnd type="none" w="med" len="med"/>
+                    </a:lnB>
+                    <a:lnTlToBr>
+                      <a:noFill/>
+                    </a:lnTlToBr>
+                    <a:lnBlToTr>
+                      <a:noFill/>
+                    </a:lnBlToTr>
+                    <a:noFill/>
+                  </a:tcPr>
+                </a:tc>
+                <a:tc>
+                  <a:txBody>
+                    <a:bodyPr/>
+                    <a:lstStyle>
+                      <a:lvl1pPr>
+                        <a:spcBef>
+                          <a:spcPct val="20000"/>
+                        </a:spcBef>
+                        <a:buClr>
+                          <a:schemeClr val="tx2"/>
+                        </a:buClr>
+                        <a:buSzPct val="70000"/>
+                        <a:buFont typeface="Wingdings" panose="05000000000000000000" pitchFamily="2" charset="2"/>
+                        <a:defRPr sz="2600">
+                          <a:solidFill>
+                            <a:schemeClr val="tx1"/>
+                          </a:solidFill>
+                          <a:latin typeface="Arial" panose="020B0604020202020204" pitchFamily="34" charset="0"/>
+                        </a:defRPr>
+                      </a:lvl1pPr>
+                      <a:lvl2pPr marL="344488">
+                        <a:spcBef>
+                          <a:spcPct val="20000"/>
+                        </a:spcBef>
+                        <a:buClr>
+                          <a:schemeClr val="accent2"/>
+                        </a:buClr>
+                        <a:buSzPct val="70000"/>
+                        <a:buFont typeface="Wingdings" panose="05000000000000000000" pitchFamily="2" charset="2"/>
+                        <a:defRPr sz="2200">
+                          <a:solidFill>
+                            <a:schemeClr val="tx1"/>
+                          </a:solidFill>
+                          <a:latin typeface="Arial" panose="020B0604020202020204" pitchFamily="34" charset="0"/>
+                        </a:defRPr>
+                      </a:lvl2pPr>
+                      <a:lvl3pPr marL="693738">
+                        <a:spcBef>
+                          <a:spcPct val="20000"/>
+                        </a:spcBef>
+                        <a:buClr>
+                          <a:schemeClr val="accent1"/>
+                        </a:buClr>
+                        <a:buSzPct val="70000"/>
+                        <a:buFont typeface="Wingdings" panose="05000000000000000000" pitchFamily="2" charset="2"/>
+                        <a:defRPr sz="2100">
+                          <a:solidFill>
+                            <a:schemeClr val="tx1"/>
+                          </a:solidFill>
+                          <a:latin typeface="Arial" panose="020B0604020202020204" pitchFamily="34" charset="0"/>
+                        </a:defRPr>
+                      </a:lvl3pPr>
+                      <a:lvl4pPr marL="989013">
+                        <a:spcBef>
+                          <a:spcPct val="20000"/>
+                        </a:spcBef>
+                        <a:buClr>
+                          <a:schemeClr val="tx2"/>
+                        </a:buClr>
+                        <a:buSzPct val="75000"/>
+                        <a:buFont typeface="Wingdings" panose="05000000000000000000" pitchFamily="2" charset="2"/>
+                        <a:defRPr>
+                          <a:solidFill>
+                            <a:schemeClr val="tx1"/>
+                          </a:solidFill>
+                          <a:latin typeface="Arial" panose="020B0604020202020204" pitchFamily="34" charset="0"/>
+                        </a:defRPr>
+                      </a:lvl4pPr>
+                      <a:lvl5pPr marL="1282700">
+                        <a:spcBef>
+                          <a:spcPct val="20000"/>
+                        </a:spcBef>
+                        <a:buClr>
+                          <a:schemeClr val="folHlink"/>
+                        </a:buClr>
+                        <a:buSzPct val="80000"/>
+                        <a:buFont typeface="Wingdings" panose="05000000000000000000" pitchFamily="2" charset="2"/>
+                        <a:defRPr>
+                          <a:solidFill>
+                            <a:schemeClr val="tx1"/>
+                          </a:solidFill>
+                          <a:latin typeface="Arial" panose="020B0604020202020204" pitchFamily="34" charset="0"/>
+                        </a:defRPr>
+                      </a:lvl5pPr>
+                      <a:lvl6pPr marL="1739900" fontAlgn="base">
+                        <a:spcBef>
+                          <a:spcPct val="20000"/>
+                        </a:spcBef>
+                        <a:spcAft>
+                          <a:spcPct val="0"/>
+                        </a:spcAft>
+                        <a:buClr>
+                          <a:schemeClr val="folHlink"/>
+                        </a:buClr>
+                        <a:buSzPct val="80000"/>
+                        <a:buFont typeface="Wingdings" panose="05000000000000000000" pitchFamily="2" charset="2"/>
+                        <a:defRPr>
+                          <a:solidFill>
+                            <a:schemeClr val="tx1"/>
+                          </a:solidFill>
+                          <a:latin typeface="Arial" panose="020B0604020202020204" pitchFamily="34" charset="0"/>
+                        </a:defRPr>
+                      </a:lvl6pPr>
+                      <a:lvl7pPr marL="2197100" fontAlgn="base">
+                        <a:spcBef>
+                          <a:spcPct val="20000"/>
+                        </a:spcBef>
+                        <a:spcAft>
+                          <a:spcPct val="0"/>
+                        </a:spcAft>
+                        <a:buClr>
+                          <a:schemeClr val="folHlink"/>
+                        </a:buClr>
+                        <a:buSzPct val="80000"/>
+                        <a:buFont typeface="Wingdings" panose="05000000000000000000" pitchFamily="2" charset="2"/>
+                        <a:defRPr>
+                          <a:solidFill>
+                            <a:schemeClr val="tx1"/>
+                          </a:solidFill>
+                          <a:latin typeface="Arial" panose="020B0604020202020204" pitchFamily="34" charset="0"/>
+                        </a:defRPr>
+                      </a:lvl7pPr>
+                      <a:lvl8pPr marL="2654300" fontAlgn="base">
+                        <a:spcBef>
+                          <a:spcPct val="20000"/>
+                        </a:spcBef>
+                        <a:spcAft>
+                          <a:spcPct val="0"/>
+                        </a:spcAft>
+                        <a:buClr>
+                          <a:schemeClr val="folHlink"/>
+                        </a:buClr>
+                        <a:buSzPct val="80000"/>
+                        <a:buFont typeface="Wingdings" panose="05000000000000000000" pitchFamily="2" charset="2"/>
+                        <a:defRPr>
+                          <a:solidFill>
+                            <a:schemeClr val="tx1"/>
+                          </a:solidFill>
+                          <a:latin typeface="Arial" panose="020B0604020202020204" pitchFamily="34" charset="0"/>
+                        </a:defRPr>
+                      </a:lvl8pPr>
+                      <a:lvl9pPr marL="3111500" fontAlgn="base">
+                        <a:spcBef>
+                          <a:spcPct val="20000"/>
+                        </a:spcBef>
+                        <a:spcAft>
+                          <a:spcPct val="0"/>
+                        </a:spcAft>
+                        <a:buClr>
+                          <a:schemeClr val="folHlink"/>
+                        </a:buClr>
+                        <a:buSzPct val="80000"/>
+                        <a:buFont typeface="Wingdings" panose="05000000000000000000" pitchFamily="2" charset="2"/>
+                        <a:defRPr>
+                          <a:solidFill>
+                            <a:schemeClr val="tx1"/>
+                          </a:solidFill>
+                          <a:latin typeface="Arial" panose="020B0604020202020204" pitchFamily="34" charset="0"/>
+                        </a:defRPr>
+                      </a:lvl9pPr>
+                    </a:lstStyle>
+                    <a:p>
+                      <a:pPr marL="0" marR="0" lvl="0" indent="0" algn="l" defTabSz="914400" rtl="0" eaLnBrk="1" fontAlgn="base" latinLnBrk="0" hangingPunct="1">
+                        <a:lnSpc>
+                          <a:spcPct val="100000"/>
+                        </a:lnSpc>
+                        <a:spcBef>
+                          <a:spcPct val="20000"/>
+                        </a:spcBef>
+                        <a:spcAft>
+                          <a:spcPct val="0"/>
+                        </a:spcAft>
+                        <a:buClr>
+                          <a:schemeClr val="tx2"/>
+                        </a:buClr>
+                        <a:buSzPct val="70000"/>
+                        <a:buFont typeface="Wingdings" panose="05000000000000000000" pitchFamily="2" charset="2"/>
+                        <a:buNone/>
+                        <a:tabLst/>
+                      </a:pPr>
+                      <a:r>
+                        <a:rPr kumimoji="0" lang="en-US" altLang="ru-RU" sz="1800" b="0" i="0" u="none" strike="noStrike" cap="none" normalizeH="0" baseline="0" dirty="0" smtClean="0">
+                          <a:ln>
+                            <a:noFill/>
+                          </a:ln>
+                          <a:solidFill>
+                            <a:schemeClr val="accent2">
+                              <a:lumMod val="50000"/>
+                            </a:schemeClr>
+                          </a:solidFill>
+                          <a:effectLst/>
+                          <a:latin typeface="Arial" panose="020B0604020202020204" pitchFamily="34" charset="0"/>
+                        </a:rPr>
+                        <a:t>x6;y6</a:t>
+                      </a:r>
+                      <a:endParaRPr kumimoji="0" lang="ru-RU" altLang="ru-RU" sz="1800" b="0" i="0" u="none" strike="noStrike" cap="none" normalizeH="0" baseline="0" dirty="0" smtClean="0">
+                        <a:ln>
+                          <a:noFill/>
+                        </a:ln>
+                        <a:solidFill>
+                          <a:schemeClr val="accent2">
+                            <a:lumMod val="50000"/>
+                          </a:schemeClr>
+                        </a:solidFill>
+                        <a:effectLst/>
+                        <a:latin typeface="Arial" panose="020B0604020202020204" pitchFamily="34" charset="0"/>
+                      </a:endParaRPr>
+                    </a:p>
+                  </a:txBody>
+                  <a:tcPr horzOverflow="overflow">
+                    <a:lnL w="12700" cap="flat" cmpd="sng" algn="ctr">
+                      <a:solidFill>
+                        <a:schemeClr val="tx1"/>
+                      </a:solidFill>
+                      <a:prstDash val="solid"/>
+                      <a:round/>
+                      <a:headEnd type="none" w="med" len="med"/>
+                      <a:tailEnd type="none" w="med" len="med"/>
+                    </a:lnL>
+                    <a:lnR w="12700" cap="flat" cmpd="sng" algn="ctr">
+                      <a:solidFill>
+                        <a:schemeClr val="tx1"/>
+                      </a:solidFill>
+                      <a:prstDash val="solid"/>
+                      <a:round/>
+                      <a:headEnd type="none" w="med" len="med"/>
+                      <a:tailEnd type="none" w="med" len="med"/>
+                    </a:lnR>
+                    <a:lnT w="12700" cap="flat" cmpd="sng" algn="ctr">
+                      <a:solidFill>
+                        <a:schemeClr val="tx1"/>
+                      </a:solidFill>
+                      <a:prstDash val="solid"/>
+                      <a:round/>
+                      <a:headEnd type="none" w="med" len="med"/>
+                      <a:tailEnd type="none" w="med" len="med"/>
+                    </a:lnT>
+                    <a:lnB w="28575" cap="flat" cmpd="sng" algn="ctr">
+                      <a:solidFill>
+                        <a:schemeClr val="tx1"/>
+                      </a:solidFill>
+                      <a:prstDash val="solid"/>
+                      <a:round/>
+                      <a:headEnd type="none" w="med" len="med"/>
+                      <a:tailEnd type="none" w="med" len="med"/>
+                    </a:lnB>
+                    <a:lnTlToBr>
+                      <a:noFill/>
+                    </a:lnTlToBr>
+                    <a:lnBlToTr>
+                      <a:noFill/>
+                    </a:lnBlToTr>
+                    <a:noFill/>
+                  </a:tcPr>
+                </a:tc>
+                <a:extLst>
+                  <a:ext uri="{0D108BD9-81ED-4DB2-BD59-A6C34878D82A}">
+                    <a16:rowId xmlns:a16="http://schemas.microsoft.com/office/drawing/2014/main" xmlns="" val="1781623794"/>
+                  </a:ext>
+                </a:extLst>
+              </a:tr>
+            </a:tbl>
+          </a:graphicData>
+        </a:graphic>
+      </p:graphicFrame>
+    </p:spTree>
+    <p:extLst>
+      <p:ext uri="{BB962C8B-B14F-4D97-AF65-F5344CB8AC3E}">
+        <p14:creationId xmlns:p14="http://schemas.microsoft.com/office/powerpoint/2010/main" val="1881652542"/>
+      </p:ext>
+    </p:extLst>
+  </p:cSld>
+  <p:clrMapOvr>
+    <a:masterClrMapping/>
+  </p:clrMapOvr>
+</p:sld>
+</file>
+
+<file path=ppt/slides/slide11.xml><?xml version="1.0" encoding="utf-8"?>
+<p:sld xmlns:a="http://schemas.openxmlformats.org/drawingml/2006/main" xmlns:r="http://schemas.openxmlformats.org/officeDocument/2006/relationships" xmlns:p="http://schemas.openxmlformats.org/presentationml/2006/main">
+  <p:cSld>
+    <p:spTree>
+      <p:nvGrpSpPr>
+        <p:cNvPr id="1" name=""/>
+        <p:cNvGrpSpPr/>
+        <p:nvPr/>
+      </p:nvGrpSpPr>
+      <p:grpSpPr>
+        <a:xfrm>
+          <a:off x="0" y="0"/>
+          <a:ext cx="0" cy="0"/>
+          <a:chOff x="0" y="0"/>
+          <a:chExt cx="0" cy="0"/>
+        </a:xfrm>
+      </p:grpSpPr>
+      <p:sp>
+        <p:nvSpPr>
           <p:cNvPr id="2" name="TextBox 1"/>
           <p:cNvSpPr txBox="1"/>
           <p:nvPr/>
@@ -7057,7 +13377,7 @@
 </p:sld>
 </file>
 
-<file path=ppt/slides/slide11.xml><?xml version="1.0" encoding="utf-8"?>
+<file path=ppt/slides/slide12.xml><?xml version="1.0" encoding="utf-8"?>
 <p:sld xmlns:a="http://schemas.openxmlformats.org/drawingml/2006/main" xmlns:r="http://schemas.openxmlformats.org/officeDocument/2006/relationships" xmlns:p="http://schemas.openxmlformats.org/presentationml/2006/main">
   <p:cSld>
     <p:spTree>
@@ -8190,7 +14510,7 @@
 </p:sld>
 </file>
 
-<file path=ppt/slides/slide12.xml><?xml version="1.0" encoding="utf-8"?>
+<file path=ppt/slides/slide13.xml><?xml version="1.0" encoding="utf-8"?>
 <p:sld xmlns:a="http://schemas.openxmlformats.org/drawingml/2006/main" xmlns:r="http://schemas.openxmlformats.org/officeDocument/2006/relationships" xmlns:p="http://schemas.openxmlformats.org/presentationml/2006/main">
   <p:cSld>
     <p:spTree>
@@ -8257,7 +14577,149 @@
 </p:sld>
 </file>
 
-<file path=ppt/slides/slide13.xml><?xml version="1.0" encoding="utf-8"?>
+<file path=ppt/slides/slide14.xml><?xml version="1.0" encoding="utf-8"?>
+<p:sld xmlns:a="http://schemas.openxmlformats.org/drawingml/2006/main" xmlns:r="http://schemas.openxmlformats.org/officeDocument/2006/relationships" xmlns:p="http://schemas.openxmlformats.org/presentationml/2006/main">
+  <p:cSld>
+    <p:spTree>
+      <p:nvGrpSpPr>
+        <p:cNvPr id="1" name=""/>
+        <p:cNvGrpSpPr/>
+        <p:nvPr/>
+      </p:nvGrpSpPr>
+      <p:grpSpPr>
+        <a:xfrm>
+          <a:off x="0" y="0"/>
+          <a:ext cx="0" cy="0"/>
+          <a:chOff x="0" y="0"/>
+          <a:chExt cx="0" cy="0"/>
+        </a:xfrm>
+      </p:grpSpPr>
+      <p:sp>
+        <p:nvSpPr>
+          <p:cNvPr id="2" name="TextBox 1"/>
+          <p:cNvSpPr txBox="1"/>
+          <p:nvPr/>
+        </p:nvSpPr>
+        <p:spPr>
+          <a:xfrm>
+            <a:off x="1932301" y="337751"/>
+            <a:ext cx="6631944" cy="769441"/>
+          </a:xfrm>
+          <a:prstGeom prst="rect">
+            <a:avLst/>
+          </a:prstGeom>
+          <a:noFill/>
+        </p:spPr>
+        <p:txBody>
+          <a:bodyPr wrap="none" rtlCol="0">
+            <a:spAutoFit/>
+          </a:bodyPr>
+          <a:lstStyle/>
+          <a:p>
+            <a:r>
+              <a:rPr lang="ru-RU" sz="4400" dirty="0" smtClean="0">
+                <a:solidFill>
+                  <a:schemeClr val="accent2"/>
+                </a:solidFill>
+              </a:rPr>
+              <a:t>Возможные затруднения</a:t>
+            </a:r>
+            <a:endParaRPr lang="ru-RU" sz="4400" dirty="0">
+              <a:solidFill>
+                <a:schemeClr val="accent2"/>
+              </a:solidFill>
+            </a:endParaRPr>
+          </a:p>
+        </p:txBody>
+      </p:sp>
+      <p:sp>
+        <p:nvSpPr>
+          <p:cNvPr id="3" name="TextBox 2"/>
+          <p:cNvSpPr txBox="1"/>
+          <p:nvPr/>
+        </p:nvSpPr>
+        <p:spPr>
+          <a:xfrm>
+            <a:off x="844061" y="1508369"/>
+            <a:ext cx="8393644" cy="646331"/>
+          </a:xfrm>
+          <a:prstGeom prst="rect">
+            <a:avLst/>
+          </a:prstGeom>
+          <a:noFill/>
+        </p:spPr>
+        <p:txBody>
+          <a:bodyPr wrap="none" rtlCol="0">
+            <a:spAutoFit/>
+          </a:bodyPr>
+          <a:lstStyle/>
+          <a:p>
+            <a:r>
+              <a:rPr lang="ru-RU" dirty="0" smtClean="0">
+                <a:solidFill>
+                  <a:schemeClr val="accent2">
+                    <a:lumMod val="50000"/>
+                  </a:schemeClr>
+                </a:solidFill>
+              </a:rPr>
+              <a:t>Разобраться с методом </a:t>
+            </a:r>
+            <a:r>
+              <a:rPr lang="ru-RU" dirty="0" err="1" smtClean="0">
+                <a:solidFill>
+                  <a:schemeClr val="accent2">
+                    <a:lumMod val="50000"/>
+                  </a:schemeClr>
+                </a:solidFill>
+              </a:rPr>
+              <a:t>Крамера</a:t>
+            </a:r>
+            <a:r>
+              <a:rPr lang="ru-RU" dirty="0" smtClean="0">
+                <a:solidFill>
+                  <a:schemeClr val="accent2">
+                    <a:lumMod val="50000"/>
+                  </a:schemeClr>
+                </a:solidFill>
+              </a:rPr>
+              <a:t>, с определителями и как это использовать </a:t>
+            </a:r>
+          </a:p>
+          <a:p>
+            <a:r>
+              <a:rPr lang="ru-RU" dirty="0" smtClean="0">
+                <a:solidFill>
+                  <a:schemeClr val="accent2">
+                    <a:lumMod val="50000"/>
+                  </a:schemeClr>
+                </a:solidFill>
+              </a:rPr>
+              <a:t>в программе </a:t>
+            </a:r>
+            <a:endParaRPr lang="ru-RU" dirty="0">
+              <a:solidFill>
+                <a:schemeClr val="accent2">
+                  <a:lumMod val="50000"/>
+                </a:schemeClr>
+              </a:solidFill>
+            </a:endParaRPr>
+          </a:p>
+        </p:txBody>
+      </p:sp>
+    </p:spTree>
+    <p:extLst>
+      <p:ext uri="{BB962C8B-B14F-4D97-AF65-F5344CB8AC3E}">
+        <p14:creationId xmlns:p14="http://schemas.microsoft.com/office/powerpoint/2010/main" val="2086341023"/>
+      </p:ext>
+    </p:extLst>
+  </p:cSld>
+  <p:clrMapOvr>
+    <a:masterClrMapping/>
+  </p:clrMapOvr>
+</p:sld>
+</file>
+
+<file path=ppt/slides/slide15.xml><?xml version="1.0" encoding="utf-8"?>
 <p:sld xmlns:a="http://schemas.openxmlformats.org/drawingml/2006/main" xmlns:r="http://schemas.openxmlformats.org/officeDocument/2006/relationships" xmlns:p="http://schemas.openxmlformats.org/presentationml/2006/main">
   <p:cSld>
     <p:spTree>
@@ -11487,7 +17949,7 @@
   <a:extraClrSchemeLst/>
   <a:extLst>
     <a:ext uri="{05A4C25C-085E-4340-85A3-A5531E510DB2}">
-      <thm15:themeFamily xmlns:thm15="http://schemas.microsoft.com/office/thememl/2012/main" name="Facet" id="{C0C680CD-088A-49FC-A102-D699147F32B2}" vid="{CFBC31BA-B70F-4F30-BCAA-4F3011E16C4D}"/>
+      <thm15:themeFamily xmlns:thm15="http://schemas.microsoft.com/office/thememl/2012/main" xmlns="" name="Facet" id="{C0C680CD-088A-49FC-A102-D699147F32B2}" vid="{CFBC31BA-B70F-4F30-BCAA-4F3011E16C4D}"/>
     </a:ext>
   </a:extLst>
 </a:theme>
